--- a/python_tutorial.pptx
+++ b/python_tutorial.pptx
@@ -6,13 +6,15 @@
     <p:sldMasterId id="2147483674" r:id="rId5"/>
   </p:sldMasterIdLst>
   <p:notesMasterIdLst>
-    <p:notesMasterId r:id="rId10"/>
+    <p:notesMasterId r:id="rId12"/>
   </p:notesMasterIdLst>
   <p:sldIdLst>
     <p:sldId id="256" r:id="rId6"/>
     <p:sldId id="281" r:id="rId7"/>
     <p:sldId id="275" r:id="rId8"/>
-    <p:sldId id="274" r:id="rId9"/>
+    <p:sldId id="282" r:id="rId9"/>
+    <p:sldId id="283" r:id="rId10"/>
+    <p:sldId id="274" r:id="rId11"/>
   </p:sldIdLst>
   <p:sldSz cx="12192000" cy="6858000"/>
   <p:notesSz cx="6858000" cy="9144000"/>
@@ -22603,8 +22605,8 @@
         </p:nvSpPr>
         <p:spPr>
           <a:xfrm>
-            <a:off x="626745" y="2315782"/>
-            <a:ext cx="5048250" cy="1477328"/>
+            <a:off x="539284" y="2180098"/>
+            <a:ext cx="10687345" cy="1477328"/>
           </a:xfrm>
         </p:spPr>
         <p:txBody>
@@ -22621,17 +22623,24 @@
             </a:r>
             <a:r>
               <a:rPr lang="sv-SE" b="0" dirty="0" err="1"/>
-              <a:t>basic</a:t>
+              <a:t>tutorial</a:t>
             </a:r>
             <a:r>
               <a:rPr lang="sv-SE" b="0" dirty="0"/>
-              <a:t> </a:t>
+              <a:t> – 4D data </a:t>
             </a:r>
             <a:r>
               <a:rPr lang="sv-SE" b="0" dirty="0" err="1"/>
-              <a:t>tutorial</a:t>
+              <a:t>analysis</a:t>
             </a:r>
-            <a:endParaRPr lang="sv-SE" b="0" dirty="0"/>
+            <a:r>
+              <a:rPr lang="sv-SE" b="0" dirty="0"/>
+              <a:t> and </a:t>
+            </a:r>
+            <a:r>
+              <a:rPr lang="en-GB" b="0" dirty="0"/>
+              <a:t>Visualisation</a:t>
+            </a:r>
           </a:p>
         </p:txBody>
       </p:sp>
@@ -22647,7 +22656,7 @@
         </p:nvSpPr>
         <p:spPr>
           <a:xfrm>
-            <a:off x="626745" y="4358640"/>
+            <a:off x="626745" y="4770763"/>
             <a:ext cx="5048250" cy="1146044"/>
           </a:xfrm>
         </p:spPr>
@@ -22690,184 +22699,6 @@
           </a:p>
         </p:txBody>
       </p:sp>
-      <p:pic>
-        <p:nvPicPr>
-          <p:cNvPr id="17" name="Platshållare för bild 39" descr="shutterstock_246422590.jpg">
-            <a:extLst>
-              <a:ext uri="{FF2B5EF4-FFF2-40B4-BE49-F238E27FC236}">
-                <a16:creationId xmlns:a16="http://schemas.microsoft.com/office/drawing/2014/main" id="{CF05F207-8268-4130-8C08-3563670881F3}"/>
-              </a:ext>
-            </a:extLst>
-          </p:cNvPr>
-          <p:cNvPicPr>
-            <a:picLocks noChangeAspect="1"/>
-          </p:cNvPicPr>
-          <p:nvPr/>
-        </p:nvPicPr>
-        <p:blipFill rotWithShape="1">
-          <a:blip r:embed="rId2" cstate="print">
-            <a:extLst>
-              <a:ext uri="{28A0092B-C50C-407E-A947-70E740481C1C}">
-                <a14:useLocalDpi xmlns:a14="http://schemas.microsoft.com/office/drawing/2010/main"/>
-              </a:ext>
-            </a:extLst>
-          </a:blip>
-          <a:srcRect l="3959" r="3959"/>
-          <a:stretch/>
-        </p:blipFill>
-        <p:spPr>
-          <a:xfrm>
-            <a:off x="6094801" y="0"/>
-            <a:ext cx="6097199" cy="3407911"/>
-          </a:xfrm>
-          <a:custGeom>
-            <a:avLst/>
-            <a:gdLst>
-              <a:gd name="connsiteX0" fmla="*/ 0 w 3049200"/>
-              <a:gd name="connsiteY0" fmla="*/ 0 h 3407911"/>
-              <a:gd name="connsiteX1" fmla="*/ 3049200 w 3049200"/>
-              <a:gd name="connsiteY1" fmla="*/ 0 h 3407911"/>
-              <a:gd name="connsiteX2" fmla="*/ 3049200 w 3049200"/>
-              <a:gd name="connsiteY2" fmla="*/ 3407911 h 3407911"/>
-              <a:gd name="connsiteX3" fmla="*/ 21001 w 3049200"/>
-              <a:gd name="connsiteY3" fmla="*/ 3407911 h 3407911"/>
-              <a:gd name="connsiteX4" fmla="*/ 21001 w 3049200"/>
-              <a:gd name="connsiteY4" fmla="*/ 1 h 3407911"/>
-              <a:gd name="connsiteX5" fmla="*/ 0 w 3049200"/>
-              <a:gd name="connsiteY5" fmla="*/ 1 h 3407911"/>
-            </a:gdLst>
-            <a:ahLst/>
-            <a:cxnLst>
-              <a:cxn ang="0">
-                <a:pos x="connsiteX0" y="connsiteY0"/>
-              </a:cxn>
-              <a:cxn ang="0">
-                <a:pos x="connsiteX1" y="connsiteY1"/>
-              </a:cxn>
-              <a:cxn ang="0">
-                <a:pos x="connsiteX2" y="connsiteY2"/>
-              </a:cxn>
-              <a:cxn ang="0">
-                <a:pos x="connsiteX3" y="connsiteY3"/>
-              </a:cxn>
-              <a:cxn ang="0">
-                <a:pos x="connsiteX4" y="connsiteY4"/>
-              </a:cxn>
-              <a:cxn ang="0">
-                <a:pos x="connsiteX5" y="connsiteY5"/>
-              </a:cxn>
-            </a:cxnLst>
-            <a:rect l="l" t="t" r="r" b="b"/>
-            <a:pathLst>
-              <a:path w="3049200" h="3407911">
-                <a:moveTo>
-                  <a:pt x="0" y="0"/>
-                </a:moveTo>
-                <a:lnTo>
-                  <a:pt x="3049200" y="0"/>
-                </a:lnTo>
-                <a:lnTo>
-                  <a:pt x="3049200" y="3407911"/>
-                </a:lnTo>
-                <a:lnTo>
-                  <a:pt x="21001" y="3407911"/>
-                </a:lnTo>
-                <a:lnTo>
-                  <a:pt x="21001" y="1"/>
-                </a:lnTo>
-                <a:lnTo>
-                  <a:pt x="0" y="1"/>
-                </a:lnTo>
-                <a:close/>
-              </a:path>
-            </a:pathLst>
-          </a:custGeom>
-          <a:solidFill>
-            <a:schemeClr val="bg2"/>
-          </a:solidFill>
-        </p:spPr>
-      </p:pic>
-      <p:pic>
-        <p:nvPicPr>
-          <p:cNvPr id="18" name="Platshållare för bild 4">
-            <a:extLst>
-              <a:ext uri="{FF2B5EF4-FFF2-40B4-BE49-F238E27FC236}">
-                <a16:creationId xmlns:a16="http://schemas.microsoft.com/office/drawing/2014/main" id="{038E9DD6-E3D8-4E8C-8AF4-26B7E2C72C9B}"/>
-              </a:ext>
-            </a:extLst>
-          </p:cNvPr>
-          <p:cNvPicPr>
-            <a:picLocks noChangeAspect="1"/>
-          </p:cNvPicPr>
-          <p:nvPr/>
-        </p:nvPicPr>
-        <p:blipFill rotWithShape="1">
-          <a:blip r:embed="rId3" cstate="print">
-            <a:extLst>
-              <a:ext uri="{28A0092B-C50C-407E-A947-70E740481C1C}">
-                <a14:useLocalDpi xmlns:a14="http://schemas.microsoft.com/office/drawing/2010/main"/>
-              </a:ext>
-            </a:extLst>
-          </a:blip>
-          <a:srcRect l="4702" r="4702"/>
-          <a:stretch/>
-        </p:blipFill>
-        <p:spPr>
-          <a:xfrm>
-            <a:off x="6115801" y="3447510"/>
-            <a:ext cx="6097199" cy="3410490"/>
-          </a:xfrm>
-          <a:custGeom>
-            <a:avLst/>
-            <a:gdLst>
-              <a:gd name="connsiteX0" fmla="*/ 0 w 3008401"/>
-              <a:gd name="connsiteY0" fmla="*/ 0 h 3410490"/>
-              <a:gd name="connsiteX1" fmla="*/ 3008401 w 3008401"/>
-              <a:gd name="connsiteY1" fmla="*/ 0 h 3410490"/>
-              <a:gd name="connsiteX2" fmla="*/ 3008401 w 3008401"/>
-              <a:gd name="connsiteY2" fmla="*/ 3410490 h 3410490"/>
-              <a:gd name="connsiteX3" fmla="*/ 0 w 3008401"/>
-              <a:gd name="connsiteY3" fmla="*/ 3410490 h 3410490"/>
-            </a:gdLst>
-            <a:ahLst/>
-            <a:cxnLst>
-              <a:cxn ang="0">
-                <a:pos x="connsiteX0" y="connsiteY0"/>
-              </a:cxn>
-              <a:cxn ang="0">
-                <a:pos x="connsiteX1" y="connsiteY1"/>
-              </a:cxn>
-              <a:cxn ang="0">
-                <a:pos x="connsiteX2" y="connsiteY2"/>
-              </a:cxn>
-              <a:cxn ang="0">
-                <a:pos x="connsiteX3" y="connsiteY3"/>
-              </a:cxn>
-            </a:cxnLst>
-            <a:rect l="l" t="t" r="r" b="b"/>
-            <a:pathLst>
-              <a:path w="3008401" h="3410490">
-                <a:moveTo>
-                  <a:pt x="0" y="0"/>
-                </a:moveTo>
-                <a:lnTo>
-                  <a:pt x="3008401" y="0"/>
-                </a:lnTo>
-                <a:lnTo>
-                  <a:pt x="3008401" y="3410490"/>
-                </a:lnTo>
-                <a:lnTo>
-                  <a:pt x="0" y="3410490"/>
-                </a:lnTo>
-                <a:close/>
-              </a:path>
-            </a:pathLst>
-          </a:custGeom>
-          <a:solidFill>
-            <a:schemeClr val="bg2"/>
-          </a:solidFill>
-        </p:spPr>
-      </p:pic>
     </p:spTree>
     <p:extLst>
       <p:ext uri="{BB962C8B-B14F-4D97-AF65-F5344CB8AC3E}">
@@ -22989,7 +22820,7 @@
         </p:spPr>
         <p:txBody>
           <a:bodyPr>
-            <a:normAutofit fontScale="92500" lnSpcReduction="10000"/>
+            <a:normAutofit lnSpcReduction="10000"/>
           </a:bodyPr>
           <a:lstStyle/>
           <a:p>
@@ -23057,23 +22888,8 @@
           <a:p>
             <a:r>
               <a:rPr lang="en-GB" sz="2400" dirty="0"/>
-              <a:t>How can Python be useful for me?</a:t>
+              <a:t>Example: 4D data analysis and visualisation</a:t>
             </a:r>
-          </a:p>
-          <a:p>
-            <a:pPr lvl="1"/>
-            <a:r>
-              <a:rPr lang="en-GB" sz="2200" dirty="0"/>
-              <a:t>Example 1: data analysis and visualisation of 4D data</a:t>
-            </a:r>
-          </a:p>
-          <a:p>
-            <a:pPr lvl="1"/>
-            <a:r>
-              <a:rPr lang="en-GB" sz="2200"/>
-              <a:t>Example 2:</a:t>
-            </a:r>
-            <a:endParaRPr lang="en-GB" sz="2200" dirty="0"/>
           </a:p>
           <a:p>
             <a:r>
@@ -23227,11 +23043,8 @@
           <a:p>
             <a:r>
               <a:rPr lang="en-GB" sz="2400" dirty="0"/>
-              <a:t>Choose Spyder (IDE - integrated development environment for python) after installation of anaconda</a:t>
+              <a:t>Choose Spyder (IDE - integrated development environment for python)</a:t>
             </a:r>
-          </a:p>
-          <a:p>
-            <a:endParaRPr lang="en-GB" sz="2400" dirty="0"/>
           </a:p>
         </p:txBody>
       </p:sp>
@@ -23267,6 +23080,4084 @@
       </p:grpSpPr>
       <p:sp>
         <p:nvSpPr>
+          <p:cNvPr id="2" name="Platshållare för innehåll 1">
+            <a:extLst>
+              <a:ext uri="{FF2B5EF4-FFF2-40B4-BE49-F238E27FC236}">
+                <a16:creationId xmlns:a16="http://schemas.microsoft.com/office/drawing/2014/main" id="{2822E64F-FEF1-47CD-BCCD-E3AEF2F1CAF7}"/>
+              </a:ext>
+            </a:extLst>
+          </p:cNvPr>
+          <p:cNvSpPr>
+            <a:spLocks noGrp="1"/>
+          </p:cNvSpPr>
+          <p:nvPr>
+            <p:ph idx="1"/>
+          </p:nvPr>
+        </p:nvSpPr>
+        <p:spPr>
+          <a:xfrm>
+            <a:off x="550863" y="1098857"/>
+            <a:ext cx="11090274" cy="492443"/>
+          </a:xfrm>
+        </p:spPr>
+        <p:txBody>
+          <a:bodyPr>
+            <a:normAutofit fontScale="47500" lnSpcReduction="20000"/>
+          </a:bodyPr>
+          <a:lstStyle/>
+          <a:p>
+            <a:r>
+              <a:rPr lang="en-GB" dirty="0"/>
+              <a:t>Aim: approximate data, and plot 4D data.</a:t>
+            </a:r>
+          </a:p>
+          <a:p>
+            <a:r>
+              <a:rPr lang="en-GB" dirty="0"/>
+              <a:t>Link to download example: https://github.com/cenghu/python_tutorial</a:t>
+            </a:r>
+          </a:p>
+          <a:p>
+            <a:endParaRPr lang="en-GB" dirty="0"/>
+          </a:p>
+        </p:txBody>
+      </p:sp>
+      <p:sp>
+        <p:nvSpPr>
+          <p:cNvPr id="3" name="Platshållare för bildnummer 2">
+            <a:extLst>
+              <a:ext uri="{FF2B5EF4-FFF2-40B4-BE49-F238E27FC236}">
+                <a16:creationId xmlns:a16="http://schemas.microsoft.com/office/drawing/2014/main" id="{3A28B6DF-4F49-4488-B186-4EC48E687759}"/>
+              </a:ext>
+            </a:extLst>
+          </p:cNvPr>
+          <p:cNvSpPr>
+            <a:spLocks noGrp="1"/>
+          </p:cNvSpPr>
+          <p:nvPr>
+            <p:ph type="sldNum" sz="quarter" idx="10"/>
+          </p:nvPr>
+        </p:nvSpPr>
+        <p:spPr/>
+        <p:txBody>
+          <a:bodyPr/>
+          <a:lstStyle/>
+          <a:p>
+            <a:fld id="{689F2D8B-41AF-4F0A-96D1-36B06F461775}" type="slidenum">
+              <a:rPr lang="sv-SE" smtClean="0"/>
+              <a:pPr/>
+              <a:t>4</a:t>
+            </a:fld>
+            <a:endParaRPr lang="sv-SE"/>
+          </a:p>
+        </p:txBody>
+      </p:sp>
+      <p:sp>
+        <p:nvSpPr>
+          <p:cNvPr id="4" name="Rubrik 3">
+            <a:extLst>
+              <a:ext uri="{FF2B5EF4-FFF2-40B4-BE49-F238E27FC236}">
+                <a16:creationId xmlns:a16="http://schemas.microsoft.com/office/drawing/2014/main" id="{724A2164-1461-4ED0-839F-E22F43ECA08C}"/>
+              </a:ext>
+            </a:extLst>
+          </p:cNvPr>
+          <p:cNvSpPr>
+            <a:spLocks noGrp="1"/>
+          </p:cNvSpPr>
+          <p:nvPr>
+            <p:ph type="title"/>
+          </p:nvPr>
+        </p:nvSpPr>
+        <p:spPr>
+          <a:xfrm>
+            <a:off x="550863" y="404813"/>
+            <a:ext cx="11090274" cy="492443"/>
+          </a:xfrm>
+        </p:spPr>
+        <p:txBody>
+          <a:bodyPr/>
+          <a:lstStyle/>
+          <a:p>
+            <a:r>
+              <a:rPr lang="en-GB" dirty="0"/>
+              <a:t>Example: 4D data analysis and visualisation</a:t>
+            </a:r>
+          </a:p>
+        </p:txBody>
+      </p:sp>
+      <p:graphicFrame>
+        <p:nvGraphicFramePr>
+          <p:cNvPr id="5" name="Tabell 4">
+            <a:extLst>
+              <a:ext uri="{FF2B5EF4-FFF2-40B4-BE49-F238E27FC236}">
+                <a16:creationId xmlns:a16="http://schemas.microsoft.com/office/drawing/2014/main" id="{F8ACB9FD-3364-49BD-AA67-32E2F60B8133}"/>
+              </a:ext>
+            </a:extLst>
+          </p:cNvPr>
+          <p:cNvGraphicFramePr>
+            <a:graphicFrameLocks noGrp="1"/>
+          </p:cNvGraphicFramePr>
+          <p:nvPr>
+            <p:extLst>
+              <p:ext uri="{D42A27DB-BD31-4B8C-83A1-F6EECF244321}">
+                <p14:modId xmlns:p14="http://schemas.microsoft.com/office/powerpoint/2010/main" val="3904975134"/>
+              </p:ext>
+            </p:extLst>
+          </p:nvPr>
+        </p:nvGraphicFramePr>
+        <p:xfrm>
+          <a:off x="550863" y="1792901"/>
+          <a:ext cx="4000500" cy="4953000"/>
+        </p:xfrm>
+        <a:graphic>
+          <a:graphicData uri="http://schemas.openxmlformats.org/drawingml/2006/table">
+            <a:tbl>
+              <a:tblPr/>
+              <a:tblGrid>
+                <a:gridCol w="1562100">
+                  <a:extLst>
+                    <a:ext uri="{9D8B030D-6E8A-4147-A177-3AD203B41FA5}">
+                      <a16:colId xmlns:a16="http://schemas.microsoft.com/office/drawing/2014/main" val="3022601154"/>
+                    </a:ext>
+                  </a:extLst>
+                </a:gridCol>
+                <a:gridCol w="609600">
+                  <a:extLst>
+                    <a:ext uri="{9D8B030D-6E8A-4147-A177-3AD203B41FA5}">
+                      <a16:colId xmlns:a16="http://schemas.microsoft.com/office/drawing/2014/main" val="989278562"/>
+                    </a:ext>
+                  </a:extLst>
+                </a:gridCol>
+                <a:gridCol w="609600">
+                  <a:extLst>
+                    <a:ext uri="{9D8B030D-6E8A-4147-A177-3AD203B41FA5}">
+                      <a16:colId xmlns:a16="http://schemas.microsoft.com/office/drawing/2014/main" val="1721009484"/>
+                    </a:ext>
+                  </a:extLst>
+                </a:gridCol>
+                <a:gridCol w="609600">
+                  <a:extLst>
+                    <a:ext uri="{9D8B030D-6E8A-4147-A177-3AD203B41FA5}">
+                      <a16:colId xmlns:a16="http://schemas.microsoft.com/office/drawing/2014/main" val="717062168"/>
+                    </a:ext>
+                  </a:extLst>
+                </a:gridCol>
+                <a:gridCol w="609600">
+                  <a:extLst>
+                    <a:ext uri="{9D8B030D-6E8A-4147-A177-3AD203B41FA5}">
+                      <a16:colId xmlns:a16="http://schemas.microsoft.com/office/drawing/2014/main" val="3985543666"/>
+                    </a:ext>
+                  </a:extLst>
+                </a:gridCol>
+              </a:tblGrid>
+              <a:tr h="182880">
+                <a:tc>
+                  <a:txBody>
+                    <a:bodyPr/>
+                    <a:lstStyle/>
+                    <a:p>
+                      <a:pPr algn="l" fontAlgn="b"/>
+                      <a:r>
+                        <a:rPr lang="sv-SE" sz="1100" b="0" i="0" u="none" strike="noStrike">
+                          <a:solidFill>
+                            <a:srgbClr val="000000"/>
+                          </a:solidFill>
+                          <a:effectLst/>
+                          <a:latin typeface="Calibri" panose="020F0502020204030204" pitchFamily="34" charset="0"/>
+                        </a:rPr>
+                        <a:t>dust name</a:t>
+                      </a:r>
+                    </a:p>
+                  </a:txBody>
+                  <a:tcPr marL="7620" marR="7620" marT="7620" marB="0" anchor="b">
+                    <a:lnL>
+                      <a:noFill/>
+                    </a:lnL>
+                    <a:lnR>
+                      <a:noFill/>
+                    </a:lnR>
+                    <a:lnT>
+                      <a:noFill/>
+                    </a:lnT>
+                    <a:lnB>
+                      <a:noFill/>
+                    </a:lnB>
+                  </a:tcPr>
+                </a:tc>
+                <a:tc>
+                  <a:txBody>
+                    <a:bodyPr/>
+                    <a:lstStyle/>
+                    <a:p>
+                      <a:pPr algn="l" fontAlgn="b"/>
+                      <a:r>
+                        <a:rPr lang="sv-SE" sz="1100" b="0" i="0" u="none" strike="noStrike">
+                          <a:solidFill>
+                            <a:srgbClr val="000000"/>
+                          </a:solidFill>
+                          <a:effectLst/>
+                          <a:latin typeface="Calibri" panose="020F0502020204030204" pitchFamily="34" charset="0"/>
+                        </a:rPr>
+                        <a:t>D50 [µm]</a:t>
+                      </a:r>
+                    </a:p>
+                  </a:txBody>
+                  <a:tcPr marL="7620" marR="7620" marT="7620" marB="0" anchor="b">
+                    <a:lnL>
+                      <a:noFill/>
+                    </a:lnL>
+                    <a:lnR>
+                      <a:noFill/>
+                    </a:lnR>
+                    <a:lnT>
+                      <a:noFill/>
+                    </a:lnT>
+                    <a:lnB>
+                      <a:noFill/>
+                    </a:lnB>
+                  </a:tcPr>
+                </a:tc>
+                <a:tc>
+                  <a:txBody>
+                    <a:bodyPr/>
+                    <a:lstStyle/>
+                    <a:p>
+                      <a:pPr algn="l" fontAlgn="b"/>
+                      <a:r>
+                        <a:rPr lang="sv-SE" sz="1100" b="0" i="0" u="none" strike="noStrike">
+                          <a:solidFill>
+                            <a:srgbClr val="000000"/>
+                          </a:solidFill>
+                          <a:effectLst/>
+                          <a:latin typeface="Calibri" panose="020F0502020204030204" pitchFamily="34" charset="0"/>
+                        </a:rPr>
+                        <a:t>moisture content by mass [%]</a:t>
+                      </a:r>
+                    </a:p>
+                  </a:txBody>
+                  <a:tcPr marL="7620" marR="7620" marT="7620" marB="0" anchor="b">
+                    <a:lnL>
+                      <a:noFill/>
+                    </a:lnL>
+                    <a:lnR>
+                      <a:noFill/>
+                    </a:lnR>
+                    <a:lnT>
+                      <a:noFill/>
+                    </a:lnT>
+                    <a:lnB>
+                      <a:noFill/>
+                    </a:lnB>
+                  </a:tcPr>
+                </a:tc>
+                <a:tc>
+                  <a:txBody>
+                    <a:bodyPr/>
+                    <a:lstStyle/>
+                    <a:p>
+                      <a:pPr algn="l" fontAlgn="b"/>
+                      <a:r>
+                        <a:rPr lang="sv-SE" sz="1100" b="0" i="0" u="none" strike="noStrike">
+                          <a:solidFill>
+                            <a:srgbClr val="000000"/>
+                          </a:solidFill>
+                          <a:effectLst/>
+                          <a:latin typeface="Calibri" panose="020F0502020204030204" pitchFamily="34" charset="0"/>
+                        </a:rPr>
+                        <a:t>Pmax</a:t>
+                      </a:r>
+                    </a:p>
+                  </a:txBody>
+                  <a:tcPr marL="7620" marR="7620" marT="7620" marB="0" anchor="b">
+                    <a:lnL>
+                      <a:noFill/>
+                    </a:lnL>
+                    <a:lnR>
+                      <a:noFill/>
+                    </a:lnR>
+                    <a:lnT>
+                      <a:noFill/>
+                    </a:lnT>
+                    <a:lnB>
+                      <a:noFill/>
+                    </a:lnB>
+                  </a:tcPr>
+                </a:tc>
+                <a:tc>
+                  <a:txBody>
+                    <a:bodyPr/>
+                    <a:lstStyle/>
+                    <a:p>
+                      <a:pPr algn="l" fontAlgn="b"/>
+                      <a:r>
+                        <a:rPr lang="sv-SE" sz="1100" b="0" i="0" u="none" strike="noStrike">
+                          <a:solidFill>
+                            <a:srgbClr val="000000"/>
+                          </a:solidFill>
+                          <a:effectLst/>
+                          <a:latin typeface="Calibri" panose="020F0502020204030204" pitchFamily="34" charset="0"/>
+                        </a:rPr>
+                        <a:t>KSt [bar·m/s]</a:t>
+                      </a:r>
+                    </a:p>
+                  </a:txBody>
+                  <a:tcPr marL="7620" marR="7620" marT="7620" marB="0" anchor="b">
+                    <a:lnL>
+                      <a:noFill/>
+                    </a:lnL>
+                    <a:lnR>
+                      <a:noFill/>
+                    </a:lnR>
+                    <a:lnT>
+                      <a:noFill/>
+                    </a:lnT>
+                    <a:lnB>
+                      <a:noFill/>
+                    </a:lnB>
+                  </a:tcPr>
+                </a:tc>
+                <a:extLst>
+                  <a:ext uri="{0D108BD9-81ED-4DB2-BD59-A6C34878D82A}">
+                    <a16:rowId xmlns:a16="http://schemas.microsoft.com/office/drawing/2014/main" val="1867197962"/>
+                  </a:ext>
+                </a:extLst>
+              </a:tr>
+              <a:tr h="182880">
+                <a:tc>
+                  <a:txBody>
+                    <a:bodyPr/>
+                    <a:lstStyle/>
+                    <a:p>
+                      <a:pPr algn="l" fontAlgn="b"/>
+                      <a:r>
+                        <a:rPr lang="sv-SE" sz="1100" b="0" i="0" u="none" strike="noStrike">
+                          <a:solidFill>
+                            <a:srgbClr val="000000"/>
+                          </a:solidFill>
+                          <a:effectLst/>
+                          <a:latin typeface="Calibri" panose="020F0502020204030204" pitchFamily="34" charset="0"/>
+                        </a:rPr>
+                        <a:t>wood</a:t>
+                      </a:r>
+                    </a:p>
+                  </a:txBody>
+                  <a:tcPr marL="7620" marR="7620" marT="7620" marB="0" anchor="b">
+                    <a:lnL>
+                      <a:noFill/>
+                    </a:lnL>
+                    <a:lnR>
+                      <a:noFill/>
+                    </a:lnR>
+                    <a:lnT>
+                      <a:noFill/>
+                    </a:lnT>
+                    <a:lnB>
+                      <a:noFill/>
+                    </a:lnB>
+                  </a:tcPr>
+                </a:tc>
+                <a:tc>
+                  <a:txBody>
+                    <a:bodyPr/>
+                    <a:lstStyle/>
+                    <a:p>
+                      <a:pPr algn="r" fontAlgn="b"/>
+                      <a:r>
+                        <a:rPr lang="sv-SE" sz="1100" b="0" i="0" u="none" strike="noStrike">
+                          <a:solidFill>
+                            <a:srgbClr val="000000"/>
+                          </a:solidFill>
+                          <a:effectLst/>
+                          <a:latin typeface="Calibri" panose="020F0502020204030204" pitchFamily="34" charset="0"/>
+                        </a:rPr>
+                        <a:t>10</a:t>
+                      </a:r>
+                    </a:p>
+                  </a:txBody>
+                  <a:tcPr marL="7620" marR="7620" marT="7620" marB="0" anchor="b">
+                    <a:lnL>
+                      <a:noFill/>
+                    </a:lnL>
+                    <a:lnR>
+                      <a:noFill/>
+                    </a:lnR>
+                    <a:lnT>
+                      <a:noFill/>
+                    </a:lnT>
+                    <a:lnB>
+                      <a:noFill/>
+                    </a:lnB>
+                  </a:tcPr>
+                </a:tc>
+                <a:tc>
+                  <a:txBody>
+                    <a:bodyPr/>
+                    <a:lstStyle/>
+                    <a:p>
+                      <a:pPr algn="r" fontAlgn="b"/>
+                      <a:r>
+                        <a:rPr lang="sv-SE" sz="1100" b="0" i="0" u="none" strike="noStrike">
+                          <a:solidFill>
+                            <a:srgbClr val="000000"/>
+                          </a:solidFill>
+                          <a:effectLst/>
+                          <a:latin typeface="Calibri" panose="020F0502020204030204" pitchFamily="34" charset="0"/>
+                        </a:rPr>
+                        <a:t>1.9</a:t>
+                      </a:r>
+                    </a:p>
+                  </a:txBody>
+                  <a:tcPr marL="7620" marR="7620" marT="7620" marB="0" anchor="b">
+                    <a:lnL>
+                      <a:noFill/>
+                    </a:lnL>
+                    <a:lnR>
+                      <a:noFill/>
+                    </a:lnR>
+                    <a:lnT>
+                      <a:noFill/>
+                    </a:lnT>
+                    <a:lnB>
+                      <a:noFill/>
+                    </a:lnB>
+                  </a:tcPr>
+                </a:tc>
+                <a:tc>
+                  <a:txBody>
+                    <a:bodyPr/>
+                    <a:lstStyle/>
+                    <a:p>
+                      <a:pPr algn="r" fontAlgn="b"/>
+                      <a:r>
+                        <a:rPr lang="sv-SE" sz="1100" b="0" i="0" u="none" strike="noStrike">
+                          <a:solidFill>
+                            <a:srgbClr val="000000"/>
+                          </a:solidFill>
+                          <a:effectLst/>
+                          <a:latin typeface="Calibri" panose="020F0502020204030204" pitchFamily="34" charset="0"/>
+                        </a:rPr>
+                        <a:t>6.1</a:t>
+                      </a:r>
+                    </a:p>
+                  </a:txBody>
+                  <a:tcPr marL="7620" marR="7620" marT="7620" marB="0" anchor="b">
+                    <a:lnL>
+                      <a:noFill/>
+                    </a:lnL>
+                    <a:lnR>
+                      <a:noFill/>
+                    </a:lnR>
+                    <a:lnT>
+                      <a:noFill/>
+                    </a:lnT>
+                    <a:lnB>
+                      <a:noFill/>
+                    </a:lnB>
+                  </a:tcPr>
+                </a:tc>
+                <a:tc>
+                  <a:txBody>
+                    <a:bodyPr/>
+                    <a:lstStyle/>
+                    <a:p>
+                      <a:pPr algn="r" fontAlgn="b"/>
+                      <a:r>
+                        <a:rPr lang="sv-SE" sz="1100" b="0" i="0" u="none" strike="noStrike">
+                          <a:solidFill>
+                            <a:srgbClr val="000000"/>
+                          </a:solidFill>
+                          <a:effectLst/>
+                          <a:latin typeface="Calibri" panose="020F0502020204030204" pitchFamily="34" charset="0"/>
+                        </a:rPr>
+                        <a:t>70</a:t>
+                      </a:r>
+                    </a:p>
+                  </a:txBody>
+                  <a:tcPr marL="7620" marR="7620" marT="7620" marB="0" anchor="b">
+                    <a:lnL>
+                      <a:noFill/>
+                    </a:lnL>
+                    <a:lnR>
+                      <a:noFill/>
+                    </a:lnR>
+                    <a:lnT>
+                      <a:noFill/>
+                    </a:lnT>
+                    <a:lnB>
+                      <a:noFill/>
+                    </a:lnB>
+                  </a:tcPr>
+                </a:tc>
+                <a:extLst>
+                  <a:ext uri="{0D108BD9-81ED-4DB2-BD59-A6C34878D82A}">
+                    <a16:rowId xmlns:a16="http://schemas.microsoft.com/office/drawing/2014/main" val="2035050371"/>
+                  </a:ext>
+                </a:extLst>
+              </a:tr>
+              <a:tr h="182880">
+                <a:tc>
+                  <a:txBody>
+                    <a:bodyPr/>
+                    <a:lstStyle/>
+                    <a:p>
+                      <a:pPr algn="l" fontAlgn="b"/>
+                      <a:r>
+                        <a:rPr lang="sv-SE" sz="1100" b="0" i="0" u="none" strike="noStrike">
+                          <a:solidFill>
+                            <a:srgbClr val="000000"/>
+                          </a:solidFill>
+                          <a:effectLst/>
+                          <a:latin typeface="Calibri" panose="020F0502020204030204" pitchFamily="34" charset="0"/>
+                        </a:rPr>
+                        <a:t>sandalwood</a:t>
+                      </a:r>
+                    </a:p>
+                  </a:txBody>
+                  <a:tcPr marL="7620" marR="7620" marT="7620" marB="0" anchor="b">
+                    <a:lnL>
+                      <a:noFill/>
+                    </a:lnL>
+                    <a:lnR>
+                      <a:noFill/>
+                    </a:lnR>
+                    <a:lnT>
+                      <a:noFill/>
+                    </a:lnT>
+                    <a:lnB>
+                      <a:noFill/>
+                    </a:lnB>
+                  </a:tcPr>
+                </a:tc>
+                <a:tc>
+                  <a:txBody>
+                    <a:bodyPr/>
+                    <a:lstStyle/>
+                    <a:p>
+                      <a:pPr algn="r" fontAlgn="b"/>
+                      <a:r>
+                        <a:rPr lang="sv-SE" sz="1100" b="0" i="0" u="none" strike="noStrike">
+                          <a:solidFill>
+                            <a:srgbClr val="000000"/>
+                          </a:solidFill>
+                          <a:effectLst/>
+                          <a:latin typeface="Calibri" panose="020F0502020204030204" pitchFamily="34" charset="0"/>
+                        </a:rPr>
+                        <a:t>25</a:t>
+                      </a:r>
+                    </a:p>
+                  </a:txBody>
+                  <a:tcPr marL="7620" marR="7620" marT="7620" marB="0" anchor="b">
+                    <a:lnL>
+                      <a:noFill/>
+                    </a:lnL>
+                    <a:lnR>
+                      <a:noFill/>
+                    </a:lnR>
+                    <a:lnT>
+                      <a:noFill/>
+                    </a:lnT>
+                    <a:lnB>
+                      <a:noFill/>
+                    </a:lnB>
+                  </a:tcPr>
+                </a:tc>
+                <a:tc>
+                  <a:txBody>
+                    <a:bodyPr/>
+                    <a:lstStyle/>
+                    <a:p>
+                      <a:pPr algn="r" fontAlgn="b"/>
+                      <a:r>
+                        <a:rPr lang="sv-SE" sz="1100" b="0" i="0" u="none" strike="noStrike">
+                          <a:solidFill>
+                            <a:srgbClr val="000000"/>
+                          </a:solidFill>
+                          <a:effectLst/>
+                          <a:latin typeface="Calibri" panose="020F0502020204030204" pitchFamily="34" charset="0"/>
+                        </a:rPr>
+                        <a:t>3.8</a:t>
+                      </a:r>
+                    </a:p>
+                  </a:txBody>
+                  <a:tcPr marL="7620" marR="7620" marT="7620" marB="0" anchor="b">
+                    <a:lnL>
+                      <a:noFill/>
+                    </a:lnL>
+                    <a:lnR>
+                      <a:noFill/>
+                    </a:lnR>
+                    <a:lnT>
+                      <a:noFill/>
+                    </a:lnT>
+                    <a:lnB>
+                      <a:noFill/>
+                    </a:lnB>
+                  </a:tcPr>
+                </a:tc>
+                <a:tc>
+                  <a:txBody>
+                    <a:bodyPr/>
+                    <a:lstStyle/>
+                    <a:p>
+                      <a:pPr algn="r" fontAlgn="b"/>
+                      <a:r>
+                        <a:rPr lang="sv-SE" sz="1100" b="0" i="0" u="none" strike="noStrike">
+                          <a:solidFill>
+                            <a:srgbClr val="000000"/>
+                          </a:solidFill>
+                          <a:effectLst/>
+                          <a:latin typeface="Calibri" panose="020F0502020204030204" pitchFamily="34" charset="0"/>
+                        </a:rPr>
+                        <a:t>9</a:t>
+                      </a:r>
+                    </a:p>
+                  </a:txBody>
+                  <a:tcPr marL="7620" marR="7620" marT="7620" marB="0" anchor="b">
+                    <a:lnL>
+                      <a:noFill/>
+                    </a:lnL>
+                    <a:lnR>
+                      <a:noFill/>
+                    </a:lnR>
+                    <a:lnT>
+                      <a:noFill/>
+                    </a:lnT>
+                    <a:lnB>
+                      <a:noFill/>
+                    </a:lnB>
+                  </a:tcPr>
+                </a:tc>
+                <a:tc>
+                  <a:txBody>
+                    <a:bodyPr/>
+                    <a:lstStyle/>
+                    <a:p>
+                      <a:pPr algn="r" fontAlgn="b"/>
+                      <a:r>
+                        <a:rPr lang="sv-SE" sz="1100" b="0" i="0" u="none" strike="noStrike">
+                          <a:solidFill>
+                            <a:srgbClr val="000000"/>
+                          </a:solidFill>
+                          <a:effectLst/>
+                          <a:latin typeface="Calibri" panose="020F0502020204030204" pitchFamily="34" charset="0"/>
+                        </a:rPr>
+                        <a:t>165</a:t>
+                      </a:r>
+                    </a:p>
+                  </a:txBody>
+                  <a:tcPr marL="7620" marR="7620" marT="7620" marB="0" anchor="b">
+                    <a:lnL>
+                      <a:noFill/>
+                    </a:lnL>
+                    <a:lnR>
+                      <a:noFill/>
+                    </a:lnR>
+                    <a:lnT>
+                      <a:noFill/>
+                    </a:lnT>
+                    <a:lnB>
+                      <a:noFill/>
+                    </a:lnB>
+                  </a:tcPr>
+                </a:tc>
+                <a:extLst>
+                  <a:ext uri="{0D108BD9-81ED-4DB2-BD59-A6C34878D82A}">
+                    <a16:rowId xmlns:a16="http://schemas.microsoft.com/office/drawing/2014/main" val="3667752301"/>
+                  </a:ext>
+                </a:extLst>
+              </a:tr>
+              <a:tr h="182880">
+                <a:tc>
+                  <a:txBody>
+                    <a:bodyPr/>
+                    <a:lstStyle/>
+                    <a:p>
+                      <a:pPr algn="l" fontAlgn="b"/>
+                      <a:r>
+                        <a:rPr lang="sv-SE" sz="1100" b="0" i="0" u="none" strike="noStrike">
+                          <a:solidFill>
+                            <a:srgbClr val="000000"/>
+                          </a:solidFill>
+                          <a:effectLst/>
+                          <a:latin typeface="Calibri" panose="020F0502020204030204" pitchFamily="34" charset="0"/>
+                        </a:rPr>
+                        <a:t>wood</a:t>
+                      </a:r>
+                    </a:p>
+                  </a:txBody>
+                  <a:tcPr marL="7620" marR="7620" marT="7620" marB="0" anchor="b">
+                    <a:lnL>
+                      <a:noFill/>
+                    </a:lnL>
+                    <a:lnR>
+                      <a:noFill/>
+                    </a:lnR>
+                    <a:lnT>
+                      <a:noFill/>
+                    </a:lnT>
+                    <a:lnB>
+                      <a:noFill/>
+                    </a:lnB>
+                  </a:tcPr>
+                </a:tc>
+                <a:tc>
+                  <a:txBody>
+                    <a:bodyPr/>
+                    <a:lstStyle/>
+                    <a:p>
+                      <a:pPr algn="r" fontAlgn="b"/>
+                      <a:r>
+                        <a:rPr lang="sv-SE" sz="1100" b="0" i="0" u="none" strike="noStrike">
+                          <a:solidFill>
+                            <a:srgbClr val="000000"/>
+                          </a:solidFill>
+                          <a:effectLst/>
+                          <a:latin typeface="Calibri" panose="020F0502020204030204" pitchFamily="34" charset="0"/>
+                        </a:rPr>
+                        <a:t>25</a:t>
+                      </a:r>
+                    </a:p>
+                  </a:txBody>
+                  <a:tcPr marL="7620" marR="7620" marT="7620" marB="0" anchor="b">
+                    <a:lnL>
+                      <a:noFill/>
+                    </a:lnL>
+                    <a:lnR>
+                      <a:noFill/>
+                    </a:lnR>
+                    <a:lnT>
+                      <a:noFill/>
+                    </a:lnT>
+                    <a:lnB>
+                      <a:noFill/>
+                    </a:lnB>
+                  </a:tcPr>
+                </a:tc>
+                <a:tc>
+                  <a:txBody>
+                    <a:bodyPr/>
+                    <a:lstStyle/>
+                    <a:p>
+                      <a:pPr algn="r" fontAlgn="b"/>
+                      <a:r>
+                        <a:rPr lang="sv-SE" sz="1100" b="0" i="0" u="none" strike="noStrike">
+                          <a:solidFill>
+                            <a:srgbClr val="000000"/>
+                          </a:solidFill>
+                          <a:effectLst/>
+                          <a:latin typeface="Calibri" panose="020F0502020204030204" pitchFamily="34" charset="0"/>
+                        </a:rPr>
+                        <a:t>2.2</a:t>
+                      </a:r>
+                    </a:p>
+                  </a:txBody>
+                  <a:tcPr marL="7620" marR="7620" marT="7620" marB="0" anchor="b">
+                    <a:lnL>
+                      <a:noFill/>
+                    </a:lnL>
+                    <a:lnR>
+                      <a:noFill/>
+                    </a:lnR>
+                    <a:lnT>
+                      <a:noFill/>
+                    </a:lnT>
+                    <a:lnB>
+                      <a:noFill/>
+                    </a:lnB>
+                  </a:tcPr>
+                </a:tc>
+                <a:tc>
+                  <a:txBody>
+                    <a:bodyPr/>
+                    <a:lstStyle/>
+                    <a:p>
+                      <a:pPr algn="r" fontAlgn="b"/>
+                      <a:r>
+                        <a:rPr lang="sv-SE" sz="1100" b="0" i="0" u="none" strike="noStrike">
+                          <a:solidFill>
+                            <a:srgbClr val="000000"/>
+                          </a:solidFill>
+                          <a:effectLst/>
+                          <a:latin typeface="Calibri" panose="020F0502020204030204" pitchFamily="34" charset="0"/>
+                        </a:rPr>
+                        <a:t>8.7</a:t>
+                      </a:r>
+                    </a:p>
+                  </a:txBody>
+                  <a:tcPr marL="7620" marR="7620" marT="7620" marB="0" anchor="b">
+                    <a:lnL>
+                      <a:noFill/>
+                    </a:lnL>
+                    <a:lnR>
+                      <a:noFill/>
+                    </a:lnR>
+                    <a:lnT>
+                      <a:noFill/>
+                    </a:lnT>
+                    <a:lnB>
+                      <a:noFill/>
+                    </a:lnB>
+                  </a:tcPr>
+                </a:tc>
+                <a:tc>
+                  <a:txBody>
+                    <a:bodyPr/>
+                    <a:lstStyle/>
+                    <a:p>
+                      <a:pPr algn="r" fontAlgn="b"/>
+                      <a:r>
+                        <a:rPr lang="sv-SE" sz="1100" b="0" i="0" u="none" strike="noStrike">
+                          <a:solidFill>
+                            <a:srgbClr val="000000"/>
+                          </a:solidFill>
+                          <a:effectLst/>
+                          <a:latin typeface="Calibri" panose="020F0502020204030204" pitchFamily="34" charset="0"/>
+                        </a:rPr>
+                        <a:t>169</a:t>
+                      </a:r>
+                    </a:p>
+                  </a:txBody>
+                  <a:tcPr marL="7620" marR="7620" marT="7620" marB="0" anchor="b">
+                    <a:lnL>
+                      <a:noFill/>
+                    </a:lnL>
+                    <a:lnR>
+                      <a:noFill/>
+                    </a:lnR>
+                    <a:lnT>
+                      <a:noFill/>
+                    </a:lnT>
+                    <a:lnB>
+                      <a:noFill/>
+                    </a:lnB>
+                  </a:tcPr>
+                </a:tc>
+                <a:extLst>
+                  <a:ext uri="{0D108BD9-81ED-4DB2-BD59-A6C34878D82A}">
+                    <a16:rowId xmlns:a16="http://schemas.microsoft.com/office/drawing/2014/main" val="1525260041"/>
+                  </a:ext>
+                </a:extLst>
+              </a:tr>
+              <a:tr h="182880">
+                <a:tc>
+                  <a:txBody>
+                    <a:bodyPr/>
+                    <a:lstStyle/>
+                    <a:p>
+                      <a:pPr algn="l" fontAlgn="b"/>
+                      <a:r>
+                        <a:rPr lang="sv-SE" sz="1100" b="0" i="0" u="none" strike="noStrike">
+                          <a:solidFill>
+                            <a:srgbClr val="000000"/>
+                          </a:solidFill>
+                          <a:effectLst/>
+                          <a:latin typeface="Calibri" panose="020F0502020204030204" pitchFamily="34" charset="0"/>
+                        </a:rPr>
+                        <a:t>wood</a:t>
+                      </a:r>
+                    </a:p>
+                  </a:txBody>
+                  <a:tcPr marL="7620" marR="7620" marT="7620" marB="0" anchor="b">
+                    <a:lnL>
+                      <a:noFill/>
+                    </a:lnL>
+                    <a:lnR>
+                      <a:noFill/>
+                    </a:lnR>
+                    <a:lnT>
+                      <a:noFill/>
+                    </a:lnT>
+                    <a:lnB>
+                      <a:noFill/>
+                    </a:lnB>
+                  </a:tcPr>
+                </a:tc>
+                <a:tc>
+                  <a:txBody>
+                    <a:bodyPr/>
+                    <a:lstStyle/>
+                    <a:p>
+                      <a:pPr algn="r" fontAlgn="b"/>
+                      <a:r>
+                        <a:rPr lang="sv-SE" sz="1100" b="0" i="0" u="none" strike="noStrike">
+                          <a:solidFill>
+                            <a:srgbClr val="000000"/>
+                          </a:solidFill>
+                          <a:effectLst/>
+                          <a:latin typeface="Calibri" panose="020F0502020204030204" pitchFamily="34" charset="0"/>
+                        </a:rPr>
+                        <a:t>34</a:t>
+                      </a:r>
+                    </a:p>
+                  </a:txBody>
+                  <a:tcPr marL="7620" marR="7620" marT="7620" marB="0" anchor="b">
+                    <a:lnL>
+                      <a:noFill/>
+                    </a:lnL>
+                    <a:lnR>
+                      <a:noFill/>
+                    </a:lnR>
+                    <a:lnT>
+                      <a:noFill/>
+                    </a:lnT>
+                    <a:lnB>
+                      <a:noFill/>
+                    </a:lnB>
+                  </a:tcPr>
+                </a:tc>
+                <a:tc>
+                  <a:txBody>
+                    <a:bodyPr/>
+                    <a:lstStyle/>
+                    <a:p>
+                      <a:pPr algn="r" fontAlgn="b"/>
+                      <a:r>
+                        <a:rPr lang="sv-SE" sz="1100" b="0" i="0" u="none" strike="noStrike">
+                          <a:solidFill>
+                            <a:srgbClr val="000000"/>
+                          </a:solidFill>
+                          <a:effectLst/>
+                          <a:latin typeface="Calibri" panose="020F0502020204030204" pitchFamily="34" charset="0"/>
+                        </a:rPr>
+                        <a:t>2.3</a:t>
+                      </a:r>
+                    </a:p>
+                  </a:txBody>
+                  <a:tcPr marL="7620" marR="7620" marT="7620" marB="0" anchor="b">
+                    <a:lnL>
+                      <a:noFill/>
+                    </a:lnL>
+                    <a:lnR>
+                      <a:noFill/>
+                    </a:lnR>
+                    <a:lnT>
+                      <a:noFill/>
+                    </a:lnT>
+                    <a:lnB>
+                      <a:noFill/>
+                    </a:lnB>
+                  </a:tcPr>
+                </a:tc>
+                <a:tc>
+                  <a:txBody>
+                    <a:bodyPr/>
+                    <a:lstStyle/>
+                    <a:p>
+                      <a:pPr algn="r" fontAlgn="b"/>
+                      <a:r>
+                        <a:rPr lang="sv-SE" sz="1100" b="0" i="0" u="none" strike="noStrike">
+                          <a:solidFill>
+                            <a:srgbClr val="000000"/>
+                          </a:solidFill>
+                          <a:effectLst/>
+                          <a:latin typeface="Calibri" panose="020F0502020204030204" pitchFamily="34" charset="0"/>
+                        </a:rPr>
+                        <a:t>8.3</a:t>
+                      </a:r>
+                    </a:p>
+                  </a:txBody>
+                  <a:tcPr marL="7620" marR="7620" marT="7620" marB="0" anchor="b">
+                    <a:lnL>
+                      <a:noFill/>
+                    </a:lnL>
+                    <a:lnR>
+                      <a:noFill/>
+                    </a:lnR>
+                    <a:lnT>
+                      <a:noFill/>
+                    </a:lnT>
+                    <a:lnB>
+                      <a:noFill/>
+                    </a:lnB>
+                  </a:tcPr>
+                </a:tc>
+                <a:tc>
+                  <a:txBody>
+                    <a:bodyPr/>
+                    <a:lstStyle/>
+                    <a:p>
+                      <a:pPr algn="r" fontAlgn="b"/>
+                      <a:r>
+                        <a:rPr lang="sv-SE" sz="1100" b="0" i="0" u="none" strike="noStrike">
+                          <a:solidFill>
+                            <a:srgbClr val="000000"/>
+                          </a:solidFill>
+                          <a:effectLst/>
+                          <a:latin typeface="Calibri" panose="020F0502020204030204" pitchFamily="34" charset="0"/>
+                        </a:rPr>
+                        <a:t>129</a:t>
+                      </a:r>
+                    </a:p>
+                  </a:txBody>
+                  <a:tcPr marL="7620" marR="7620" marT="7620" marB="0" anchor="b">
+                    <a:lnL>
+                      <a:noFill/>
+                    </a:lnL>
+                    <a:lnR>
+                      <a:noFill/>
+                    </a:lnR>
+                    <a:lnT>
+                      <a:noFill/>
+                    </a:lnT>
+                    <a:lnB>
+                      <a:noFill/>
+                    </a:lnB>
+                  </a:tcPr>
+                </a:tc>
+                <a:extLst>
+                  <a:ext uri="{0D108BD9-81ED-4DB2-BD59-A6C34878D82A}">
+                    <a16:rowId xmlns:a16="http://schemas.microsoft.com/office/drawing/2014/main" val="979457743"/>
+                  </a:ext>
+                </a:extLst>
+              </a:tr>
+              <a:tr h="182880">
+                <a:tc>
+                  <a:txBody>
+                    <a:bodyPr/>
+                    <a:lstStyle/>
+                    <a:p>
+                      <a:pPr algn="l" fontAlgn="b"/>
+                      <a:r>
+                        <a:rPr lang="sv-SE" sz="1100" b="0" i="0" u="none" strike="noStrike">
+                          <a:solidFill>
+                            <a:srgbClr val="000000"/>
+                          </a:solidFill>
+                          <a:effectLst/>
+                          <a:latin typeface="Calibri" panose="020F0502020204030204" pitchFamily="34" charset="0"/>
+                        </a:rPr>
+                        <a:t>wood</a:t>
+                      </a:r>
+                    </a:p>
+                  </a:txBody>
+                  <a:tcPr marL="7620" marR="7620" marT="7620" marB="0" anchor="b">
+                    <a:lnL>
+                      <a:noFill/>
+                    </a:lnL>
+                    <a:lnR>
+                      <a:noFill/>
+                    </a:lnR>
+                    <a:lnT>
+                      <a:noFill/>
+                    </a:lnT>
+                    <a:lnB>
+                      <a:noFill/>
+                    </a:lnB>
+                  </a:tcPr>
+                </a:tc>
+                <a:tc>
+                  <a:txBody>
+                    <a:bodyPr/>
+                    <a:lstStyle/>
+                    <a:p>
+                      <a:pPr algn="r" fontAlgn="b"/>
+                      <a:r>
+                        <a:rPr lang="sv-SE" sz="1100" b="0" i="0" u="none" strike="noStrike" dirty="0">
+                          <a:solidFill>
+                            <a:srgbClr val="000000"/>
+                          </a:solidFill>
+                          <a:effectLst/>
+                          <a:latin typeface="Calibri" panose="020F0502020204030204" pitchFamily="34" charset="0"/>
+                        </a:rPr>
+                        <a:t>250</a:t>
+                      </a:r>
+                    </a:p>
+                  </a:txBody>
+                  <a:tcPr marL="7620" marR="7620" marT="7620" marB="0" anchor="b">
+                    <a:lnL>
+                      <a:noFill/>
+                    </a:lnL>
+                    <a:lnR>
+                      <a:noFill/>
+                    </a:lnR>
+                    <a:lnT>
+                      <a:noFill/>
+                    </a:lnT>
+                    <a:lnB>
+                      <a:noFill/>
+                    </a:lnB>
+                  </a:tcPr>
+                </a:tc>
+                <a:tc>
+                  <a:txBody>
+                    <a:bodyPr/>
+                    <a:lstStyle/>
+                    <a:p>
+                      <a:pPr algn="r" fontAlgn="b"/>
+                      <a:r>
+                        <a:rPr lang="sv-SE" sz="1100" b="0" i="0" u="none" strike="noStrike">
+                          <a:solidFill>
+                            <a:srgbClr val="000000"/>
+                          </a:solidFill>
+                          <a:effectLst/>
+                          <a:latin typeface="Calibri" panose="020F0502020204030204" pitchFamily="34" charset="0"/>
+                        </a:rPr>
+                        <a:t>7.2</a:t>
+                      </a:r>
+                    </a:p>
+                  </a:txBody>
+                  <a:tcPr marL="7620" marR="7620" marT="7620" marB="0" anchor="b">
+                    <a:lnL>
+                      <a:noFill/>
+                    </a:lnL>
+                    <a:lnR>
+                      <a:noFill/>
+                    </a:lnR>
+                    <a:lnT>
+                      <a:noFill/>
+                    </a:lnT>
+                    <a:lnB>
+                      <a:noFill/>
+                    </a:lnB>
+                  </a:tcPr>
+                </a:tc>
+                <a:tc>
+                  <a:txBody>
+                    <a:bodyPr/>
+                    <a:lstStyle/>
+                    <a:p>
+                      <a:pPr algn="r" fontAlgn="b"/>
+                      <a:r>
+                        <a:rPr lang="sv-SE" sz="1100" b="0" i="0" u="none" strike="noStrike">
+                          <a:solidFill>
+                            <a:srgbClr val="000000"/>
+                          </a:solidFill>
+                          <a:effectLst/>
+                          <a:latin typeface="Calibri" panose="020F0502020204030204" pitchFamily="34" charset="0"/>
+                        </a:rPr>
+                        <a:t>7.6</a:t>
+                      </a:r>
+                    </a:p>
+                  </a:txBody>
+                  <a:tcPr marL="7620" marR="7620" marT="7620" marB="0" anchor="b">
+                    <a:lnL>
+                      <a:noFill/>
+                    </a:lnL>
+                    <a:lnR>
+                      <a:noFill/>
+                    </a:lnR>
+                    <a:lnT>
+                      <a:noFill/>
+                    </a:lnT>
+                    <a:lnB>
+                      <a:noFill/>
+                    </a:lnB>
+                  </a:tcPr>
+                </a:tc>
+                <a:tc>
+                  <a:txBody>
+                    <a:bodyPr/>
+                    <a:lstStyle/>
+                    <a:p>
+                      <a:pPr algn="r" fontAlgn="b"/>
+                      <a:r>
+                        <a:rPr lang="sv-SE" sz="1100" b="0" i="0" u="none" strike="noStrike">
+                          <a:solidFill>
+                            <a:srgbClr val="000000"/>
+                          </a:solidFill>
+                          <a:effectLst/>
+                          <a:latin typeface="Calibri" panose="020F0502020204030204" pitchFamily="34" charset="0"/>
+                        </a:rPr>
+                        <a:t>40</a:t>
+                      </a:r>
+                    </a:p>
+                  </a:txBody>
+                  <a:tcPr marL="7620" marR="7620" marT="7620" marB="0" anchor="b">
+                    <a:lnL>
+                      <a:noFill/>
+                    </a:lnL>
+                    <a:lnR>
+                      <a:noFill/>
+                    </a:lnR>
+                    <a:lnT>
+                      <a:noFill/>
+                    </a:lnT>
+                    <a:lnB>
+                      <a:noFill/>
+                    </a:lnB>
+                  </a:tcPr>
+                </a:tc>
+                <a:extLst>
+                  <a:ext uri="{0D108BD9-81ED-4DB2-BD59-A6C34878D82A}">
+                    <a16:rowId xmlns:a16="http://schemas.microsoft.com/office/drawing/2014/main" val="1475491835"/>
+                  </a:ext>
+                </a:extLst>
+              </a:tr>
+              <a:tr h="182880">
+                <a:tc>
+                  <a:txBody>
+                    <a:bodyPr/>
+                    <a:lstStyle/>
+                    <a:p>
+                      <a:pPr algn="l" fontAlgn="b"/>
+                      <a:r>
+                        <a:rPr lang="sv-SE" sz="1100" b="0" i="0" u="none" strike="noStrike">
+                          <a:solidFill>
+                            <a:srgbClr val="000000"/>
+                          </a:solidFill>
+                          <a:effectLst/>
+                          <a:latin typeface="Calibri" panose="020F0502020204030204" pitchFamily="34" charset="0"/>
+                        </a:rPr>
+                        <a:t>wood</a:t>
+                      </a:r>
+                    </a:p>
+                  </a:txBody>
+                  <a:tcPr marL="7620" marR="7620" marT="7620" marB="0" anchor="b">
+                    <a:lnL>
+                      <a:noFill/>
+                    </a:lnL>
+                    <a:lnR>
+                      <a:noFill/>
+                    </a:lnR>
+                    <a:lnT>
+                      <a:noFill/>
+                    </a:lnT>
+                    <a:lnB>
+                      <a:noFill/>
+                    </a:lnB>
+                  </a:tcPr>
+                </a:tc>
+                <a:tc>
+                  <a:txBody>
+                    <a:bodyPr/>
+                    <a:lstStyle/>
+                    <a:p>
+                      <a:pPr algn="r" fontAlgn="b"/>
+                      <a:r>
+                        <a:rPr lang="sv-SE" sz="1100" b="0" i="0" u="none" strike="noStrike">
+                          <a:solidFill>
+                            <a:srgbClr val="000000"/>
+                          </a:solidFill>
+                          <a:effectLst/>
+                          <a:latin typeface="Calibri" panose="020F0502020204030204" pitchFamily="34" charset="0"/>
+                        </a:rPr>
+                        <a:t>63</a:t>
+                      </a:r>
+                    </a:p>
+                  </a:txBody>
+                  <a:tcPr marL="7620" marR="7620" marT="7620" marB="0" anchor="b">
+                    <a:lnL>
+                      <a:noFill/>
+                    </a:lnL>
+                    <a:lnR>
+                      <a:noFill/>
+                    </a:lnR>
+                    <a:lnT>
+                      <a:noFill/>
+                    </a:lnT>
+                    <a:lnB>
+                      <a:noFill/>
+                    </a:lnB>
+                  </a:tcPr>
+                </a:tc>
+                <a:tc>
+                  <a:txBody>
+                    <a:bodyPr/>
+                    <a:lstStyle/>
+                    <a:p>
+                      <a:pPr algn="r" fontAlgn="b"/>
+                      <a:r>
+                        <a:rPr lang="sv-SE" sz="1100" b="0" i="0" u="none" strike="noStrike">
+                          <a:solidFill>
+                            <a:srgbClr val="000000"/>
+                          </a:solidFill>
+                          <a:effectLst/>
+                          <a:latin typeface="Calibri" panose="020F0502020204030204" pitchFamily="34" charset="0"/>
+                        </a:rPr>
+                        <a:t>4.8</a:t>
+                      </a:r>
+                    </a:p>
+                  </a:txBody>
+                  <a:tcPr marL="7620" marR="7620" marT="7620" marB="0" anchor="b">
+                    <a:lnL>
+                      <a:noFill/>
+                    </a:lnL>
+                    <a:lnR>
+                      <a:noFill/>
+                    </a:lnR>
+                    <a:lnT>
+                      <a:noFill/>
+                    </a:lnT>
+                    <a:lnB>
+                      <a:noFill/>
+                    </a:lnB>
+                  </a:tcPr>
+                </a:tc>
+                <a:tc>
+                  <a:txBody>
+                    <a:bodyPr/>
+                    <a:lstStyle/>
+                    <a:p>
+                      <a:pPr algn="r" fontAlgn="b"/>
+                      <a:r>
+                        <a:rPr lang="sv-SE" sz="1100" b="0" i="0" u="none" strike="noStrike">
+                          <a:solidFill>
+                            <a:srgbClr val="000000"/>
+                          </a:solidFill>
+                          <a:effectLst/>
+                          <a:latin typeface="Calibri" panose="020F0502020204030204" pitchFamily="34" charset="0"/>
+                        </a:rPr>
+                        <a:t>8</a:t>
+                      </a:r>
+                    </a:p>
+                  </a:txBody>
+                  <a:tcPr marL="7620" marR="7620" marT="7620" marB="0" anchor="b">
+                    <a:lnL>
+                      <a:noFill/>
+                    </a:lnL>
+                    <a:lnR>
+                      <a:noFill/>
+                    </a:lnR>
+                    <a:lnT>
+                      <a:noFill/>
+                    </a:lnT>
+                    <a:lnB>
+                      <a:noFill/>
+                    </a:lnB>
+                  </a:tcPr>
+                </a:tc>
+                <a:tc>
+                  <a:txBody>
+                    <a:bodyPr/>
+                    <a:lstStyle/>
+                    <a:p>
+                      <a:pPr algn="r" fontAlgn="b"/>
+                      <a:r>
+                        <a:rPr lang="sv-SE" sz="1100" b="0" i="0" u="none" strike="noStrike">
+                          <a:solidFill>
+                            <a:srgbClr val="000000"/>
+                          </a:solidFill>
+                          <a:effectLst/>
+                          <a:latin typeface="Calibri" panose="020F0502020204030204" pitchFamily="34" charset="0"/>
+                        </a:rPr>
+                        <a:t>87</a:t>
+                      </a:r>
+                    </a:p>
+                  </a:txBody>
+                  <a:tcPr marL="7620" marR="7620" marT="7620" marB="0" anchor="b">
+                    <a:lnL>
+                      <a:noFill/>
+                    </a:lnL>
+                    <a:lnR>
+                      <a:noFill/>
+                    </a:lnR>
+                    <a:lnT>
+                      <a:noFill/>
+                    </a:lnT>
+                    <a:lnB>
+                      <a:noFill/>
+                    </a:lnB>
+                  </a:tcPr>
+                </a:tc>
+                <a:extLst>
+                  <a:ext uri="{0D108BD9-81ED-4DB2-BD59-A6C34878D82A}">
+                    <a16:rowId xmlns:a16="http://schemas.microsoft.com/office/drawing/2014/main" val="4073375925"/>
+                  </a:ext>
+                </a:extLst>
+              </a:tr>
+              <a:tr h="182880">
+                <a:tc>
+                  <a:txBody>
+                    <a:bodyPr/>
+                    <a:lstStyle/>
+                    <a:p>
+                      <a:pPr algn="l" fontAlgn="b"/>
+                      <a:r>
+                        <a:rPr lang="sv-SE" sz="1100" b="0" i="0" u="none" strike="noStrike">
+                          <a:solidFill>
+                            <a:srgbClr val="000000"/>
+                          </a:solidFill>
+                          <a:effectLst/>
+                          <a:latin typeface="Calibri" panose="020F0502020204030204" pitchFamily="34" charset="0"/>
+                        </a:rPr>
+                        <a:t>wood (chips)</a:t>
+                      </a:r>
+                    </a:p>
+                  </a:txBody>
+                  <a:tcPr marL="7620" marR="7620" marT="7620" marB="0" anchor="b">
+                    <a:lnL>
+                      <a:noFill/>
+                    </a:lnL>
+                    <a:lnR>
+                      <a:noFill/>
+                    </a:lnR>
+                    <a:lnT>
+                      <a:noFill/>
+                    </a:lnT>
+                    <a:lnB>
+                      <a:noFill/>
+                    </a:lnB>
+                  </a:tcPr>
+                </a:tc>
+                <a:tc>
+                  <a:txBody>
+                    <a:bodyPr/>
+                    <a:lstStyle/>
+                    <a:p>
+                      <a:pPr algn="r" fontAlgn="b"/>
+                      <a:r>
+                        <a:rPr lang="sv-SE" sz="1100" b="0" i="0" u="none" strike="noStrike">
+                          <a:solidFill>
+                            <a:srgbClr val="000000"/>
+                          </a:solidFill>
+                          <a:effectLst/>
+                          <a:latin typeface="Calibri" panose="020F0502020204030204" pitchFamily="34" charset="0"/>
+                        </a:rPr>
+                        <a:t>500</a:t>
+                      </a:r>
+                    </a:p>
+                  </a:txBody>
+                  <a:tcPr marL="7620" marR="7620" marT="7620" marB="0" anchor="b">
+                    <a:lnL>
+                      <a:noFill/>
+                    </a:lnL>
+                    <a:lnR>
+                      <a:noFill/>
+                    </a:lnR>
+                    <a:lnT>
+                      <a:noFill/>
+                    </a:lnT>
+                    <a:lnB>
+                      <a:noFill/>
+                    </a:lnB>
+                  </a:tcPr>
+                </a:tc>
+                <a:tc>
+                  <a:txBody>
+                    <a:bodyPr/>
+                    <a:lstStyle/>
+                    <a:p>
+                      <a:pPr algn="r" fontAlgn="b"/>
+                      <a:r>
+                        <a:rPr lang="sv-SE" sz="1100" b="0" i="0" u="none" strike="noStrike">
+                          <a:solidFill>
+                            <a:srgbClr val="000000"/>
+                          </a:solidFill>
+                          <a:effectLst/>
+                          <a:latin typeface="Calibri" panose="020F0502020204030204" pitchFamily="34" charset="0"/>
+                        </a:rPr>
+                        <a:t>7.1</a:t>
+                      </a:r>
+                    </a:p>
+                  </a:txBody>
+                  <a:tcPr marL="7620" marR="7620" marT="7620" marB="0" anchor="b">
+                    <a:lnL>
+                      <a:noFill/>
+                    </a:lnL>
+                    <a:lnR>
+                      <a:noFill/>
+                    </a:lnR>
+                    <a:lnT>
+                      <a:noFill/>
+                    </a:lnT>
+                    <a:lnB>
+                      <a:noFill/>
+                    </a:lnB>
+                  </a:tcPr>
+                </a:tc>
+                <a:tc>
+                  <a:txBody>
+                    <a:bodyPr/>
+                    <a:lstStyle/>
+                    <a:p>
+                      <a:pPr algn="r" fontAlgn="b"/>
+                      <a:r>
+                        <a:rPr lang="sv-SE" sz="1100" b="0" i="0" u="none" strike="noStrike">
+                          <a:solidFill>
+                            <a:srgbClr val="000000"/>
+                          </a:solidFill>
+                          <a:effectLst/>
+                          <a:latin typeface="Calibri" panose="020F0502020204030204" pitchFamily="34" charset="0"/>
+                        </a:rPr>
+                        <a:t>0.7</a:t>
+                      </a:r>
+                    </a:p>
+                  </a:txBody>
+                  <a:tcPr marL="7620" marR="7620" marT="7620" marB="0" anchor="b">
+                    <a:lnL>
+                      <a:noFill/>
+                    </a:lnL>
+                    <a:lnR>
+                      <a:noFill/>
+                    </a:lnR>
+                    <a:lnT>
+                      <a:noFill/>
+                    </a:lnT>
+                    <a:lnB>
+                      <a:noFill/>
+                    </a:lnB>
+                  </a:tcPr>
+                </a:tc>
+                <a:tc>
+                  <a:txBody>
+                    <a:bodyPr/>
+                    <a:lstStyle/>
+                    <a:p>
+                      <a:pPr algn="r" fontAlgn="b"/>
+                      <a:r>
+                        <a:rPr lang="sv-SE" sz="1100" b="0" i="0" u="none" strike="noStrike">
+                          <a:solidFill>
+                            <a:srgbClr val="000000"/>
+                          </a:solidFill>
+                          <a:effectLst/>
+                          <a:latin typeface="Calibri" panose="020F0502020204030204" pitchFamily="34" charset="0"/>
+                        </a:rPr>
+                        <a:t>3</a:t>
+                      </a:r>
+                    </a:p>
+                  </a:txBody>
+                  <a:tcPr marL="7620" marR="7620" marT="7620" marB="0" anchor="b">
+                    <a:lnL>
+                      <a:noFill/>
+                    </a:lnL>
+                    <a:lnR>
+                      <a:noFill/>
+                    </a:lnR>
+                    <a:lnT>
+                      <a:noFill/>
+                    </a:lnT>
+                    <a:lnB>
+                      <a:noFill/>
+                    </a:lnB>
+                  </a:tcPr>
+                </a:tc>
+                <a:extLst>
+                  <a:ext uri="{0D108BD9-81ED-4DB2-BD59-A6C34878D82A}">
+                    <a16:rowId xmlns:a16="http://schemas.microsoft.com/office/drawing/2014/main" val="2207083043"/>
+                  </a:ext>
+                </a:extLst>
+              </a:tr>
+              <a:tr h="182880">
+                <a:tc>
+                  <a:txBody>
+                    <a:bodyPr/>
+                    <a:lstStyle/>
+                    <a:p>
+                      <a:pPr algn="l" fontAlgn="b"/>
+                      <a:r>
+                        <a:rPr lang="sv-SE" sz="1100" b="0" i="0" u="none" strike="noStrike">
+                          <a:solidFill>
+                            <a:srgbClr val="000000"/>
+                          </a:solidFill>
+                          <a:effectLst/>
+                          <a:latin typeface="Calibri" panose="020F0502020204030204" pitchFamily="34" charset="0"/>
+                        </a:rPr>
+                        <a:t>wood (chip dust)</a:t>
+                      </a:r>
+                    </a:p>
+                  </a:txBody>
+                  <a:tcPr marL="7620" marR="7620" marT="7620" marB="0" anchor="b">
+                    <a:lnL>
+                      <a:noFill/>
+                    </a:lnL>
+                    <a:lnR>
+                      <a:noFill/>
+                    </a:lnR>
+                    <a:lnT>
+                      <a:noFill/>
+                    </a:lnT>
+                    <a:lnB>
+                      <a:noFill/>
+                    </a:lnB>
+                  </a:tcPr>
+                </a:tc>
+                <a:tc>
+                  <a:txBody>
+                    <a:bodyPr/>
+                    <a:lstStyle/>
+                    <a:p>
+                      <a:pPr algn="r" fontAlgn="b"/>
+                      <a:r>
+                        <a:rPr lang="sv-SE" sz="1100" b="0" i="0" u="none" strike="noStrike">
+                          <a:solidFill>
+                            <a:srgbClr val="000000"/>
+                          </a:solidFill>
+                          <a:effectLst/>
+                          <a:latin typeface="Calibri" panose="020F0502020204030204" pitchFamily="34" charset="0"/>
+                        </a:rPr>
+                        <a:t>63</a:t>
+                      </a:r>
+                    </a:p>
+                  </a:txBody>
+                  <a:tcPr marL="7620" marR="7620" marT="7620" marB="0" anchor="b">
+                    <a:lnL>
+                      <a:noFill/>
+                    </a:lnL>
+                    <a:lnR>
+                      <a:noFill/>
+                    </a:lnR>
+                    <a:lnT>
+                      <a:noFill/>
+                    </a:lnT>
+                    <a:lnB>
+                      <a:noFill/>
+                    </a:lnB>
+                  </a:tcPr>
+                </a:tc>
+                <a:tc>
+                  <a:txBody>
+                    <a:bodyPr/>
+                    <a:lstStyle/>
+                    <a:p>
+                      <a:pPr algn="r" fontAlgn="b"/>
+                      <a:r>
+                        <a:rPr lang="sv-SE" sz="1100" b="0" i="0" u="none" strike="noStrike">
+                          <a:solidFill>
+                            <a:srgbClr val="000000"/>
+                          </a:solidFill>
+                          <a:effectLst/>
+                          <a:latin typeface="Calibri" panose="020F0502020204030204" pitchFamily="34" charset="0"/>
+                        </a:rPr>
+                        <a:t>1.8</a:t>
+                      </a:r>
+                    </a:p>
+                  </a:txBody>
+                  <a:tcPr marL="7620" marR="7620" marT="7620" marB="0" anchor="b">
+                    <a:lnL>
+                      <a:noFill/>
+                    </a:lnL>
+                    <a:lnR>
+                      <a:noFill/>
+                    </a:lnR>
+                    <a:lnT>
+                      <a:noFill/>
+                    </a:lnT>
+                    <a:lnB>
+                      <a:noFill/>
+                    </a:lnB>
+                  </a:tcPr>
+                </a:tc>
+                <a:tc>
+                  <a:txBody>
+                    <a:bodyPr/>
+                    <a:lstStyle/>
+                    <a:p>
+                      <a:pPr algn="r" fontAlgn="b"/>
+                      <a:r>
+                        <a:rPr lang="sv-SE" sz="1100" b="0" i="0" u="none" strike="noStrike">
+                          <a:solidFill>
+                            <a:srgbClr val="000000"/>
+                          </a:solidFill>
+                          <a:effectLst/>
+                          <a:latin typeface="Calibri" panose="020F0502020204030204" pitchFamily="34" charset="0"/>
+                        </a:rPr>
+                        <a:t>8.9</a:t>
+                      </a:r>
+                    </a:p>
+                  </a:txBody>
+                  <a:tcPr marL="7620" marR="7620" marT="7620" marB="0" anchor="b">
+                    <a:lnL>
+                      <a:noFill/>
+                    </a:lnL>
+                    <a:lnR>
+                      <a:noFill/>
+                    </a:lnR>
+                    <a:lnT>
+                      <a:noFill/>
+                    </a:lnT>
+                    <a:lnB>
+                      <a:noFill/>
+                    </a:lnB>
+                  </a:tcPr>
+                </a:tc>
+                <a:tc>
+                  <a:txBody>
+                    <a:bodyPr/>
+                    <a:lstStyle/>
+                    <a:p>
+                      <a:pPr algn="r" fontAlgn="b"/>
+                      <a:r>
+                        <a:rPr lang="sv-SE" sz="1100" b="0" i="0" u="none" strike="noStrike">
+                          <a:solidFill>
+                            <a:srgbClr val="000000"/>
+                          </a:solidFill>
+                          <a:effectLst/>
+                          <a:latin typeface="Calibri" panose="020F0502020204030204" pitchFamily="34" charset="0"/>
+                        </a:rPr>
+                        <a:t>144</a:t>
+                      </a:r>
+                    </a:p>
+                  </a:txBody>
+                  <a:tcPr marL="7620" marR="7620" marT="7620" marB="0" anchor="b">
+                    <a:lnL>
+                      <a:noFill/>
+                    </a:lnL>
+                    <a:lnR>
+                      <a:noFill/>
+                    </a:lnR>
+                    <a:lnT>
+                      <a:noFill/>
+                    </a:lnT>
+                    <a:lnB>
+                      <a:noFill/>
+                    </a:lnB>
+                  </a:tcPr>
+                </a:tc>
+                <a:extLst>
+                  <a:ext uri="{0D108BD9-81ED-4DB2-BD59-A6C34878D82A}">
+                    <a16:rowId xmlns:a16="http://schemas.microsoft.com/office/drawing/2014/main" val="3737283188"/>
+                  </a:ext>
+                </a:extLst>
+              </a:tr>
+              <a:tr h="182880">
+                <a:tc>
+                  <a:txBody>
+                    <a:bodyPr/>
+                    <a:lstStyle/>
+                    <a:p>
+                      <a:pPr algn="l" fontAlgn="b"/>
+                      <a:r>
+                        <a:rPr lang="sv-SE" sz="1100" b="0" i="0" u="none" strike="noStrike">
+                          <a:solidFill>
+                            <a:srgbClr val="000000"/>
+                          </a:solidFill>
+                          <a:effectLst/>
+                          <a:latin typeface="Calibri" panose="020F0502020204030204" pitchFamily="34" charset="0"/>
+                        </a:rPr>
+                        <a:t>Wood, from Filter</a:t>
+                      </a:r>
+                    </a:p>
+                  </a:txBody>
+                  <a:tcPr marL="7620" marR="7620" marT="7620" marB="0" anchor="b">
+                    <a:lnL>
+                      <a:noFill/>
+                    </a:lnL>
+                    <a:lnR>
+                      <a:noFill/>
+                    </a:lnR>
+                    <a:lnT>
+                      <a:noFill/>
+                    </a:lnT>
+                    <a:lnB>
+                      <a:noFill/>
+                    </a:lnB>
+                  </a:tcPr>
+                </a:tc>
+                <a:tc>
+                  <a:txBody>
+                    <a:bodyPr/>
+                    <a:lstStyle/>
+                    <a:p>
+                      <a:pPr algn="r" fontAlgn="b"/>
+                      <a:r>
+                        <a:rPr lang="sv-SE" sz="1100" b="0" i="0" u="none" strike="noStrike">
+                          <a:solidFill>
+                            <a:srgbClr val="000000"/>
+                          </a:solidFill>
+                          <a:effectLst/>
+                          <a:latin typeface="Calibri" panose="020F0502020204030204" pitchFamily="34" charset="0"/>
+                        </a:rPr>
+                        <a:t>201</a:t>
+                      </a:r>
+                    </a:p>
+                  </a:txBody>
+                  <a:tcPr marL="7620" marR="7620" marT="7620" marB="0" anchor="b">
+                    <a:lnL>
+                      <a:noFill/>
+                    </a:lnL>
+                    <a:lnR>
+                      <a:noFill/>
+                    </a:lnR>
+                    <a:lnT>
+                      <a:noFill/>
+                    </a:lnT>
+                    <a:lnB>
+                      <a:noFill/>
+                    </a:lnB>
+                  </a:tcPr>
+                </a:tc>
+                <a:tc>
+                  <a:txBody>
+                    <a:bodyPr/>
+                    <a:lstStyle/>
+                    <a:p>
+                      <a:pPr algn="r" fontAlgn="b"/>
+                      <a:r>
+                        <a:rPr lang="sv-SE" sz="1100" b="0" i="0" u="none" strike="noStrike">
+                          <a:solidFill>
+                            <a:srgbClr val="000000"/>
+                          </a:solidFill>
+                          <a:effectLst/>
+                          <a:latin typeface="Calibri" panose="020F0502020204030204" pitchFamily="34" charset="0"/>
+                        </a:rPr>
+                        <a:t>11</a:t>
+                      </a:r>
+                    </a:p>
+                  </a:txBody>
+                  <a:tcPr marL="7620" marR="7620" marT="7620" marB="0" anchor="b">
+                    <a:lnL>
+                      <a:noFill/>
+                    </a:lnL>
+                    <a:lnR>
+                      <a:noFill/>
+                    </a:lnR>
+                    <a:lnT>
+                      <a:noFill/>
+                    </a:lnT>
+                    <a:lnB>
+                      <a:noFill/>
+                    </a:lnB>
+                  </a:tcPr>
+                </a:tc>
+                <a:tc>
+                  <a:txBody>
+                    <a:bodyPr/>
+                    <a:lstStyle/>
+                    <a:p>
+                      <a:pPr algn="r" fontAlgn="b"/>
+                      <a:r>
+                        <a:rPr lang="sv-SE" sz="1100" b="0" i="0" u="none" strike="noStrike">
+                          <a:solidFill>
+                            <a:srgbClr val="000000"/>
+                          </a:solidFill>
+                          <a:effectLst/>
+                          <a:latin typeface="Calibri" panose="020F0502020204030204" pitchFamily="34" charset="0"/>
+                        </a:rPr>
+                        <a:t>6.2</a:t>
+                      </a:r>
+                    </a:p>
+                  </a:txBody>
+                  <a:tcPr marL="7620" marR="7620" marT="7620" marB="0" anchor="b">
+                    <a:lnL>
+                      <a:noFill/>
+                    </a:lnL>
+                    <a:lnR>
+                      <a:noFill/>
+                    </a:lnR>
+                    <a:lnT>
+                      <a:noFill/>
+                    </a:lnT>
+                    <a:lnB>
+                      <a:noFill/>
+                    </a:lnB>
+                  </a:tcPr>
+                </a:tc>
+                <a:tc>
+                  <a:txBody>
+                    <a:bodyPr/>
+                    <a:lstStyle/>
+                    <a:p>
+                      <a:pPr algn="r" fontAlgn="b"/>
+                      <a:r>
+                        <a:rPr lang="sv-SE" sz="1100" b="0" i="0" u="none" strike="noStrike">
+                          <a:solidFill>
+                            <a:srgbClr val="000000"/>
+                          </a:solidFill>
+                          <a:effectLst/>
+                          <a:latin typeface="Calibri" panose="020F0502020204030204" pitchFamily="34" charset="0"/>
+                        </a:rPr>
+                        <a:t>15</a:t>
+                      </a:r>
+                    </a:p>
+                  </a:txBody>
+                  <a:tcPr marL="7620" marR="7620" marT="7620" marB="0" anchor="b">
+                    <a:lnL>
+                      <a:noFill/>
+                    </a:lnL>
+                    <a:lnR>
+                      <a:noFill/>
+                    </a:lnR>
+                    <a:lnT>
+                      <a:noFill/>
+                    </a:lnT>
+                    <a:lnB>
+                      <a:noFill/>
+                    </a:lnB>
+                  </a:tcPr>
+                </a:tc>
+                <a:extLst>
+                  <a:ext uri="{0D108BD9-81ED-4DB2-BD59-A6C34878D82A}">
+                    <a16:rowId xmlns:a16="http://schemas.microsoft.com/office/drawing/2014/main" val="4175268298"/>
+                  </a:ext>
+                </a:extLst>
+              </a:tr>
+              <a:tr h="182880">
+                <a:tc>
+                  <a:txBody>
+                    <a:bodyPr/>
+                    <a:lstStyle/>
+                    <a:p>
+                      <a:pPr algn="l" fontAlgn="b"/>
+                      <a:r>
+                        <a:rPr lang="sv-SE" sz="1100" b="0" i="0" u="none" strike="noStrike">
+                          <a:solidFill>
+                            <a:srgbClr val="000000"/>
+                          </a:solidFill>
+                          <a:effectLst/>
+                          <a:latin typeface="Calibri" panose="020F0502020204030204" pitchFamily="34" charset="0"/>
+                        </a:rPr>
+                        <a:t>Wood, from filter</a:t>
+                      </a:r>
+                    </a:p>
+                  </a:txBody>
+                  <a:tcPr marL="7620" marR="7620" marT="7620" marB="0" anchor="b">
+                    <a:lnL>
+                      <a:noFill/>
+                    </a:lnL>
+                    <a:lnR>
+                      <a:noFill/>
+                    </a:lnR>
+                    <a:lnT>
+                      <a:noFill/>
+                    </a:lnT>
+                    <a:lnB>
+                      <a:noFill/>
+                    </a:lnB>
+                  </a:tcPr>
+                </a:tc>
+                <a:tc>
+                  <a:txBody>
+                    <a:bodyPr/>
+                    <a:lstStyle/>
+                    <a:p>
+                      <a:pPr algn="r" fontAlgn="b"/>
+                      <a:r>
+                        <a:rPr lang="sv-SE" sz="1100" b="0" i="0" u="none" strike="noStrike">
+                          <a:solidFill>
+                            <a:srgbClr val="000000"/>
+                          </a:solidFill>
+                          <a:effectLst/>
+                          <a:latin typeface="Calibri" panose="020F0502020204030204" pitchFamily="34" charset="0"/>
+                        </a:rPr>
+                        <a:t>422</a:t>
+                      </a:r>
+                    </a:p>
+                  </a:txBody>
+                  <a:tcPr marL="7620" marR="7620" marT="7620" marB="0" anchor="b">
+                    <a:lnL>
+                      <a:noFill/>
+                    </a:lnL>
+                    <a:lnR>
+                      <a:noFill/>
+                    </a:lnR>
+                    <a:lnT>
+                      <a:noFill/>
+                    </a:lnT>
+                    <a:lnB>
+                      <a:noFill/>
+                    </a:lnB>
+                  </a:tcPr>
+                </a:tc>
+                <a:tc>
+                  <a:txBody>
+                    <a:bodyPr/>
+                    <a:lstStyle/>
+                    <a:p>
+                      <a:pPr algn="r" fontAlgn="b"/>
+                      <a:r>
+                        <a:rPr lang="sv-SE" sz="1100" b="0" i="0" u="none" strike="noStrike">
+                          <a:solidFill>
+                            <a:srgbClr val="000000"/>
+                          </a:solidFill>
+                          <a:effectLst/>
+                          <a:latin typeface="Calibri" panose="020F0502020204030204" pitchFamily="34" charset="0"/>
+                        </a:rPr>
+                        <a:t>7.4</a:t>
+                      </a:r>
+                    </a:p>
+                  </a:txBody>
+                  <a:tcPr marL="7620" marR="7620" marT="7620" marB="0" anchor="b">
+                    <a:lnL>
+                      <a:noFill/>
+                    </a:lnL>
+                    <a:lnR>
+                      <a:noFill/>
+                    </a:lnR>
+                    <a:lnT>
+                      <a:noFill/>
+                    </a:lnT>
+                    <a:lnB>
+                      <a:noFill/>
+                    </a:lnB>
+                  </a:tcPr>
+                </a:tc>
+                <a:tc>
+                  <a:txBody>
+                    <a:bodyPr/>
+                    <a:lstStyle/>
+                    <a:p>
+                      <a:pPr algn="r" fontAlgn="b"/>
+                      <a:r>
+                        <a:rPr lang="sv-SE" sz="1100" b="0" i="0" u="none" strike="noStrike">
+                          <a:solidFill>
+                            <a:srgbClr val="000000"/>
+                          </a:solidFill>
+                          <a:effectLst/>
+                          <a:latin typeface="Calibri" panose="020F0502020204030204" pitchFamily="34" charset="0"/>
+                        </a:rPr>
+                        <a:t>5.8</a:t>
+                      </a:r>
+                    </a:p>
+                  </a:txBody>
+                  <a:tcPr marL="7620" marR="7620" marT="7620" marB="0" anchor="b">
+                    <a:lnL>
+                      <a:noFill/>
+                    </a:lnL>
+                    <a:lnR>
+                      <a:noFill/>
+                    </a:lnR>
+                    <a:lnT>
+                      <a:noFill/>
+                    </a:lnT>
+                    <a:lnB>
+                      <a:noFill/>
+                    </a:lnB>
+                  </a:tcPr>
+                </a:tc>
+                <a:tc>
+                  <a:txBody>
+                    <a:bodyPr/>
+                    <a:lstStyle/>
+                    <a:p>
+                      <a:pPr algn="r" fontAlgn="b"/>
+                      <a:r>
+                        <a:rPr lang="sv-SE" sz="1100" b="0" i="0" u="none" strike="noStrike">
+                          <a:solidFill>
+                            <a:srgbClr val="000000"/>
+                          </a:solidFill>
+                          <a:effectLst/>
+                          <a:latin typeface="Calibri" panose="020F0502020204030204" pitchFamily="34" charset="0"/>
+                        </a:rPr>
+                        <a:t>13</a:t>
+                      </a:r>
+                    </a:p>
+                  </a:txBody>
+                  <a:tcPr marL="7620" marR="7620" marT="7620" marB="0" anchor="b">
+                    <a:lnL>
+                      <a:noFill/>
+                    </a:lnL>
+                    <a:lnR>
+                      <a:noFill/>
+                    </a:lnR>
+                    <a:lnT>
+                      <a:noFill/>
+                    </a:lnT>
+                    <a:lnB>
+                      <a:noFill/>
+                    </a:lnB>
+                  </a:tcPr>
+                </a:tc>
+                <a:extLst>
+                  <a:ext uri="{0D108BD9-81ED-4DB2-BD59-A6C34878D82A}">
+                    <a16:rowId xmlns:a16="http://schemas.microsoft.com/office/drawing/2014/main" val="3299575723"/>
+                  </a:ext>
+                </a:extLst>
+              </a:tr>
+              <a:tr h="182880">
+                <a:tc>
+                  <a:txBody>
+                    <a:bodyPr/>
+                    <a:lstStyle/>
+                    <a:p>
+                      <a:pPr algn="l" fontAlgn="b"/>
+                      <a:r>
+                        <a:rPr lang="sv-SE" sz="1100" b="0" i="0" u="none" strike="noStrike">
+                          <a:solidFill>
+                            <a:srgbClr val="000000"/>
+                          </a:solidFill>
+                          <a:effectLst/>
+                          <a:latin typeface="Calibri" panose="020F0502020204030204" pitchFamily="34" charset="0"/>
+                        </a:rPr>
+                        <a:t>Wood, sawdust</a:t>
+                      </a:r>
+                    </a:p>
+                  </a:txBody>
+                  <a:tcPr marL="7620" marR="7620" marT="7620" marB="0" anchor="b">
+                    <a:lnL>
+                      <a:noFill/>
+                    </a:lnL>
+                    <a:lnR>
+                      <a:noFill/>
+                    </a:lnR>
+                    <a:lnT>
+                      <a:noFill/>
+                    </a:lnT>
+                    <a:lnB>
+                      <a:noFill/>
+                    </a:lnB>
+                  </a:tcPr>
+                </a:tc>
+                <a:tc>
+                  <a:txBody>
+                    <a:bodyPr/>
+                    <a:lstStyle/>
+                    <a:p>
+                      <a:pPr algn="r" fontAlgn="b"/>
+                      <a:r>
+                        <a:rPr lang="sv-SE" sz="1100" b="0" i="0" u="none" strike="noStrike">
+                          <a:solidFill>
+                            <a:srgbClr val="000000"/>
+                          </a:solidFill>
+                          <a:effectLst/>
+                          <a:latin typeface="Calibri" panose="020F0502020204030204" pitchFamily="34" charset="0"/>
+                        </a:rPr>
+                        <a:t>63</a:t>
+                      </a:r>
+                    </a:p>
+                  </a:txBody>
+                  <a:tcPr marL="7620" marR="7620" marT="7620" marB="0" anchor="b">
+                    <a:lnL>
+                      <a:noFill/>
+                    </a:lnL>
+                    <a:lnR>
+                      <a:noFill/>
+                    </a:lnR>
+                    <a:lnT>
+                      <a:noFill/>
+                    </a:lnT>
+                    <a:lnB>
+                      <a:noFill/>
+                    </a:lnB>
+                  </a:tcPr>
+                </a:tc>
+                <a:tc>
+                  <a:txBody>
+                    <a:bodyPr/>
+                    <a:lstStyle/>
+                    <a:p>
+                      <a:pPr algn="r" fontAlgn="b"/>
+                      <a:r>
+                        <a:rPr lang="sv-SE" sz="1100" b="0" i="0" u="none" strike="noStrike">
+                          <a:solidFill>
+                            <a:srgbClr val="000000"/>
+                          </a:solidFill>
+                          <a:effectLst/>
+                          <a:latin typeface="Calibri" panose="020F0502020204030204" pitchFamily="34" charset="0"/>
+                        </a:rPr>
+                        <a:t>2.7</a:t>
+                      </a:r>
+                    </a:p>
+                  </a:txBody>
+                  <a:tcPr marL="7620" marR="7620" marT="7620" marB="0" anchor="b">
+                    <a:lnL>
+                      <a:noFill/>
+                    </a:lnL>
+                    <a:lnR>
+                      <a:noFill/>
+                    </a:lnR>
+                    <a:lnT>
+                      <a:noFill/>
+                    </a:lnT>
+                    <a:lnB>
+                      <a:noFill/>
+                    </a:lnB>
+                  </a:tcPr>
+                </a:tc>
+                <a:tc>
+                  <a:txBody>
+                    <a:bodyPr/>
+                    <a:lstStyle/>
+                    <a:p>
+                      <a:pPr algn="r" fontAlgn="b"/>
+                      <a:r>
+                        <a:rPr lang="sv-SE" sz="1100" b="0" i="0" u="none" strike="noStrike">
+                          <a:solidFill>
+                            <a:srgbClr val="000000"/>
+                          </a:solidFill>
+                          <a:effectLst/>
+                          <a:latin typeface="Calibri" panose="020F0502020204030204" pitchFamily="34" charset="0"/>
+                        </a:rPr>
+                        <a:t>8.9</a:t>
+                      </a:r>
+                    </a:p>
+                  </a:txBody>
+                  <a:tcPr marL="7620" marR="7620" marT="7620" marB="0" anchor="b">
+                    <a:lnL>
+                      <a:noFill/>
+                    </a:lnL>
+                    <a:lnR>
+                      <a:noFill/>
+                    </a:lnR>
+                    <a:lnT>
+                      <a:noFill/>
+                    </a:lnT>
+                    <a:lnB>
+                      <a:noFill/>
+                    </a:lnB>
+                  </a:tcPr>
+                </a:tc>
+                <a:tc>
+                  <a:txBody>
+                    <a:bodyPr/>
+                    <a:lstStyle/>
+                    <a:p>
+                      <a:pPr algn="r" fontAlgn="b"/>
+                      <a:r>
+                        <a:rPr lang="sv-SE" sz="1100" b="0" i="0" u="none" strike="noStrike">
+                          <a:solidFill>
+                            <a:srgbClr val="000000"/>
+                          </a:solidFill>
+                          <a:effectLst/>
+                          <a:latin typeface="Calibri" panose="020F0502020204030204" pitchFamily="34" charset="0"/>
+                        </a:rPr>
+                        <a:t>149</a:t>
+                      </a:r>
+                    </a:p>
+                  </a:txBody>
+                  <a:tcPr marL="7620" marR="7620" marT="7620" marB="0" anchor="b">
+                    <a:lnL>
+                      <a:noFill/>
+                    </a:lnL>
+                    <a:lnR>
+                      <a:noFill/>
+                    </a:lnR>
+                    <a:lnT>
+                      <a:noFill/>
+                    </a:lnT>
+                    <a:lnB>
+                      <a:noFill/>
+                    </a:lnB>
+                  </a:tcPr>
+                </a:tc>
+                <a:extLst>
+                  <a:ext uri="{0D108BD9-81ED-4DB2-BD59-A6C34878D82A}">
+                    <a16:rowId xmlns:a16="http://schemas.microsoft.com/office/drawing/2014/main" val="1496949407"/>
+                  </a:ext>
+                </a:extLst>
+              </a:tr>
+              <a:tr h="182880">
+                <a:tc>
+                  <a:txBody>
+                    <a:bodyPr/>
+                    <a:lstStyle/>
+                    <a:p>
+                      <a:pPr algn="l" fontAlgn="b"/>
+                      <a:r>
+                        <a:rPr lang="sv-SE" sz="1100" b="0" i="0" u="none" strike="noStrike">
+                          <a:solidFill>
+                            <a:srgbClr val="000000"/>
+                          </a:solidFill>
+                          <a:effectLst/>
+                          <a:latin typeface="Calibri" panose="020F0502020204030204" pitchFamily="34" charset="0"/>
+                        </a:rPr>
+                        <a:t>Wood, sawing, dust deposits</a:t>
+                      </a:r>
+                    </a:p>
+                  </a:txBody>
+                  <a:tcPr marL="7620" marR="7620" marT="7620" marB="0" anchor="b">
+                    <a:lnL>
+                      <a:noFill/>
+                    </a:lnL>
+                    <a:lnR>
+                      <a:noFill/>
+                    </a:lnR>
+                    <a:lnT>
+                      <a:noFill/>
+                    </a:lnT>
+                    <a:lnB>
+                      <a:noFill/>
+                    </a:lnB>
+                  </a:tcPr>
+                </a:tc>
+                <a:tc>
+                  <a:txBody>
+                    <a:bodyPr/>
+                    <a:lstStyle/>
+                    <a:p>
+                      <a:pPr algn="r" fontAlgn="b"/>
+                      <a:r>
+                        <a:rPr lang="sv-SE" sz="1100" b="0" i="0" u="none" strike="noStrike">
+                          <a:solidFill>
+                            <a:srgbClr val="000000"/>
+                          </a:solidFill>
+                          <a:effectLst/>
+                          <a:latin typeface="Calibri" panose="020F0502020204030204" pitchFamily="34" charset="0"/>
+                        </a:rPr>
+                        <a:t>378</a:t>
+                      </a:r>
+                    </a:p>
+                  </a:txBody>
+                  <a:tcPr marL="7620" marR="7620" marT="7620" marB="0" anchor="b">
+                    <a:lnL>
+                      <a:noFill/>
+                    </a:lnL>
+                    <a:lnR>
+                      <a:noFill/>
+                    </a:lnR>
+                    <a:lnT>
+                      <a:noFill/>
+                    </a:lnT>
+                    <a:lnB>
+                      <a:noFill/>
+                    </a:lnB>
+                  </a:tcPr>
+                </a:tc>
+                <a:tc>
+                  <a:txBody>
+                    <a:bodyPr/>
+                    <a:lstStyle/>
+                    <a:p>
+                      <a:pPr algn="r" fontAlgn="b"/>
+                      <a:r>
+                        <a:rPr lang="sv-SE" sz="1100" b="0" i="0" u="none" strike="noStrike">
+                          <a:solidFill>
+                            <a:srgbClr val="000000"/>
+                          </a:solidFill>
+                          <a:effectLst/>
+                          <a:latin typeface="Calibri" panose="020F0502020204030204" pitchFamily="34" charset="0"/>
+                        </a:rPr>
+                        <a:t>18.9</a:t>
+                      </a:r>
+                    </a:p>
+                  </a:txBody>
+                  <a:tcPr marL="7620" marR="7620" marT="7620" marB="0" anchor="b">
+                    <a:lnL>
+                      <a:noFill/>
+                    </a:lnL>
+                    <a:lnR>
+                      <a:noFill/>
+                    </a:lnR>
+                    <a:lnT>
+                      <a:noFill/>
+                    </a:lnT>
+                    <a:lnB>
+                      <a:noFill/>
+                    </a:lnB>
+                  </a:tcPr>
+                </a:tc>
+                <a:tc>
+                  <a:txBody>
+                    <a:bodyPr/>
+                    <a:lstStyle/>
+                    <a:p>
+                      <a:pPr algn="r" fontAlgn="b"/>
+                      <a:r>
+                        <a:rPr lang="sv-SE" sz="1100" b="0" i="0" u="none" strike="noStrike">
+                          <a:solidFill>
+                            <a:srgbClr val="000000"/>
+                          </a:solidFill>
+                          <a:effectLst/>
+                          <a:latin typeface="Calibri" panose="020F0502020204030204" pitchFamily="34" charset="0"/>
+                        </a:rPr>
+                        <a:t>6</a:t>
+                      </a:r>
+                    </a:p>
+                  </a:txBody>
+                  <a:tcPr marL="7620" marR="7620" marT="7620" marB="0" anchor="b">
+                    <a:lnL>
+                      <a:noFill/>
+                    </a:lnL>
+                    <a:lnR>
+                      <a:noFill/>
+                    </a:lnR>
+                    <a:lnT>
+                      <a:noFill/>
+                    </a:lnT>
+                    <a:lnB>
+                      <a:noFill/>
+                    </a:lnB>
+                  </a:tcPr>
+                </a:tc>
+                <a:tc>
+                  <a:txBody>
+                    <a:bodyPr/>
+                    <a:lstStyle/>
+                    <a:p>
+                      <a:pPr algn="r" fontAlgn="b"/>
+                      <a:r>
+                        <a:rPr lang="sv-SE" sz="1100" b="0" i="0" u="none" strike="noStrike">
+                          <a:solidFill>
+                            <a:srgbClr val="000000"/>
+                          </a:solidFill>
+                          <a:effectLst/>
+                          <a:latin typeface="Calibri" panose="020F0502020204030204" pitchFamily="34" charset="0"/>
+                        </a:rPr>
+                        <a:t>12</a:t>
+                      </a:r>
+                    </a:p>
+                  </a:txBody>
+                  <a:tcPr marL="7620" marR="7620" marT="7620" marB="0" anchor="b">
+                    <a:lnL>
+                      <a:noFill/>
+                    </a:lnL>
+                    <a:lnR>
+                      <a:noFill/>
+                    </a:lnR>
+                    <a:lnT>
+                      <a:noFill/>
+                    </a:lnT>
+                    <a:lnB>
+                      <a:noFill/>
+                    </a:lnB>
+                  </a:tcPr>
+                </a:tc>
+                <a:extLst>
+                  <a:ext uri="{0D108BD9-81ED-4DB2-BD59-A6C34878D82A}">
+                    <a16:rowId xmlns:a16="http://schemas.microsoft.com/office/drawing/2014/main" val="2249656238"/>
+                  </a:ext>
+                </a:extLst>
+              </a:tr>
+              <a:tr h="182880">
+                <a:tc>
+                  <a:txBody>
+                    <a:bodyPr/>
+                    <a:lstStyle/>
+                    <a:p>
+                      <a:pPr algn="l" fontAlgn="b"/>
+                      <a:r>
+                        <a:rPr lang="sv-SE" sz="1100" b="0" i="0" u="none" strike="noStrike">
+                          <a:solidFill>
+                            <a:srgbClr val="000000"/>
+                          </a:solidFill>
+                          <a:effectLst/>
+                          <a:latin typeface="Calibri" panose="020F0502020204030204" pitchFamily="34" charset="0"/>
+                        </a:rPr>
+                        <a:t>Wood, sawing, dust deposits</a:t>
+                      </a:r>
+                    </a:p>
+                  </a:txBody>
+                  <a:tcPr marL="7620" marR="7620" marT="7620" marB="0" anchor="b">
+                    <a:lnL>
+                      <a:noFill/>
+                    </a:lnL>
+                    <a:lnR>
+                      <a:noFill/>
+                    </a:lnR>
+                    <a:lnT>
+                      <a:noFill/>
+                    </a:lnT>
+                    <a:lnB>
+                      <a:noFill/>
+                    </a:lnB>
+                  </a:tcPr>
+                </a:tc>
+                <a:tc>
+                  <a:txBody>
+                    <a:bodyPr/>
+                    <a:lstStyle/>
+                    <a:p>
+                      <a:pPr algn="r" fontAlgn="b"/>
+                      <a:r>
+                        <a:rPr lang="sv-SE" sz="1100" b="0" i="0" u="none" strike="noStrike">
+                          <a:solidFill>
+                            <a:srgbClr val="000000"/>
+                          </a:solidFill>
+                          <a:effectLst/>
+                          <a:latin typeface="Calibri" panose="020F0502020204030204" pitchFamily="34" charset="0"/>
+                        </a:rPr>
+                        <a:t>83</a:t>
+                      </a:r>
+                    </a:p>
+                  </a:txBody>
+                  <a:tcPr marL="7620" marR="7620" marT="7620" marB="0" anchor="b">
+                    <a:lnL>
+                      <a:noFill/>
+                    </a:lnL>
+                    <a:lnR>
+                      <a:noFill/>
+                    </a:lnR>
+                    <a:lnT>
+                      <a:noFill/>
+                    </a:lnT>
+                    <a:lnB>
+                      <a:noFill/>
+                    </a:lnB>
+                  </a:tcPr>
+                </a:tc>
+                <a:tc>
+                  <a:txBody>
+                    <a:bodyPr/>
+                    <a:lstStyle/>
+                    <a:p>
+                      <a:pPr algn="r" fontAlgn="b"/>
+                      <a:r>
+                        <a:rPr lang="sv-SE" sz="1100" b="0" i="0" u="none" strike="noStrike">
+                          <a:solidFill>
+                            <a:srgbClr val="000000"/>
+                          </a:solidFill>
+                          <a:effectLst/>
+                          <a:latin typeface="Calibri" panose="020F0502020204030204" pitchFamily="34" charset="0"/>
+                        </a:rPr>
+                        <a:t>8.6</a:t>
+                      </a:r>
+                    </a:p>
+                  </a:txBody>
+                  <a:tcPr marL="7620" marR="7620" marT="7620" marB="0" anchor="b">
+                    <a:lnL>
+                      <a:noFill/>
+                    </a:lnL>
+                    <a:lnR>
+                      <a:noFill/>
+                    </a:lnR>
+                    <a:lnT>
+                      <a:noFill/>
+                    </a:lnT>
+                    <a:lnB>
+                      <a:noFill/>
+                    </a:lnB>
+                  </a:tcPr>
+                </a:tc>
+                <a:tc>
+                  <a:txBody>
+                    <a:bodyPr/>
+                    <a:lstStyle/>
+                    <a:p>
+                      <a:pPr algn="r" fontAlgn="b"/>
+                      <a:r>
+                        <a:rPr lang="sv-SE" sz="1100" b="0" i="0" u="none" strike="noStrike">
+                          <a:solidFill>
+                            <a:srgbClr val="000000"/>
+                          </a:solidFill>
+                          <a:effectLst/>
+                          <a:latin typeface="Calibri" panose="020F0502020204030204" pitchFamily="34" charset="0"/>
+                        </a:rPr>
+                        <a:t>7.4</a:t>
+                      </a:r>
+                    </a:p>
+                  </a:txBody>
+                  <a:tcPr marL="7620" marR="7620" marT="7620" marB="0" anchor="b">
+                    <a:lnL>
+                      <a:noFill/>
+                    </a:lnL>
+                    <a:lnR>
+                      <a:noFill/>
+                    </a:lnR>
+                    <a:lnT>
+                      <a:noFill/>
+                    </a:lnT>
+                    <a:lnB>
+                      <a:noFill/>
+                    </a:lnB>
+                  </a:tcPr>
+                </a:tc>
+                <a:tc>
+                  <a:txBody>
+                    <a:bodyPr/>
+                    <a:lstStyle/>
+                    <a:p>
+                      <a:pPr algn="r" fontAlgn="b"/>
+                      <a:r>
+                        <a:rPr lang="sv-SE" sz="1100" b="0" i="0" u="none" strike="noStrike">
+                          <a:solidFill>
+                            <a:srgbClr val="000000"/>
+                          </a:solidFill>
+                          <a:effectLst/>
+                          <a:latin typeface="Calibri" panose="020F0502020204030204" pitchFamily="34" charset="0"/>
+                        </a:rPr>
+                        <a:t>63</a:t>
+                      </a:r>
+                    </a:p>
+                  </a:txBody>
+                  <a:tcPr marL="7620" marR="7620" marT="7620" marB="0" anchor="b">
+                    <a:lnL>
+                      <a:noFill/>
+                    </a:lnL>
+                    <a:lnR>
+                      <a:noFill/>
+                    </a:lnR>
+                    <a:lnT>
+                      <a:noFill/>
+                    </a:lnT>
+                    <a:lnB>
+                      <a:noFill/>
+                    </a:lnB>
+                  </a:tcPr>
+                </a:tc>
+                <a:extLst>
+                  <a:ext uri="{0D108BD9-81ED-4DB2-BD59-A6C34878D82A}">
+                    <a16:rowId xmlns:a16="http://schemas.microsoft.com/office/drawing/2014/main" val="3496751225"/>
+                  </a:ext>
+                </a:extLst>
+              </a:tr>
+              <a:tr h="182880">
+                <a:tc>
+                  <a:txBody>
+                    <a:bodyPr/>
+                    <a:lstStyle/>
+                    <a:p>
+                      <a:pPr algn="l" fontAlgn="b"/>
+                      <a:r>
+                        <a:rPr lang="sv-SE" sz="1100" b="0" i="0" u="none" strike="noStrike">
+                          <a:solidFill>
+                            <a:srgbClr val="000000"/>
+                          </a:solidFill>
+                          <a:effectLst/>
+                          <a:latin typeface="Calibri" panose="020F0502020204030204" pitchFamily="34" charset="0"/>
+                        </a:rPr>
+                        <a:t>Wood, sawing, dust deposits</a:t>
+                      </a:r>
+                    </a:p>
+                  </a:txBody>
+                  <a:tcPr marL="7620" marR="7620" marT="7620" marB="0" anchor="b">
+                    <a:lnL>
+                      <a:noFill/>
+                    </a:lnL>
+                    <a:lnR>
+                      <a:noFill/>
+                    </a:lnR>
+                    <a:lnT>
+                      <a:noFill/>
+                    </a:lnT>
+                    <a:lnB>
+                      <a:noFill/>
+                    </a:lnB>
+                  </a:tcPr>
+                </a:tc>
+                <a:tc>
+                  <a:txBody>
+                    <a:bodyPr/>
+                    <a:lstStyle/>
+                    <a:p>
+                      <a:pPr algn="r" fontAlgn="b"/>
+                      <a:r>
+                        <a:rPr lang="sv-SE" sz="1100" b="0" i="0" u="none" strike="noStrike">
+                          <a:solidFill>
+                            <a:srgbClr val="000000"/>
+                          </a:solidFill>
+                          <a:effectLst/>
+                          <a:latin typeface="Calibri" panose="020F0502020204030204" pitchFamily="34" charset="0"/>
+                        </a:rPr>
+                        <a:t>145</a:t>
+                      </a:r>
+                    </a:p>
+                  </a:txBody>
+                  <a:tcPr marL="7620" marR="7620" marT="7620" marB="0" anchor="b">
+                    <a:lnL>
+                      <a:noFill/>
+                    </a:lnL>
+                    <a:lnR>
+                      <a:noFill/>
+                    </a:lnR>
+                    <a:lnT>
+                      <a:noFill/>
+                    </a:lnT>
+                    <a:lnB>
+                      <a:noFill/>
+                    </a:lnB>
+                  </a:tcPr>
+                </a:tc>
+                <a:tc>
+                  <a:txBody>
+                    <a:bodyPr/>
+                    <a:lstStyle/>
+                    <a:p>
+                      <a:pPr algn="r" fontAlgn="b"/>
+                      <a:r>
+                        <a:rPr lang="sv-SE" sz="1100" b="0" i="0" u="none" strike="noStrike">
+                          <a:solidFill>
+                            <a:srgbClr val="000000"/>
+                          </a:solidFill>
+                          <a:effectLst/>
+                          <a:latin typeface="Calibri" panose="020F0502020204030204" pitchFamily="34" charset="0"/>
+                        </a:rPr>
+                        <a:t>12.2</a:t>
+                      </a:r>
+                    </a:p>
+                  </a:txBody>
+                  <a:tcPr marL="7620" marR="7620" marT="7620" marB="0" anchor="b">
+                    <a:lnL>
+                      <a:noFill/>
+                    </a:lnL>
+                    <a:lnR>
+                      <a:noFill/>
+                    </a:lnR>
+                    <a:lnT>
+                      <a:noFill/>
+                    </a:lnT>
+                    <a:lnB>
+                      <a:noFill/>
+                    </a:lnB>
+                  </a:tcPr>
+                </a:tc>
+                <a:tc>
+                  <a:txBody>
+                    <a:bodyPr/>
+                    <a:lstStyle/>
+                    <a:p>
+                      <a:pPr algn="r" fontAlgn="b"/>
+                      <a:r>
+                        <a:rPr lang="sv-SE" sz="1100" b="0" i="0" u="none" strike="noStrike">
+                          <a:solidFill>
+                            <a:srgbClr val="000000"/>
+                          </a:solidFill>
+                          <a:effectLst/>
+                          <a:latin typeface="Calibri" panose="020F0502020204030204" pitchFamily="34" charset="0"/>
+                        </a:rPr>
+                        <a:t>6.7</a:t>
+                      </a:r>
+                    </a:p>
+                  </a:txBody>
+                  <a:tcPr marL="7620" marR="7620" marT="7620" marB="0" anchor="b">
+                    <a:lnL>
+                      <a:noFill/>
+                    </a:lnL>
+                    <a:lnR>
+                      <a:noFill/>
+                    </a:lnR>
+                    <a:lnT>
+                      <a:noFill/>
+                    </a:lnT>
+                    <a:lnB>
+                      <a:noFill/>
+                    </a:lnB>
+                  </a:tcPr>
+                </a:tc>
+                <a:tc>
+                  <a:txBody>
+                    <a:bodyPr/>
+                    <a:lstStyle/>
+                    <a:p>
+                      <a:pPr algn="r" fontAlgn="b"/>
+                      <a:r>
+                        <a:rPr lang="sv-SE" sz="1100" b="0" i="0" u="none" strike="noStrike">
+                          <a:solidFill>
+                            <a:srgbClr val="000000"/>
+                          </a:solidFill>
+                          <a:effectLst/>
+                          <a:latin typeface="Calibri" panose="020F0502020204030204" pitchFamily="34" charset="0"/>
+                        </a:rPr>
+                        <a:t>36</a:t>
+                      </a:r>
+                    </a:p>
+                  </a:txBody>
+                  <a:tcPr marL="7620" marR="7620" marT="7620" marB="0" anchor="b">
+                    <a:lnL>
+                      <a:noFill/>
+                    </a:lnL>
+                    <a:lnR>
+                      <a:noFill/>
+                    </a:lnR>
+                    <a:lnT>
+                      <a:noFill/>
+                    </a:lnT>
+                    <a:lnB>
+                      <a:noFill/>
+                    </a:lnB>
+                  </a:tcPr>
+                </a:tc>
+                <a:extLst>
+                  <a:ext uri="{0D108BD9-81ED-4DB2-BD59-A6C34878D82A}">
+                    <a16:rowId xmlns:a16="http://schemas.microsoft.com/office/drawing/2014/main" val="1482157107"/>
+                  </a:ext>
+                </a:extLst>
+              </a:tr>
+              <a:tr h="182880">
+                <a:tc>
+                  <a:txBody>
+                    <a:bodyPr/>
+                    <a:lstStyle/>
+                    <a:p>
+                      <a:pPr algn="l" fontAlgn="b"/>
+                      <a:r>
+                        <a:rPr lang="en-US" sz="1100" b="0" i="0" u="none" strike="noStrike">
+                          <a:solidFill>
+                            <a:srgbClr val="000000"/>
+                          </a:solidFill>
+                          <a:effectLst/>
+                          <a:latin typeface="Calibri" panose="020F0502020204030204" pitchFamily="34" charset="0"/>
+                        </a:rPr>
+                        <a:t>white dust from white pellets</a:t>
+                      </a:r>
+                    </a:p>
+                  </a:txBody>
+                  <a:tcPr marL="7620" marR="7620" marT="7620" marB="0" anchor="b">
+                    <a:lnL>
+                      <a:noFill/>
+                    </a:lnL>
+                    <a:lnR>
+                      <a:noFill/>
+                    </a:lnR>
+                    <a:lnT>
+                      <a:noFill/>
+                    </a:lnT>
+                    <a:lnB>
+                      <a:noFill/>
+                    </a:lnB>
+                  </a:tcPr>
+                </a:tc>
+                <a:tc>
+                  <a:txBody>
+                    <a:bodyPr/>
+                    <a:lstStyle/>
+                    <a:p>
+                      <a:pPr algn="r" fontAlgn="b"/>
+                      <a:r>
+                        <a:rPr lang="sv-SE" sz="1100" b="0" i="0" u="none" strike="noStrike">
+                          <a:solidFill>
+                            <a:srgbClr val="000000"/>
+                          </a:solidFill>
+                          <a:effectLst/>
+                          <a:latin typeface="Calibri" panose="020F0502020204030204" pitchFamily="34" charset="0"/>
+                        </a:rPr>
+                        <a:t>75</a:t>
+                      </a:r>
+                    </a:p>
+                  </a:txBody>
+                  <a:tcPr marL="7620" marR="7620" marT="7620" marB="0" anchor="b">
+                    <a:lnL>
+                      <a:noFill/>
+                    </a:lnL>
+                    <a:lnR>
+                      <a:noFill/>
+                    </a:lnR>
+                    <a:lnT>
+                      <a:noFill/>
+                    </a:lnT>
+                    <a:lnB>
+                      <a:noFill/>
+                    </a:lnB>
+                  </a:tcPr>
+                </a:tc>
+                <a:tc>
+                  <a:txBody>
+                    <a:bodyPr/>
+                    <a:lstStyle/>
+                    <a:p>
+                      <a:pPr algn="r" fontAlgn="b"/>
+                      <a:r>
+                        <a:rPr lang="sv-SE" sz="1100" b="0" i="0" u="none" strike="noStrike">
+                          <a:solidFill>
+                            <a:srgbClr val="000000"/>
+                          </a:solidFill>
+                          <a:effectLst/>
+                          <a:latin typeface="Calibri" panose="020F0502020204030204" pitchFamily="34" charset="0"/>
+                        </a:rPr>
+                        <a:t>5</a:t>
+                      </a:r>
+                    </a:p>
+                  </a:txBody>
+                  <a:tcPr marL="7620" marR="7620" marT="7620" marB="0" anchor="b">
+                    <a:lnL>
+                      <a:noFill/>
+                    </a:lnL>
+                    <a:lnR>
+                      <a:noFill/>
+                    </a:lnR>
+                    <a:lnT>
+                      <a:noFill/>
+                    </a:lnT>
+                    <a:lnB>
+                      <a:noFill/>
+                    </a:lnB>
+                  </a:tcPr>
+                </a:tc>
+                <a:tc>
+                  <a:txBody>
+                    <a:bodyPr/>
+                    <a:lstStyle/>
+                    <a:p>
+                      <a:pPr algn="r" fontAlgn="b"/>
+                      <a:r>
+                        <a:rPr lang="sv-SE" sz="1100" b="0" i="0" u="none" strike="noStrike">
+                          <a:solidFill>
+                            <a:srgbClr val="000000"/>
+                          </a:solidFill>
+                          <a:effectLst/>
+                          <a:latin typeface="Calibri" panose="020F0502020204030204" pitchFamily="34" charset="0"/>
+                        </a:rPr>
+                        <a:t>8.1</a:t>
+                      </a:r>
+                    </a:p>
+                  </a:txBody>
+                  <a:tcPr marL="7620" marR="7620" marT="7620" marB="0" anchor="b">
+                    <a:lnL>
+                      <a:noFill/>
+                    </a:lnL>
+                    <a:lnR>
+                      <a:noFill/>
+                    </a:lnR>
+                    <a:lnT>
+                      <a:noFill/>
+                    </a:lnT>
+                    <a:lnB>
+                      <a:noFill/>
+                    </a:lnB>
+                  </a:tcPr>
+                </a:tc>
+                <a:tc>
+                  <a:txBody>
+                    <a:bodyPr/>
+                    <a:lstStyle/>
+                    <a:p>
+                      <a:pPr algn="r" fontAlgn="b"/>
+                      <a:r>
+                        <a:rPr lang="sv-SE" sz="1100" b="0" i="0" u="none" strike="noStrike">
+                          <a:solidFill>
+                            <a:srgbClr val="000000"/>
+                          </a:solidFill>
+                          <a:effectLst/>
+                          <a:latin typeface="Calibri" panose="020F0502020204030204" pitchFamily="34" charset="0"/>
+                        </a:rPr>
+                        <a:t>146</a:t>
+                      </a:r>
+                    </a:p>
+                  </a:txBody>
+                  <a:tcPr marL="7620" marR="7620" marT="7620" marB="0" anchor="b">
+                    <a:lnL>
+                      <a:noFill/>
+                    </a:lnL>
+                    <a:lnR>
+                      <a:noFill/>
+                    </a:lnR>
+                    <a:lnT>
+                      <a:noFill/>
+                    </a:lnT>
+                    <a:lnB>
+                      <a:noFill/>
+                    </a:lnB>
+                  </a:tcPr>
+                </a:tc>
+                <a:extLst>
+                  <a:ext uri="{0D108BD9-81ED-4DB2-BD59-A6C34878D82A}">
+                    <a16:rowId xmlns:a16="http://schemas.microsoft.com/office/drawing/2014/main" val="87242886"/>
+                  </a:ext>
+                </a:extLst>
+              </a:tr>
+              <a:tr h="182880">
+                <a:tc>
+                  <a:txBody>
+                    <a:bodyPr/>
+                    <a:lstStyle/>
+                    <a:p>
+                      <a:pPr algn="l" fontAlgn="b"/>
+                      <a:r>
+                        <a:rPr lang="sv-SE" sz="1100" b="0" i="0" u="none" strike="noStrike">
+                          <a:solidFill>
+                            <a:srgbClr val="000000"/>
+                          </a:solidFill>
+                          <a:effectLst/>
+                          <a:latin typeface="Calibri" panose="020F0502020204030204" pitchFamily="34" charset="0"/>
+                        </a:rPr>
+                        <a:t>bark dust from bark pellets</a:t>
+                      </a:r>
+                    </a:p>
+                  </a:txBody>
+                  <a:tcPr marL="7620" marR="7620" marT="7620" marB="0" anchor="b">
+                    <a:lnL>
+                      <a:noFill/>
+                    </a:lnL>
+                    <a:lnR>
+                      <a:noFill/>
+                    </a:lnR>
+                    <a:lnT>
+                      <a:noFill/>
+                    </a:lnT>
+                    <a:lnB>
+                      <a:noFill/>
+                    </a:lnB>
+                  </a:tcPr>
+                </a:tc>
+                <a:tc>
+                  <a:txBody>
+                    <a:bodyPr/>
+                    <a:lstStyle/>
+                    <a:p>
+                      <a:pPr algn="r" fontAlgn="b"/>
+                      <a:r>
+                        <a:rPr lang="sv-SE" sz="1100" b="0" i="0" u="none" strike="noStrike">
+                          <a:solidFill>
+                            <a:srgbClr val="000000"/>
+                          </a:solidFill>
+                          <a:effectLst/>
+                          <a:latin typeface="Calibri" panose="020F0502020204030204" pitchFamily="34" charset="0"/>
+                        </a:rPr>
+                        <a:t>75</a:t>
+                      </a:r>
+                    </a:p>
+                  </a:txBody>
+                  <a:tcPr marL="7620" marR="7620" marT="7620" marB="0" anchor="b">
+                    <a:lnL>
+                      <a:noFill/>
+                    </a:lnL>
+                    <a:lnR>
+                      <a:noFill/>
+                    </a:lnR>
+                    <a:lnT>
+                      <a:noFill/>
+                    </a:lnT>
+                    <a:lnB>
+                      <a:noFill/>
+                    </a:lnB>
+                  </a:tcPr>
+                </a:tc>
+                <a:tc>
+                  <a:txBody>
+                    <a:bodyPr/>
+                    <a:lstStyle/>
+                    <a:p>
+                      <a:pPr algn="r" fontAlgn="b"/>
+                      <a:r>
+                        <a:rPr lang="sv-SE" sz="1100" b="0" i="0" u="none" strike="noStrike">
+                          <a:solidFill>
+                            <a:srgbClr val="000000"/>
+                          </a:solidFill>
+                          <a:effectLst/>
+                          <a:latin typeface="Calibri" panose="020F0502020204030204" pitchFamily="34" charset="0"/>
+                        </a:rPr>
+                        <a:t>5</a:t>
+                      </a:r>
+                    </a:p>
+                  </a:txBody>
+                  <a:tcPr marL="7620" marR="7620" marT="7620" marB="0" anchor="b">
+                    <a:lnL>
+                      <a:noFill/>
+                    </a:lnL>
+                    <a:lnR>
+                      <a:noFill/>
+                    </a:lnR>
+                    <a:lnT>
+                      <a:noFill/>
+                    </a:lnT>
+                    <a:lnB>
+                      <a:noFill/>
+                    </a:lnB>
+                  </a:tcPr>
+                </a:tc>
+                <a:tc>
+                  <a:txBody>
+                    <a:bodyPr/>
+                    <a:lstStyle/>
+                    <a:p>
+                      <a:pPr algn="r" fontAlgn="b"/>
+                      <a:r>
+                        <a:rPr lang="sv-SE" sz="1100" b="0" i="0" u="none" strike="noStrike">
+                          <a:solidFill>
+                            <a:srgbClr val="000000"/>
+                          </a:solidFill>
+                          <a:effectLst/>
+                          <a:latin typeface="Calibri" panose="020F0502020204030204" pitchFamily="34" charset="0"/>
+                        </a:rPr>
+                        <a:t>8.4</a:t>
+                      </a:r>
+                    </a:p>
+                  </a:txBody>
+                  <a:tcPr marL="7620" marR="7620" marT="7620" marB="0" anchor="b">
+                    <a:lnL>
+                      <a:noFill/>
+                    </a:lnL>
+                    <a:lnR>
+                      <a:noFill/>
+                    </a:lnR>
+                    <a:lnT>
+                      <a:noFill/>
+                    </a:lnT>
+                    <a:lnB>
+                      <a:noFill/>
+                    </a:lnB>
+                  </a:tcPr>
+                </a:tc>
+                <a:tc>
+                  <a:txBody>
+                    <a:bodyPr/>
+                    <a:lstStyle/>
+                    <a:p>
+                      <a:pPr algn="r" fontAlgn="b"/>
+                      <a:r>
+                        <a:rPr lang="sv-SE" sz="1100" b="0" i="0" u="none" strike="noStrike">
+                          <a:solidFill>
+                            <a:srgbClr val="000000"/>
+                          </a:solidFill>
+                          <a:effectLst/>
+                          <a:latin typeface="Calibri" panose="020F0502020204030204" pitchFamily="34" charset="0"/>
+                        </a:rPr>
+                        <a:t>162</a:t>
+                      </a:r>
+                    </a:p>
+                  </a:txBody>
+                  <a:tcPr marL="7620" marR="7620" marT="7620" marB="0" anchor="b">
+                    <a:lnL>
+                      <a:noFill/>
+                    </a:lnL>
+                    <a:lnR>
+                      <a:noFill/>
+                    </a:lnR>
+                    <a:lnT>
+                      <a:noFill/>
+                    </a:lnT>
+                    <a:lnB>
+                      <a:noFill/>
+                    </a:lnB>
+                  </a:tcPr>
+                </a:tc>
+                <a:extLst>
+                  <a:ext uri="{0D108BD9-81ED-4DB2-BD59-A6C34878D82A}">
+                    <a16:rowId xmlns:a16="http://schemas.microsoft.com/office/drawing/2014/main" val="3657185228"/>
+                  </a:ext>
+                </a:extLst>
+              </a:tr>
+              <a:tr h="182880">
+                <a:tc>
+                  <a:txBody>
+                    <a:bodyPr/>
+                    <a:lstStyle/>
+                    <a:p>
+                      <a:pPr algn="l" fontAlgn="b"/>
+                      <a:r>
+                        <a:rPr lang="en-US" sz="1100" b="0" i="0" u="none" strike="noStrike">
+                          <a:solidFill>
+                            <a:srgbClr val="000000"/>
+                          </a:solidFill>
+                          <a:effectLst/>
+                          <a:latin typeface="Calibri" panose="020F0502020204030204" pitchFamily="34" charset="0"/>
+                        </a:rPr>
+                        <a:t>forest residual (bark and wood)</a:t>
+                      </a:r>
+                    </a:p>
+                  </a:txBody>
+                  <a:tcPr marL="7620" marR="7620" marT="7620" marB="0" anchor="b">
+                    <a:lnL>
+                      <a:noFill/>
+                    </a:lnL>
+                    <a:lnR>
+                      <a:noFill/>
+                    </a:lnR>
+                    <a:lnT>
+                      <a:noFill/>
+                    </a:lnT>
+                    <a:lnB>
+                      <a:noFill/>
+                    </a:lnB>
+                  </a:tcPr>
+                </a:tc>
+                <a:tc>
+                  <a:txBody>
+                    <a:bodyPr/>
+                    <a:lstStyle/>
+                    <a:p>
+                      <a:pPr algn="r" fontAlgn="b"/>
+                      <a:r>
+                        <a:rPr lang="sv-SE" sz="1100" b="0" i="0" u="none" strike="noStrike">
+                          <a:solidFill>
+                            <a:srgbClr val="000000"/>
+                          </a:solidFill>
+                          <a:effectLst/>
+                          <a:latin typeface="Calibri" panose="020F0502020204030204" pitchFamily="34" charset="0"/>
+                        </a:rPr>
+                        <a:t>275</a:t>
+                      </a:r>
+                    </a:p>
+                  </a:txBody>
+                  <a:tcPr marL="7620" marR="7620" marT="7620" marB="0" anchor="b">
+                    <a:lnL>
+                      <a:noFill/>
+                    </a:lnL>
+                    <a:lnR>
+                      <a:noFill/>
+                    </a:lnR>
+                    <a:lnT>
+                      <a:noFill/>
+                    </a:lnT>
+                    <a:lnB>
+                      <a:noFill/>
+                    </a:lnB>
+                  </a:tcPr>
+                </a:tc>
+                <a:tc>
+                  <a:txBody>
+                    <a:bodyPr/>
+                    <a:lstStyle/>
+                    <a:p>
+                      <a:pPr algn="r" fontAlgn="b"/>
+                      <a:r>
+                        <a:rPr lang="sv-SE" sz="1100" b="0" i="0" u="none" strike="noStrike">
+                          <a:solidFill>
+                            <a:srgbClr val="000000"/>
+                          </a:solidFill>
+                          <a:effectLst/>
+                          <a:latin typeface="Calibri" panose="020F0502020204030204" pitchFamily="34" charset="0"/>
+                        </a:rPr>
+                        <a:t>6</a:t>
+                      </a:r>
+                    </a:p>
+                  </a:txBody>
+                  <a:tcPr marL="7620" marR="7620" marT="7620" marB="0" anchor="b">
+                    <a:lnL>
+                      <a:noFill/>
+                    </a:lnL>
+                    <a:lnR>
+                      <a:noFill/>
+                    </a:lnR>
+                    <a:lnT>
+                      <a:noFill/>
+                    </a:lnT>
+                    <a:lnB>
+                      <a:noFill/>
+                    </a:lnB>
+                  </a:tcPr>
+                </a:tc>
+                <a:tc>
+                  <a:txBody>
+                    <a:bodyPr/>
+                    <a:lstStyle/>
+                    <a:p>
+                      <a:pPr algn="r" fontAlgn="b"/>
+                      <a:r>
+                        <a:rPr lang="sv-SE" sz="1100" b="0" i="0" u="none" strike="noStrike">
+                          <a:solidFill>
+                            <a:srgbClr val="000000"/>
+                          </a:solidFill>
+                          <a:effectLst/>
+                          <a:latin typeface="Calibri" panose="020F0502020204030204" pitchFamily="34" charset="0"/>
+                        </a:rPr>
+                        <a:t>9.1</a:t>
+                      </a:r>
+                    </a:p>
+                  </a:txBody>
+                  <a:tcPr marL="7620" marR="7620" marT="7620" marB="0" anchor="b">
+                    <a:lnL>
+                      <a:noFill/>
+                    </a:lnL>
+                    <a:lnR>
+                      <a:noFill/>
+                    </a:lnR>
+                    <a:lnT>
+                      <a:noFill/>
+                    </a:lnT>
+                    <a:lnB>
+                      <a:noFill/>
+                    </a:lnB>
+                  </a:tcPr>
+                </a:tc>
+                <a:tc>
+                  <a:txBody>
+                    <a:bodyPr/>
+                    <a:lstStyle/>
+                    <a:p>
+                      <a:pPr algn="r" fontAlgn="b"/>
+                      <a:r>
+                        <a:rPr lang="sv-SE" sz="1100" b="0" i="0" u="none" strike="noStrike">
+                          <a:solidFill>
+                            <a:srgbClr val="000000"/>
+                          </a:solidFill>
+                          <a:effectLst/>
+                          <a:latin typeface="Calibri" panose="020F0502020204030204" pitchFamily="34" charset="0"/>
+                        </a:rPr>
+                        <a:t>92</a:t>
+                      </a:r>
+                    </a:p>
+                  </a:txBody>
+                  <a:tcPr marL="7620" marR="7620" marT="7620" marB="0" anchor="b">
+                    <a:lnL>
+                      <a:noFill/>
+                    </a:lnL>
+                    <a:lnR>
+                      <a:noFill/>
+                    </a:lnR>
+                    <a:lnT>
+                      <a:noFill/>
+                    </a:lnT>
+                    <a:lnB>
+                      <a:noFill/>
+                    </a:lnB>
+                  </a:tcPr>
+                </a:tc>
+                <a:extLst>
+                  <a:ext uri="{0D108BD9-81ED-4DB2-BD59-A6C34878D82A}">
+                    <a16:rowId xmlns:a16="http://schemas.microsoft.com/office/drawing/2014/main" val="3265821232"/>
+                  </a:ext>
+                </a:extLst>
+              </a:tr>
+              <a:tr h="182880">
+                <a:tc>
+                  <a:txBody>
+                    <a:bodyPr/>
+                    <a:lstStyle/>
+                    <a:p>
+                      <a:pPr algn="l" fontAlgn="b"/>
+                      <a:r>
+                        <a:rPr lang="sv-SE" sz="1100" b="0" i="0" u="none" strike="noStrike">
+                          <a:solidFill>
+                            <a:srgbClr val="000000"/>
+                          </a:solidFill>
+                          <a:effectLst/>
+                          <a:latin typeface="Calibri" panose="020F0502020204030204" pitchFamily="34" charset="0"/>
+                        </a:rPr>
+                        <a:t>furniture wood dust</a:t>
+                      </a:r>
+                    </a:p>
+                  </a:txBody>
+                  <a:tcPr marL="7620" marR="7620" marT="7620" marB="0" anchor="b">
+                    <a:lnL>
+                      <a:noFill/>
+                    </a:lnL>
+                    <a:lnR>
+                      <a:noFill/>
+                    </a:lnR>
+                    <a:lnT>
+                      <a:noFill/>
+                    </a:lnT>
+                    <a:lnB>
+                      <a:noFill/>
+                    </a:lnB>
+                  </a:tcPr>
+                </a:tc>
+                <a:tc>
+                  <a:txBody>
+                    <a:bodyPr/>
+                    <a:lstStyle/>
+                    <a:p>
+                      <a:pPr algn="r" fontAlgn="b"/>
+                      <a:r>
+                        <a:rPr lang="sv-SE" sz="1100" b="0" i="0" u="none" strike="noStrike">
+                          <a:solidFill>
+                            <a:srgbClr val="000000"/>
+                          </a:solidFill>
+                          <a:effectLst/>
+                          <a:latin typeface="Calibri" panose="020F0502020204030204" pitchFamily="34" charset="0"/>
+                        </a:rPr>
+                        <a:t>64</a:t>
+                      </a:r>
+                    </a:p>
+                  </a:txBody>
+                  <a:tcPr marL="7620" marR="7620" marT="7620" marB="0" anchor="b">
+                    <a:lnL>
+                      <a:noFill/>
+                    </a:lnL>
+                    <a:lnR>
+                      <a:noFill/>
+                    </a:lnR>
+                    <a:lnT>
+                      <a:noFill/>
+                    </a:lnT>
+                    <a:lnB>
+                      <a:noFill/>
+                    </a:lnB>
+                  </a:tcPr>
+                </a:tc>
+                <a:tc>
+                  <a:txBody>
+                    <a:bodyPr/>
+                    <a:lstStyle/>
+                    <a:p>
+                      <a:pPr algn="r" fontAlgn="b"/>
+                      <a:r>
+                        <a:rPr lang="sv-SE" sz="1100" b="0" i="0" u="none" strike="noStrike">
+                          <a:solidFill>
+                            <a:srgbClr val="000000"/>
+                          </a:solidFill>
+                          <a:effectLst/>
+                          <a:latin typeface="Calibri" panose="020F0502020204030204" pitchFamily="34" charset="0"/>
+                        </a:rPr>
+                        <a:t>7.9</a:t>
+                      </a:r>
+                    </a:p>
+                  </a:txBody>
+                  <a:tcPr marL="7620" marR="7620" marT="7620" marB="0" anchor="b">
+                    <a:lnL>
+                      <a:noFill/>
+                    </a:lnL>
+                    <a:lnR>
+                      <a:noFill/>
+                    </a:lnR>
+                    <a:lnT>
+                      <a:noFill/>
+                    </a:lnT>
+                    <a:lnB>
+                      <a:noFill/>
+                    </a:lnB>
+                  </a:tcPr>
+                </a:tc>
+                <a:tc>
+                  <a:txBody>
+                    <a:bodyPr/>
+                    <a:lstStyle/>
+                    <a:p>
+                      <a:pPr algn="r" fontAlgn="b"/>
+                      <a:r>
+                        <a:rPr lang="sv-SE" sz="1100" b="0" i="0" u="none" strike="noStrike">
+                          <a:solidFill>
+                            <a:srgbClr val="000000"/>
+                          </a:solidFill>
+                          <a:effectLst/>
+                          <a:latin typeface="Calibri" panose="020F0502020204030204" pitchFamily="34" charset="0"/>
+                        </a:rPr>
+                        <a:t>8.1</a:t>
+                      </a:r>
+                    </a:p>
+                  </a:txBody>
+                  <a:tcPr marL="7620" marR="7620" marT="7620" marB="0" anchor="b">
+                    <a:lnL>
+                      <a:noFill/>
+                    </a:lnL>
+                    <a:lnR>
+                      <a:noFill/>
+                    </a:lnR>
+                    <a:lnT>
+                      <a:noFill/>
+                    </a:lnT>
+                    <a:lnB>
+                      <a:noFill/>
+                    </a:lnB>
+                  </a:tcPr>
+                </a:tc>
+                <a:tc>
+                  <a:txBody>
+                    <a:bodyPr/>
+                    <a:lstStyle/>
+                    <a:p>
+                      <a:pPr algn="r" fontAlgn="b"/>
+                      <a:r>
+                        <a:rPr lang="sv-SE" sz="1100" b="0" i="0" u="none" strike="noStrike">
+                          <a:solidFill>
+                            <a:srgbClr val="000000"/>
+                          </a:solidFill>
+                          <a:effectLst/>
+                          <a:latin typeface="Calibri" panose="020F0502020204030204" pitchFamily="34" charset="0"/>
+                        </a:rPr>
+                        <a:t>151</a:t>
+                      </a:r>
+                    </a:p>
+                  </a:txBody>
+                  <a:tcPr marL="7620" marR="7620" marT="7620" marB="0" anchor="b">
+                    <a:lnL>
+                      <a:noFill/>
+                    </a:lnL>
+                    <a:lnR>
+                      <a:noFill/>
+                    </a:lnR>
+                    <a:lnT>
+                      <a:noFill/>
+                    </a:lnT>
+                    <a:lnB>
+                      <a:noFill/>
+                    </a:lnB>
+                  </a:tcPr>
+                </a:tc>
+                <a:extLst>
+                  <a:ext uri="{0D108BD9-81ED-4DB2-BD59-A6C34878D82A}">
+                    <a16:rowId xmlns:a16="http://schemas.microsoft.com/office/drawing/2014/main" val="2511369376"/>
+                  </a:ext>
+                </a:extLst>
+              </a:tr>
+              <a:tr h="182880">
+                <a:tc>
+                  <a:txBody>
+                    <a:bodyPr/>
+                    <a:lstStyle/>
+                    <a:p>
+                      <a:pPr algn="l" fontAlgn="b"/>
+                      <a:r>
+                        <a:rPr lang="sv-SE" sz="1100" b="0" i="0" u="none" strike="noStrike">
+                          <a:solidFill>
+                            <a:srgbClr val="000000"/>
+                          </a:solidFill>
+                          <a:effectLst/>
+                          <a:latin typeface="Calibri" panose="020F0502020204030204" pitchFamily="34" charset="0"/>
+                        </a:rPr>
+                        <a:t>balsa wood dust</a:t>
+                      </a:r>
+                    </a:p>
+                  </a:txBody>
+                  <a:tcPr marL="7620" marR="7620" marT="7620" marB="0" anchor="b">
+                    <a:lnL>
+                      <a:noFill/>
+                    </a:lnL>
+                    <a:lnR>
+                      <a:noFill/>
+                    </a:lnR>
+                    <a:lnT>
+                      <a:noFill/>
+                    </a:lnT>
+                    <a:lnB>
+                      <a:noFill/>
+                    </a:lnB>
+                  </a:tcPr>
+                </a:tc>
+                <a:tc>
+                  <a:txBody>
+                    <a:bodyPr/>
+                    <a:lstStyle/>
+                    <a:p>
+                      <a:pPr algn="r" fontAlgn="b"/>
+                      <a:r>
+                        <a:rPr lang="sv-SE" sz="1100" b="0" i="0" u="none" strike="noStrike">
+                          <a:solidFill>
+                            <a:srgbClr val="000000"/>
+                          </a:solidFill>
+                          <a:effectLst/>
+                          <a:latin typeface="Calibri" panose="020F0502020204030204" pitchFamily="34" charset="0"/>
+                        </a:rPr>
+                        <a:t>192</a:t>
+                      </a:r>
+                    </a:p>
+                  </a:txBody>
+                  <a:tcPr marL="7620" marR="7620" marT="7620" marB="0" anchor="b">
+                    <a:lnL>
+                      <a:noFill/>
+                    </a:lnL>
+                    <a:lnR>
+                      <a:noFill/>
+                    </a:lnR>
+                    <a:lnT>
+                      <a:noFill/>
+                    </a:lnT>
+                    <a:lnB>
+                      <a:noFill/>
+                    </a:lnB>
+                  </a:tcPr>
+                </a:tc>
+                <a:tc>
+                  <a:txBody>
+                    <a:bodyPr/>
+                    <a:lstStyle/>
+                    <a:p>
+                      <a:pPr algn="r" fontAlgn="b"/>
+                      <a:r>
+                        <a:rPr lang="sv-SE" sz="1100" b="0" i="0" u="none" strike="noStrike">
+                          <a:solidFill>
+                            <a:srgbClr val="000000"/>
+                          </a:solidFill>
+                          <a:effectLst/>
+                          <a:latin typeface="Calibri" panose="020F0502020204030204" pitchFamily="34" charset="0"/>
+                        </a:rPr>
+                        <a:t>7</a:t>
+                      </a:r>
+                    </a:p>
+                  </a:txBody>
+                  <a:tcPr marL="7620" marR="7620" marT="7620" marB="0" anchor="b">
+                    <a:lnL>
+                      <a:noFill/>
+                    </a:lnL>
+                    <a:lnR>
+                      <a:noFill/>
+                    </a:lnR>
+                    <a:lnT>
+                      <a:noFill/>
+                    </a:lnT>
+                    <a:lnB>
+                      <a:noFill/>
+                    </a:lnB>
+                  </a:tcPr>
+                </a:tc>
+                <a:tc>
+                  <a:txBody>
+                    <a:bodyPr/>
+                    <a:lstStyle/>
+                    <a:p>
+                      <a:pPr algn="r" fontAlgn="b"/>
+                      <a:r>
+                        <a:rPr lang="sv-SE" sz="1100" b="0" i="0" u="none" strike="noStrike">
+                          <a:solidFill>
+                            <a:srgbClr val="000000"/>
+                          </a:solidFill>
+                          <a:effectLst/>
+                          <a:latin typeface="Calibri" panose="020F0502020204030204" pitchFamily="34" charset="0"/>
+                        </a:rPr>
+                        <a:t>7.6</a:t>
+                      </a:r>
+                    </a:p>
+                  </a:txBody>
+                  <a:tcPr marL="7620" marR="7620" marT="7620" marB="0" anchor="b">
+                    <a:lnL>
+                      <a:noFill/>
+                    </a:lnL>
+                    <a:lnR>
+                      <a:noFill/>
+                    </a:lnR>
+                    <a:lnT>
+                      <a:noFill/>
+                    </a:lnT>
+                    <a:lnB>
+                      <a:noFill/>
+                    </a:lnB>
+                  </a:tcPr>
+                </a:tc>
+                <a:tc>
+                  <a:txBody>
+                    <a:bodyPr/>
+                    <a:lstStyle/>
+                    <a:p>
+                      <a:pPr algn="r" fontAlgn="b"/>
+                      <a:r>
+                        <a:rPr lang="sv-SE" sz="1100" b="0" i="0" u="none" strike="noStrike" dirty="0">
+                          <a:solidFill>
+                            <a:srgbClr val="000000"/>
+                          </a:solidFill>
+                          <a:effectLst/>
+                          <a:latin typeface="Calibri" panose="020F0502020204030204" pitchFamily="34" charset="0"/>
+                        </a:rPr>
+                        <a:t>100</a:t>
+                      </a:r>
+                    </a:p>
+                  </a:txBody>
+                  <a:tcPr marL="7620" marR="7620" marT="7620" marB="0" anchor="b">
+                    <a:lnL>
+                      <a:noFill/>
+                    </a:lnL>
+                    <a:lnR>
+                      <a:noFill/>
+                    </a:lnR>
+                    <a:lnT>
+                      <a:noFill/>
+                    </a:lnT>
+                    <a:lnB>
+                      <a:noFill/>
+                    </a:lnB>
+                  </a:tcPr>
+                </a:tc>
+                <a:extLst>
+                  <a:ext uri="{0D108BD9-81ED-4DB2-BD59-A6C34878D82A}">
+                    <a16:rowId xmlns:a16="http://schemas.microsoft.com/office/drawing/2014/main" val="3684095799"/>
+                  </a:ext>
+                </a:extLst>
+              </a:tr>
+            </a:tbl>
+          </a:graphicData>
+        </a:graphic>
+      </p:graphicFrame>
+      <p:pic>
+        <p:nvPicPr>
+          <p:cNvPr id="7" name="Bildobjekt 6" descr="En bild som visar karta, text&#10;&#10;Automatiskt genererad beskrivning">
+            <a:extLst>
+              <a:ext uri="{FF2B5EF4-FFF2-40B4-BE49-F238E27FC236}">
+                <a16:creationId xmlns:a16="http://schemas.microsoft.com/office/drawing/2014/main" id="{C8A9267B-CDD7-4C7B-A6B5-C8A7D23F9A13}"/>
+              </a:ext>
+            </a:extLst>
+          </p:cNvPr>
+          <p:cNvPicPr>
+            <a:picLocks noChangeAspect="1"/>
+          </p:cNvPicPr>
+          <p:nvPr/>
+        </p:nvPicPr>
+        <p:blipFill>
+          <a:blip r:embed="rId2">
+            <a:extLst>
+              <a:ext uri="{28A0092B-C50C-407E-A947-70E740481C1C}">
+                <a14:useLocalDpi xmlns:a14="http://schemas.microsoft.com/office/drawing/2010/main" val="0"/>
+              </a:ext>
+            </a:extLst>
+          </a:blip>
+          <a:stretch>
+            <a:fillRect/>
+          </a:stretch>
+        </p:blipFill>
+        <p:spPr>
+          <a:xfrm>
+            <a:off x="5788977" y="1974975"/>
+            <a:ext cx="5852160" cy="4389120"/>
+          </a:xfrm>
+          <a:prstGeom prst="rect">
+            <a:avLst/>
+          </a:prstGeom>
+        </p:spPr>
+      </p:pic>
+      <mc:AlternateContent xmlns:mc="http://schemas.openxmlformats.org/markup-compatibility/2006">
+        <mc:Choice xmlns:a14="http://schemas.microsoft.com/office/drawing/2010/main" Requires="a14">
+          <p:sp>
+            <p:nvSpPr>
+              <p:cNvPr id="9" name="textruta 8">
+                <a:extLst>
+                  <a:ext uri="{FF2B5EF4-FFF2-40B4-BE49-F238E27FC236}">
+                    <a16:creationId xmlns:a16="http://schemas.microsoft.com/office/drawing/2014/main" id="{33B6CED9-7317-4B8F-A59B-F0A9DF1E74F4}"/>
+                  </a:ext>
+                </a:extLst>
+              </p:cNvPr>
+              <p:cNvSpPr txBox="1"/>
+              <p:nvPr/>
+            </p:nvSpPr>
+            <p:spPr>
+              <a:xfrm>
+                <a:off x="6868597" y="6226935"/>
+                <a:ext cx="3418436" cy="276999"/>
+              </a:xfrm>
+              <a:prstGeom prst="rect">
+                <a:avLst/>
+              </a:prstGeom>
+              <a:noFill/>
+            </p:spPr>
+            <p:txBody>
+              <a:bodyPr wrap="none" lIns="0" tIns="0" rIns="0" bIns="0" rtlCol="0">
+                <a:spAutoFit/>
+              </a:bodyPr>
+              <a:lstStyle/>
+              <a:p>
+                <a14:m>
+                  <m:oMathPara xmlns:m="http://schemas.openxmlformats.org/officeDocument/2006/math">
+                    <m:oMathParaPr>
+                      <m:jc m:val="centerGroup"/>
+                    </m:oMathParaPr>
+                    <m:oMath xmlns:m="http://schemas.openxmlformats.org/officeDocument/2006/math">
+                      <m:sSub>
+                        <m:sSubPr>
+                          <m:ctrlPr>
+                            <a:rPr lang="sv-SE" b="0" i="1" smtClean="0">
+                              <a:latin typeface="Cambria Math" panose="02040503050406030204" pitchFamily="18" charset="0"/>
+                            </a:rPr>
+                          </m:ctrlPr>
+                        </m:sSubPr>
+                        <m:e>
+                          <m:r>
+                            <a:rPr lang="sv-SE" b="0" i="1" smtClean="0">
+                              <a:latin typeface="Cambria Math" panose="02040503050406030204" pitchFamily="18" charset="0"/>
+                            </a:rPr>
+                            <m:t>𝐾</m:t>
+                          </m:r>
+                        </m:e>
+                        <m:sub>
+                          <m:r>
+                            <a:rPr lang="sv-SE" b="0" i="1" smtClean="0">
+                              <a:latin typeface="Cambria Math" panose="02040503050406030204" pitchFamily="18" charset="0"/>
+                            </a:rPr>
+                            <m:t>𝑆𝑡</m:t>
+                          </m:r>
+                        </m:sub>
+                      </m:sSub>
+                      <m:r>
+                        <a:rPr lang="en-GB" i="1" smtClean="0">
+                          <a:latin typeface="Cambria Math" panose="02040503050406030204" pitchFamily="18" charset="0"/>
+                        </a:rPr>
+                        <m:t>=</m:t>
+                      </m:r>
+                      <m:r>
+                        <a:rPr lang="sv-SE" b="0" i="1" smtClean="0">
+                          <a:latin typeface="Cambria Math" panose="02040503050406030204" pitchFamily="18" charset="0"/>
+                        </a:rPr>
+                        <m:t>𝑝</m:t>
+                      </m:r>
+                      <m:d>
+                        <m:dPr>
+                          <m:begChr m:val="["/>
+                          <m:endChr m:val="]"/>
+                          <m:ctrlPr>
+                            <a:rPr lang="sv-SE" b="0" i="1" smtClean="0">
+                              <a:latin typeface="Cambria Math" panose="02040503050406030204" pitchFamily="18" charset="0"/>
+                            </a:rPr>
+                          </m:ctrlPr>
+                        </m:dPr>
+                        <m:e>
+                          <m:r>
+                            <a:rPr lang="sv-SE" b="0" i="1" smtClean="0">
+                              <a:latin typeface="Cambria Math" panose="02040503050406030204" pitchFamily="18" charset="0"/>
+                            </a:rPr>
+                            <m:t>0</m:t>
+                          </m:r>
+                        </m:e>
+                      </m:d>
+                      <m:r>
+                        <a:rPr lang="sv-SE" b="0" i="1" smtClean="0">
+                          <a:latin typeface="Cambria Math" panose="02040503050406030204" pitchFamily="18" charset="0"/>
+                        </a:rPr>
+                        <m:t>+</m:t>
+                      </m:r>
+                      <m:r>
+                        <a:rPr lang="sv-SE" b="0" i="1" smtClean="0">
+                          <a:latin typeface="Cambria Math" panose="02040503050406030204" pitchFamily="18" charset="0"/>
+                        </a:rPr>
+                        <m:t>𝑝</m:t>
+                      </m:r>
+                      <m:d>
+                        <m:dPr>
+                          <m:begChr m:val="["/>
+                          <m:endChr m:val="]"/>
+                          <m:ctrlPr>
+                            <a:rPr lang="sv-SE" b="0" i="1" smtClean="0">
+                              <a:latin typeface="Cambria Math" panose="02040503050406030204" pitchFamily="18" charset="0"/>
+                            </a:rPr>
+                          </m:ctrlPr>
+                        </m:dPr>
+                        <m:e>
+                          <m:r>
+                            <a:rPr lang="sv-SE" b="0" i="1" smtClean="0">
+                              <a:latin typeface="Cambria Math" panose="02040503050406030204" pitchFamily="18" charset="0"/>
+                            </a:rPr>
+                            <m:t>1</m:t>
+                          </m:r>
+                        </m:e>
+                      </m:d>
+                      <m:sSub>
+                        <m:sSubPr>
+                          <m:ctrlPr>
+                            <a:rPr lang="sv-SE" b="0" i="1" smtClean="0">
+                              <a:latin typeface="Cambria Math" panose="02040503050406030204" pitchFamily="18" charset="0"/>
+                            </a:rPr>
+                          </m:ctrlPr>
+                        </m:sSubPr>
+                        <m:e>
+                          <m:r>
+                            <a:rPr lang="sv-SE" b="0" i="1" smtClean="0">
+                              <a:latin typeface="Cambria Math" panose="02040503050406030204" pitchFamily="18" charset="0"/>
+                            </a:rPr>
+                            <m:t>𝑃</m:t>
+                          </m:r>
+                        </m:e>
+                        <m:sub>
+                          <m:r>
+                            <m:rPr>
+                              <m:sty m:val="p"/>
+                            </m:rPr>
+                            <a:rPr lang="sv-SE" b="0" i="0" smtClean="0">
+                              <a:latin typeface="Cambria Math" panose="02040503050406030204" pitchFamily="18" charset="0"/>
+                            </a:rPr>
+                            <m:t>max</m:t>
+                          </m:r>
+                        </m:sub>
+                      </m:sSub>
+                      <m:r>
+                        <a:rPr lang="sv-SE" b="0" i="1" smtClean="0">
+                          <a:latin typeface="Cambria Math" panose="02040503050406030204" pitchFamily="18" charset="0"/>
+                        </a:rPr>
+                        <m:t>+</m:t>
+                      </m:r>
+                      <m:r>
+                        <a:rPr lang="sv-SE" b="0" i="1" smtClean="0">
+                          <a:latin typeface="Cambria Math" panose="02040503050406030204" pitchFamily="18" charset="0"/>
+                        </a:rPr>
+                        <m:t>𝑝</m:t>
+                      </m:r>
+                      <m:r>
+                        <a:rPr lang="sv-SE" b="0" i="1" smtClean="0">
+                          <a:latin typeface="Cambria Math" panose="02040503050406030204" pitchFamily="18" charset="0"/>
+                        </a:rPr>
+                        <m:t>[2]</m:t>
+                      </m:r>
+                      <m:sSubSup>
+                        <m:sSubSupPr>
+                          <m:ctrlPr>
+                            <a:rPr lang="sv-SE" b="0" i="1" smtClean="0">
+                              <a:latin typeface="Cambria Math" panose="02040503050406030204" pitchFamily="18" charset="0"/>
+                            </a:rPr>
+                          </m:ctrlPr>
+                        </m:sSubSupPr>
+                        <m:e>
+                          <m:r>
+                            <a:rPr lang="sv-SE" b="0" i="1" smtClean="0">
+                              <a:latin typeface="Cambria Math" panose="02040503050406030204" pitchFamily="18" charset="0"/>
+                            </a:rPr>
+                            <m:t>𝑃</m:t>
+                          </m:r>
+                        </m:e>
+                        <m:sub>
+                          <m:r>
+                            <m:rPr>
+                              <m:sty m:val="p"/>
+                            </m:rPr>
+                            <a:rPr lang="sv-SE" b="0" i="0" smtClean="0">
+                              <a:latin typeface="Cambria Math" panose="02040503050406030204" pitchFamily="18" charset="0"/>
+                            </a:rPr>
+                            <m:t>max</m:t>
+                          </m:r>
+                        </m:sub>
+                        <m:sup>
+                          <m:r>
+                            <a:rPr lang="sv-SE" b="0" i="1" smtClean="0">
+                              <a:latin typeface="Cambria Math" panose="02040503050406030204" pitchFamily="18" charset="0"/>
+                            </a:rPr>
+                            <m:t>2</m:t>
+                          </m:r>
+                        </m:sup>
+                      </m:sSubSup>
+                    </m:oMath>
+                  </m:oMathPara>
+                </a14:m>
+                <a:endParaRPr lang="en-GB" dirty="0"/>
+              </a:p>
+            </p:txBody>
+          </p:sp>
+        </mc:Choice>
+        <mc:Fallback>
+          <p:sp>
+            <p:nvSpPr>
+              <p:cNvPr id="9" name="textruta 8">
+                <a:extLst>
+                  <a:ext uri="{FF2B5EF4-FFF2-40B4-BE49-F238E27FC236}">
+                    <a16:creationId xmlns:a16="http://schemas.microsoft.com/office/drawing/2014/main" id="{33B6CED9-7317-4B8F-A59B-F0A9DF1E74F4}"/>
+                  </a:ext>
+                </a:extLst>
+              </p:cNvPr>
+              <p:cNvSpPr txBox="1">
+                <a:spLocks noRot="1" noChangeAspect="1" noMove="1" noResize="1" noEditPoints="1" noAdjustHandles="1" noChangeArrowheads="1" noChangeShapeType="1" noTextEdit="1"/>
+              </p:cNvSpPr>
+              <p:nvPr/>
+            </p:nvSpPr>
+            <p:spPr>
+              <a:xfrm>
+                <a:off x="6868597" y="6226935"/>
+                <a:ext cx="3418436" cy="276999"/>
+              </a:xfrm>
+              <a:prstGeom prst="rect">
+                <a:avLst/>
+              </a:prstGeom>
+              <a:blipFill>
+                <a:blip r:embed="rId3"/>
+                <a:stretch>
+                  <a:fillRect l="-713" t="-2174" b="-39130"/>
+                </a:stretch>
+              </a:blipFill>
+            </p:spPr>
+            <p:txBody>
+              <a:bodyPr/>
+              <a:lstStyle/>
+              <a:p>
+                <a:r>
+                  <a:rPr lang="en-GB">
+                    <a:noFill/>
+                  </a:rPr>
+                  <a:t> </a:t>
+                </a:r>
+              </a:p>
+            </p:txBody>
+          </p:sp>
+        </mc:Fallback>
+      </mc:AlternateContent>
+    </p:spTree>
+    <p:extLst>
+      <p:ext uri="{BB962C8B-B14F-4D97-AF65-F5344CB8AC3E}">
+        <p14:creationId xmlns:p14="http://schemas.microsoft.com/office/powerpoint/2010/main" val="3160498471"/>
+      </p:ext>
+    </p:extLst>
+  </p:cSld>
+  <p:clrMapOvr>
+    <a:masterClrMapping/>
+  </p:clrMapOvr>
+</p:sld>
+</file>
+
+<file path=ppt/slides/slide5.xml><?xml version="1.0" encoding="utf-8"?>
+<p:sld xmlns:a="http://schemas.openxmlformats.org/drawingml/2006/main" xmlns:r="http://schemas.openxmlformats.org/officeDocument/2006/relationships" xmlns:p="http://schemas.openxmlformats.org/presentationml/2006/main">
+  <p:cSld>
+    <p:spTree>
+      <p:nvGrpSpPr>
+        <p:cNvPr id="1" name=""/>
+        <p:cNvGrpSpPr/>
+        <p:nvPr/>
+      </p:nvGrpSpPr>
+      <p:grpSpPr>
+        <a:xfrm>
+          <a:off x="0" y="0"/>
+          <a:ext cx="0" cy="0"/>
+          <a:chOff x="0" y="0"/>
+          <a:chExt cx="0" cy="0"/>
+        </a:xfrm>
+      </p:grpSpPr>
+      <p:sp>
+        <p:nvSpPr>
+          <p:cNvPr id="2" name="Platshållare för innehåll 1">
+            <a:extLst>
+              <a:ext uri="{FF2B5EF4-FFF2-40B4-BE49-F238E27FC236}">
+                <a16:creationId xmlns:a16="http://schemas.microsoft.com/office/drawing/2014/main" id="{577671F1-5D5A-457A-A0B6-C25D4CB2414D}"/>
+              </a:ext>
+            </a:extLst>
+          </p:cNvPr>
+          <p:cNvSpPr>
+            <a:spLocks noGrp="1"/>
+          </p:cNvSpPr>
+          <p:nvPr>
+            <p:ph idx="1"/>
+          </p:nvPr>
+        </p:nvSpPr>
+        <p:spPr/>
+        <p:txBody>
+          <a:bodyPr/>
+          <a:lstStyle/>
+          <a:p>
+            <a:r>
+              <a:rPr lang="en-GB" dirty="0"/>
+              <a:t>Python is a powerful programming language and alternative to </a:t>
+            </a:r>
+            <a:r>
+              <a:rPr lang="en-GB" dirty="0" err="1"/>
+              <a:t>matlab</a:t>
+            </a:r>
+            <a:r>
+              <a:rPr lang="en-GB" dirty="0"/>
+              <a:t> without license limitation.</a:t>
+            </a:r>
+          </a:p>
+          <a:p>
+            <a:r>
+              <a:rPr lang="en-GB" dirty="0"/>
+              <a:t>Useful links to learn python, e.g. google, </a:t>
+            </a:r>
+            <a:r>
+              <a:rPr lang="en-GB" dirty="0" err="1"/>
+              <a:t>stackoverflow</a:t>
+            </a:r>
+            <a:r>
+              <a:rPr lang="en-GB" dirty="0"/>
+              <a:t>.</a:t>
+            </a:r>
+          </a:p>
+        </p:txBody>
+      </p:sp>
+      <p:sp>
+        <p:nvSpPr>
+          <p:cNvPr id="3" name="Platshållare för bildnummer 2">
+            <a:extLst>
+              <a:ext uri="{FF2B5EF4-FFF2-40B4-BE49-F238E27FC236}">
+                <a16:creationId xmlns:a16="http://schemas.microsoft.com/office/drawing/2014/main" id="{81234CA8-889E-4877-B230-E817C1182CBA}"/>
+              </a:ext>
+            </a:extLst>
+          </p:cNvPr>
+          <p:cNvSpPr>
+            <a:spLocks noGrp="1"/>
+          </p:cNvSpPr>
+          <p:nvPr>
+            <p:ph type="sldNum" sz="quarter" idx="10"/>
+          </p:nvPr>
+        </p:nvSpPr>
+        <p:spPr/>
+        <p:txBody>
+          <a:bodyPr/>
+          <a:lstStyle/>
+          <a:p>
+            <a:fld id="{689F2D8B-41AF-4F0A-96D1-36B06F461775}" type="slidenum">
+              <a:rPr lang="sv-SE" smtClean="0"/>
+              <a:pPr/>
+              <a:t>5</a:t>
+            </a:fld>
+            <a:endParaRPr lang="sv-SE"/>
+          </a:p>
+        </p:txBody>
+      </p:sp>
+      <p:sp>
+        <p:nvSpPr>
+          <p:cNvPr id="4" name="Rubrik 3">
+            <a:extLst>
+              <a:ext uri="{FF2B5EF4-FFF2-40B4-BE49-F238E27FC236}">
+                <a16:creationId xmlns:a16="http://schemas.microsoft.com/office/drawing/2014/main" id="{DED830C3-4825-4742-8619-D1F0D734908A}"/>
+              </a:ext>
+            </a:extLst>
+          </p:cNvPr>
+          <p:cNvSpPr>
+            <a:spLocks noGrp="1"/>
+          </p:cNvSpPr>
+          <p:nvPr>
+            <p:ph type="title"/>
+          </p:nvPr>
+        </p:nvSpPr>
+        <p:spPr/>
+        <p:txBody>
+          <a:bodyPr/>
+          <a:lstStyle/>
+          <a:p>
+            <a:r>
+              <a:rPr lang="en-GB" dirty="0"/>
+              <a:t>Conclusion</a:t>
+            </a:r>
+          </a:p>
+        </p:txBody>
+      </p:sp>
+    </p:spTree>
+    <p:extLst>
+      <p:ext uri="{BB962C8B-B14F-4D97-AF65-F5344CB8AC3E}">
+        <p14:creationId xmlns:p14="http://schemas.microsoft.com/office/powerpoint/2010/main" val="1547512111"/>
+      </p:ext>
+    </p:extLst>
+  </p:cSld>
+  <p:clrMapOvr>
+    <a:masterClrMapping/>
+  </p:clrMapOvr>
+</p:sld>
+</file>
+
+<file path=ppt/slides/slide6.xml><?xml version="1.0" encoding="utf-8"?>
+<p:sld xmlns:a="http://schemas.openxmlformats.org/drawingml/2006/main" xmlns:r="http://schemas.openxmlformats.org/officeDocument/2006/relationships" xmlns:p="http://schemas.openxmlformats.org/presentationml/2006/main">
+  <p:cSld>
+    <p:spTree>
+      <p:nvGrpSpPr>
+        <p:cNvPr id="1" name=""/>
+        <p:cNvGrpSpPr/>
+        <p:nvPr/>
+      </p:nvGrpSpPr>
+      <p:grpSpPr>
+        <a:xfrm>
+          <a:off x="0" y="0"/>
+          <a:ext cx="0" cy="0"/>
+          <a:chOff x="0" y="0"/>
+          <a:chExt cx="0" cy="0"/>
+        </a:xfrm>
+      </p:grpSpPr>
+      <p:sp>
+        <p:nvSpPr>
           <p:cNvPr id="26" name="Rubrik 25"/>
           <p:cNvSpPr>
             <a:spLocks noGrp="1"/>
@@ -23303,110 +27194,263 @@
           <a:lstStyle/>
           <a:p>
             <a:r>
-              <a:rPr lang="sv-SE"/>
-              <a:t>Presentatörens namn</a:t>
+              <a:rPr lang="sv-SE" dirty="0"/>
+              <a:t>Chen Huang</a:t>
             </a:r>
           </a:p>
           <a:p>
             <a:r>
-              <a:rPr lang="sv-SE"/>
-              <a:t>E-post</a:t>
+              <a:rPr lang="sv-SE" dirty="0"/>
+              <a:t>E-post: chen.huang@ri.se</a:t>
             </a:r>
-          </a:p>
-          <a:p>
-            <a:r>
-              <a:rPr lang="sv-SE"/>
-              <a:t>Telefonnummer</a:t>
-            </a:r>
-            <a:endParaRPr lang="sv-SE" dirty="0"/>
           </a:p>
         </p:txBody>
       </p:sp>
       <p:sp>
         <p:nvSpPr>
-          <p:cNvPr id="28" name="Platshållare för text 27"/>
-          <p:cNvSpPr>
-            <a:spLocks noGrp="1"/>
+          <p:cNvPr id="7" name="Platshållare för text 10">
+            <a:extLst>
+              <a:ext uri="{FF2B5EF4-FFF2-40B4-BE49-F238E27FC236}">
+                <a16:creationId xmlns:a16="http://schemas.microsoft.com/office/drawing/2014/main" id="{6A56EC2A-0850-4A89-A623-FB7D1951D2C1}"/>
+              </a:ext>
+            </a:extLst>
+          </p:cNvPr>
+          <p:cNvSpPr txBox="1">
+            <a:spLocks/>
           </p:cNvSpPr>
-          <p:nvPr>
-            <p:ph type="body" sz="quarter" idx="18"/>
-          </p:nvPr>
+          <p:nvPr/>
         </p:nvSpPr>
-        <p:spPr/>
+        <p:spPr>
+          <a:xfrm>
+            <a:off x="693181" y="5922408"/>
+            <a:ext cx="5256213" cy="914400"/>
+          </a:xfrm>
+          <a:prstGeom prst="rect">
+            <a:avLst/>
+          </a:prstGeom>
+        </p:spPr>
         <p:txBody>
-          <a:bodyPr/>
-          <a:lstStyle/>
-          <a:p>
+          <a:bodyPr vert="horz" lIns="0" tIns="0" rIns="0" bIns="0" rtlCol="0">
+            <a:normAutofit/>
+          </a:bodyPr>
+          <a:lstStyle>
+            <a:lvl1pPr marL="0" indent="0" algn="l" defTabSz="914400" rtl="0" eaLnBrk="1" latinLnBrk="0" hangingPunct="1">
+              <a:lnSpc>
+                <a:spcPct val="100000"/>
+              </a:lnSpc>
+              <a:spcBef>
+                <a:spcPts val="600"/>
+              </a:spcBef>
+              <a:spcAft>
+                <a:spcPts val="600"/>
+              </a:spcAft>
+              <a:buClr>
+                <a:schemeClr val="accent1"/>
+              </a:buClr>
+              <a:buFont typeface="Wingdings" panose="05000000000000000000" pitchFamily="2" charset="2"/>
+              <a:buNone/>
+              <a:defRPr sz="1800" b="1" i="0" kern="1200">
+                <a:solidFill>
+                  <a:srgbClr val="7F7F7F"/>
+                </a:solidFill>
+                <a:latin typeface="+mj-lt"/>
+                <a:ea typeface="+mn-ea"/>
+                <a:cs typeface="+mn-cs"/>
+              </a:defRPr>
+            </a:lvl1pPr>
+            <a:lvl2pPr marL="685800" indent="-228600" algn="l" defTabSz="914400" rtl="0" eaLnBrk="1" latinLnBrk="0" hangingPunct="1">
+              <a:lnSpc>
+                <a:spcPct val="100000"/>
+              </a:lnSpc>
+              <a:spcBef>
+                <a:spcPts val="0"/>
+              </a:spcBef>
+              <a:spcAft>
+                <a:spcPts val="600"/>
+              </a:spcAft>
+              <a:buClr>
+                <a:schemeClr val="accent1"/>
+              </a:buClr>
+              <a:buFont typeface="Wingdings" panose="05000000000000000000" pitchFamily="2" charset="2"/>
+              <a:buChar char="§"/>
+              <a:defRPr sz="1800" kern="1200">
+                <a:solidFill>
+                  <a:schemeClr val="tx1">
+                    <a:lumMod val="75000"/>
+                    <a:lumOff val="25000"/>
+                  </a:schemeClr>
+                </a:solidFill>
+                <a:latin typeface="Georgia" panose="02040502050405020303" pitchFamily="18" charset="0"/>
+                <a:ea typeface="+mn-ea"/>
+                <a:cs typeface="+mn-cs"/>
+              </a:defRPr>
+            </a:lvl2pPr>
+            <a:lvl3pPr marL="1143000" indent="-228600" algn="l" defTabSz="914400" rtl="0" eaLnBrk="1" latinLnBrk="0" hangingPunct="1">
+              <a:lnSpc>
+                <a:spcPct val="100000"/>
+              </a:lnSpc>
+              <a:spcBef>
+                <a:spcPts val="0"/>
+              </a:spcBef>
+              <a:spcAft>
+                <a:spcPts val="600"/>
+              </a:spcAft>
+              <a:buClr>
+                <a:schemeClr val="accent1"/>
+              </a:buClr>
+              <a:buFont typeface="Wingdings" panose="05000000000000000000" pitchFamily="2" charset="2"/>
+              <a:buChar char="§"/>
+              <a:defRPr sz="1600" kern="1200">
+                <a:solidFill>
+                  <a:schemeClr val="tx1">
+                    <a:lumMod val="75000"/>
+                    <a:lumOff val="25000"/>
+                  </a:schemeClr>
+                </a:solidFill>
+                <a:latin typeface="Georgia" panose="02040502050405020303" pitchFamily="18" charset="0"/>
+                <a:ea typeface="+mn-ea"/>
+                <a:cs typeface="+mn-cs"/>
+              </a:defRPr>
+            </a:lvl3pPr>
+            <a:lvl4pPr marL="1600200" indent="-228600" algn="l" defTabSz="914400" rtl="0" eaLnBrk="1" latinLnBrk="0" hangingPunct="1">
+              <a:lnSpc>
+                <a:spcPct val="100000"/>
+              </a:lnSpc>
+              <a:spcBef>
+                <a:spcPts val="0"/>
+              </a:spcBef>
+              <a:spcAft>
+                <a:spcPts val="600"/>
+              </a:spcAft>
+              <a:buClr>
+                <a:schemeClr val="accent1"/>
+              </a:buClr>
+              <a:buFont typeface="Wingdings" panose="05000000000000000000" pitchFamily="2" charset="2"/>
+              <a:buChar char="§"/>
+              <a:defRPr sz="1400" kern="1200">
+                <a:solidFill>
+                  <a:schemeClr val="tx1">
+                    <a:lumMod val="75000"/>
+                    <a:lumOff val="25000"/>
+                  </a:schemeClr>
+                </a:solidFill>
+                <a:latin typeface="Georgia" panose="02040502050405020303" pitchFamily="18" charset="0"/>
+                <a:ea typeface="+mn-ea"/>
+                <a:cs typeface="+mn-cs"/>
+              </a:defRPr>
+            </a:lvl4pPr>
+            <a:lvl5pPr marL="2057400" indent="-228600" algn="l" defTabSz="914400" rtl="0" eaLnBrk="1" latinLnBrk="0" hangingPunct="1">
+              <a:lnSpc>
+                <a:spcPct val="100000"/>
+              </a:lnSpc>
+              <a:spcBef>
+                <a:spcPts val="0"/>
+              </a:spcBef>
+              <a:spcAft>
+                <a:spcPts val="600"/>
+              </a:spcAft>
+              <a:buClr>
+                <a:schemeClr val="accent1"/>
+              </a:buClr>
+              <a:buFont typeface="Wingdings" panose="05000000000000000000" pitchFamily="2" charset="2"/>
+              <a:buChar char="§"/>
+              <a:defRPr sz="1400" kern="1200">
+                <a:solidFill>
+                  <a:schemeClr val="tx1">
+                    <a:lumMod val="75000"/>
+                    <a:lumOff val="25000"/>
+                  </a:schemeClr>
+                </a:solidFill>
+                <a:latin typeface="Georgia" panose="02040502050405020303" pitchFamily="18" charset="0"/>
+                <a:ea typeface="+mn-ea"/>
+                <a:cs typeface="+mn-cs"/>
+              </a:defRPr>
+            </a:lvl5pPr>
+            <a:lvl6pPr marL="2514600" indent="-228600" algn="l" defTabSz="914400" rtl="0" eaLnBrk="1" latinLnBrk="0" hangingPunct="1">
+              <a:lnSpc>
+                <a:spcPct val="90000"/>
+              </a:lnSpc>
+              <a:spcBef>
+                <a:spcPts val="500"/>
+              </a:spcBef>
+              <a:buFont typeface="Arial" panose="020B0604020202020204" pitchFamily="34" charset="0"/>
+              <a:buChar char="•"/>
+              <a:defRPr sz="1800" kern="1200">
+                <a:solidFill>
+                  <a:schemeClr val="tx1"/>
+                </a:solidFill>
+                <a:latin typeface="+mn-lt"/>
+                <a:ea typeface="+mn-ea"/>
+                <a:cs typeface="+mn-cs"/>
+              </a:defRPr>
+            </a:lvl6pPr>
+            <a:lvl7pPr marL="2971800" indent="-228600" algn="l" defTabSz="914400" rtl="0" eaLnBrk="1" latinLnBrk="0" hangingPunct="1">
+              <a:lnSpc>
+                <a:spcPct val="90000"/>
+              </a:lnSpc>
+              <a:spcBef>
+                <a:spcPts val="500"/>
+              </a:spcBef>
+              <a:buFont typeface="Arial" panose="020B0604020202020204" pitchFamily="34" charset="0"/>
+              <a:buChar char="•"/>
+              <a:defRPr sz="1800" kern="1200">
+                <a:solidFill>
+                  <a:schemeClr val="tx1"/>
+                </a:solidFill>
+                <a:latin typeface="+mn-lt"/>
+                <a:ea typeface="+mn-ea"/>
+                <a:cs typeface="+mn-cs"/>
+              </a:defRPr>
+            </a:lvl7pPr>
+            <a:lvl8pPr marL="3429000" indent="-228600" algn="l" defTabSz="914400" rtl="0" eaLnBrk="1" latinLnBrk="0" hangingPunct="1">
+              <a:lnSpc>
+                <a:spcPct val="90000"/>
+              </a:lnSpc>
+              <a:spcBef>
+                <a:spcPts val="500"/>
+              </a:spcBef>
+              <a:buFont typeface="Arial" panose="020B0604020202020204" pitchFamily="34" charset="0"/>
+              <a:buChar char="•"/>
+              <a:defRPr sz="1800" kern="1200">
+                <a:solidFill>
+                  <a:schemeClr val="tx1"/>
+                </a:solidFill>
+                <a:latin typeface="+mn-lt"/>
+                <a:ea typeface="+mn-ea"/>
+                <a:cs typeface="+mn-cs"/>
+              </a:defRPr>
+            </a:lvl8pPr>
+            <a:lvl9pPr marL="3886200" indent="-228600" algn="l" defTabSz="914400" rtl="0" eaLnBrk="1" latinLnBrk="0" hangingPunct="1">
+              <a:lnSpc>
+                <a:spcPct val="90000"/>
+              </a:lnSpc>
+              <a:spcBef>
+                <a:spcPts val="500"/>
+              </a:spcBef>
+              <a:buFont typeface="Arial" panose="020B0604020202020204" pitchFamily="34" charset="0"/>
+              <a:buChar char="•"/>
+              <a:defRPr sz="1800" kern="1200">
+                <a:solidFill>
+                  <a:schemeClr val="tx1"/>
+                </a:solidFill>
+                <a:latin typeface="+mn-lt"/>
+                <a:ea typeface="+mn-ea"/>
+                <a:cs typeface="+mn-cs"/>
+              </a:defRPr>
+            </a:lvl9pPr>
+          </a:lstStyle>
+          <a:p>
+            <a:r>
+              <a:rPr lang="sv-SE" dirty="0" err="1"/>
+              <a:t>Safety</a:t>
+            </a:r>
             <a:r>
               <a:rPr lang="sv-SE" dirty="0"/>
-              <a:t>DIVISION</a:t>
-            </a:r>
-            <a:br>
-              <a:rPr lang="sv-SE" dirty="0"/>
-            </a:br>
-            <a:r>
-              <a:rPr lang="sv-SE" dirty="0"/>
-              <a:t>ENHET</a:t>
+              <a:t> and Transport</a:t>
             </a:r>
           </a:p>
         </p:txBody>
       </p:sp>
-      <p:pic>
-        <p:nvPicPr>
-          <p:cNvPr id="11" name="Platshållare för bild 39" descr="shutterstock_246422590.jpg"/>
-          <p:cNvPicPr>
-            <a:picLocks noGrp="1" noChangeAspect="1"/>
-          </p:cNvPicPr>
-          <p:nvPr>
-            <p:ph type="pic" sz="quarter" idx="15"/>
-          </p:nvPr>
-        </p:nvPicPr>
-        <p:blipFill rotWithShape="1">
-          <a:blip r:embed="rId2" cstate="print">
-            <a:extLst>
-              <a:ext uri="{28A0092B-C50C-407E-A947-70E740481C1C}">
-                <a14:useLocalDpi xmlns:a14="http://schemas.microsoft.com/office/drawing/2010/main"/>
-              </a:ext>
-            </a:extLst>
-          </a:blip>
-          <a:srcRect l="3959" r="3959"/>
-          <a:stretch/>
-        </p:blipFill>
-        <p:spPr>
-          <a:xfrm>
-            <a:off x="6094801" y="0"/>
-            <a:ext cx="6097199" cy="3407911"/>
-          </a:xfrm>
-        </p:spPr>
-      </p:pic>
-      <p:pic>
-        <p:nvPicPr>
-          <p:cNvPr id="12" name="Platshållare för bild 4"/>
-          <p:cNvPicPr>
-            <a:picLocks noGrp="1" noChangeAspect="1"/>
-          </p:cNvPicPr>
-          <p:nvPr>
-            <p:ph type="pic" sz="quarter" idx="16"/>
-          </p:nvPr>
-        </p:nvPicPr>
-        <p:blipFill rotWithShape="1">
-          <a:blip r:embed="rId3" cstate="print">
-            <a:extLst>
-              <a:ext uri="{28A0092B-C50C-407E-A947-70E740481C1C}">
-                <a14:useLocalDpi xmlns:a14="http://schemas.microsoft.com/office/drawing/2010/main"/>
-              </a:ext>
-            </a:extLst>
-          </a:blip>
-          <a:srcRect l="4702" r="4702"/>
-          <a:stretch/>
-        </p:blipFill>
-        <p:spPr>
-          <a:xfrm>
-            <a:off x="6115801" y="3447510"/>
-            <a:ext cx="6097199" cy="3410490"/>
-          </a:xfrm>
-        </p:spPr>
-      </p:pic>
     </p:spTree>
     <p:extLst>
       <p:ext uri="{BB962C8B-B14F-4D97-AF65-F5344CB8AC3E}">
@@ -24118,9 +28162,12 @@
 </file>
 
 <file path=customXml/item1.xml><?xml version="1.0" encoding="utf-8"?>
-<p:properties xmlns:p="http://schemas.microsoft.com/office/2006/metadata/properties" xmlns:xsi="http://www.w3.org/2001/XMLSchema-instance" xmlns:pc="http://schemas.microsoft.com/office/infopath/2007/PartnerControls">
-  <documentManagement/>
-</p:properties>
+<?mso-contentType ?>
+<FormTemplates xmlns="http://schemas.microsoft.com/sharepoint/v3/contenttype/forms">
+  <Display>DocumentLibraryForm</Display>
+  <Edit>DocumentLibraryForm</Edit>
+  <New>DocumentLibraryForm</New>
+</FormTemplates>
 </file>
 
 <file path=customXml/item2.xml><?xml version="1.0" encoding="utf-8"?>
@@ -24238,25 +28285,15 @@
 </file>
 
 <file path=customXml/item3.xml><?xml version="1.0" encoding="utf-8"?>
-<?mso-contentType ?>
-<FormTemplates xmlns="http://schemas.microsoft.com/sharepoint/v3/contenttype/forms">
-  <Display>DocumentLibraryForm</Display>
-  <Edit>DocumentLibraryForm</Edit>
-  <New>DocumentLibraryForm</New>
-</FormTemplates>
+<p:properties xmlns:p="http://schemas.microsoft.com/office/2006/metadata/properties" xmlns:xsi="http://www.w3.org/2001/XMLSchema-instance" xmlns:pc="http://schemas.microsoft.com/office/infopath/2007/PartnerControls">
+  <documentManagement/>
+</p:properties>
 </file>
 
 <file path=customXml/itemProps1.xml><?xml version="1.0" encoding="utf-8"?>
-<ds:datastoreItem xmlns:ds="http://schemas.openxmlformats.org/officeDocument/2006/customXml" ds:itemID="{26618E9E-EE3D-49E8-976D-32D4EED83FB9}">
+<ds:datastoreItem xmlns:ds="http://schemas.openxmlformats.org/officeDocument/2006/customXml" ds:itemID="{9F15F187-48BE-44FE-A7A6-2773B471FAEE}">
   <ds:schemaRefs>
-    <ds:schemaRef ds:uri="http://purl.org/dc/terms/"/>
-    <ds:schemaRef ds:uri="http://schemas.openxmlformats.org/package/2006/metadata/core-properties"/>
-    <ds:schemaRef ds:uri="http://schemas.microsoft.com/office/2006/documentManagement/types"/>
-    <ds:schemaRef ds:uri="http://schemas.microsoft.com/office/infopath/2007/PartnerControls"/>
-    <ds:schemaRef ds:uri="http://purl.org/dc/elements/1.1/"/>
-    <ds:schemaRef ds:uri="http://schemas.microsoft.com/office/2006/metadata/properties"/>
-    <ds:schemaRef ds:uri="http://www.w3.org/XML/1998/namespace"/>
-    <ds:schemaRef ds:uri="http://purl.org/dc/dcmitype/"/>
+    <ds:schemaRef ds:uri="http://schemas.microsoft.com/sharepoint/v3/contenttype/forms"/>
   </ds:schemaRefs>
 </ds:datastoreItem>
 </file>
@@ -24278,9 +28315,16 @@
 </file>
 
 <file path=customXml/itemProps3.xml><?xml version="1.0" encoding="utf-8"?>
-<ds:datastoreItem xmlns:ds="http://schemas.openxmlformats.org/officeDocument/2006/customXml" ds:itemID="{9F15F187-48BE-44FE-A7A6-2773B471FAEE}">
+<ds:datastoreItem xmlns:ds="http://schemas.openxmlformats.org/officeDocument/2006/customXml" ds:itemID="{26618E9E-EE3D-49E8-976D-32D4EED83FB9}">
   <ds:schemaRefs>
-    <ds:schemaRef ds:uri="http://schemas.microsoft.com/sharepoint/v3/contenttype/forms"/>
+    <ds:schemaRef ds:uri="http://purl.org/dc/terms/"/>
+    <ds:schemaRef ds:uri="http://schemas.openxmlformats.org/package/2006/metadata/core-properties"/>
+    <ds:schemaRef ds:uri="http://schemas.microsoft.com/office/2006/documentManagement/types"/>
+    <ds:schemaRef ds:uri="http://schemas.microsoft.com/office/infopath/2007/PartnerControls"/>
+    <ds:schemaRef ds:uri="http://purl.org/dc/elements/1.1/"/>
+    <ds:schemaRef ds:uri="http://schemas.microsoft.com/office/2006/metadata/properties"/>
+    <ds:schemaRef ds:uri="http://www.w3.org/XML/1998/namespace"/>
+    <ds:schemaRef ds:uri="http://purl.org/dc/dcmitype/"/>
   </ds:schemaRefs>
 </ds:datastoreItem>
 </file>
--- a/python_tutorial.pptx
+++ b/python_tutorial.pptx
@@ -26730,8 +26730,8 @@
           </a:prstGeom>
         </p:spPr>
       </p:pic>
-      <mc:AlternateContent xmlns:mc="http://schemas.openxmlformats.org/markup-compatibility/2006">
-        <mc:Choice xmlns:a14="http://schemas.microsoft.com/office/drawing/2010/main" Requires="a14">
+      <mc:AlternateContent xmlns:mc="http://schemas.openxmlformats.org/markup-compatibility/2006" xmlns:a14="http://schemas.microsoft.com/office/drawing/2010/main">
+        <mc:Choice Requires="a14">
           <p:sp>
             <p:nvSpPr>
               <p:cNvPr id="9" name="textruta 8">
@@ -26760,6 +26760,7 @@
               </a:bodyPr>
               <a:lstStyle/>
               <a:p>
+                <a:pPr/>
                 <a14:m>
                   <m:oMathPara xmlns:m="http://schemas.openxmlformats.org/officeDocument/2006/math">
                     <m:oMathParaPr>
@@ -26943,7 +26944,7 @@
             </p:txBody>
           </p:sp>
         </mc:Choice>
-        <mc:Fallback>
+        <mc:Fallback xmlns="">
           <p:sp>
             <p:nvSpPr>
               <p:cNvPr id="9" name="textruta 8">
@@ -28162,12 +28163,9 @@
 </file>
 
 <file path=customXml/item1.xml><?xml version="1.0" encoding="utf-8"?>
-<?mso-contentType ?>
-<FormTemplates xmlns="http://schemas.microsoft.com/sharepoint/v3/contenttype/forms">
-  <Display>DocumentLibraryForm</Display>
-  <Edit>DocumentLibraryForm</Edit>
-  <New>DocumentLibraryForm</New>
-</FormTemplates>
+<p:properties xmlns:p="http://schemas.microsoft.com/office/2006/metadata/properties" xmlns:xsi="http://www.w3.org/2001/XMLSchema-instance" xmlns:pc="http://schemas.microsoft.com/office/infopath/2007/PartnerControls">
+  <documentManagement/>
+</p:properties>
 </file>
 
 <file path=customXml/item2.xml><?xml version="1.0" encoding="utf-8"?>
@@ -28285,15 +28283,25 @@
 </file>
 
 <file path=customXml/item3.xml><?xml version="1.0" encoding="utf-8"?>
-<p:properties xmlns:p="http://schemas.microsoft.com/office/2006/metadata/properties" xmlns:xsi="http://www.w3.org/2001/XMLSchema-instance" xmlns:pc="http://schemas.microsoft.com/office/infopath/2007/PartnerControls">
-  <documentManagement/>
-</p:properties>
+<?mso-contentType ?>
+<FormTemplates xmlns="http://schemas.microsoft.com/sharepoint/v3/contenttype/forms">
+  <Display>DocumentLibraryForm</Display>
+  <Edit>DocumentLibraryForm</Edit>
+  <New>DocumentLibraryForm</New>
+</FormTemplates>
 </file>
 
 <file path=customXml/itemProps1.xml><?xml version="1.0" encoding="utf-8"?>
-<ds:datastoreItem xmlns:ds="http://schemas.openxmlformats.org/officeDocument/2006/customXml" ds:itemID="{9F15F187-48BE-44FE-A7A6-2773B471FAEE}">
+<ds:datastoreItem xmlns:ds="http://schemas.openxmlformats.org/officeDocument/2006/customXml" ds:itemID="{26618E9E-EE3D-49E8-976D-32D4EED83FB9}">
   <ds:schemaRefs>
-    <ds:schemaRef ds:uri="http://schemas.microsoft.com/sharepoint/v3/contenttype/forms"/>
+    <ds:schemaRef ds:uri="http://purl.org/dc/terms/"/>
+    <ds:schemaRef ds:uri="http://schemas.openxmlformats.org/package/2006/metadata/core-properties"/>
+    <ds:schemaRef ds:uri="http://schemas.microsoft.com/office/2006/documentManagement/types"/>
+    <ds:schemaRef ds:uri="http://schemas.microsoft.com/office/infopath/2007/PartnerControls"/>
+    <ds:schemaRef ds:uri="http://purl.org/dc/elements/1.1/"/>
+    <ds:schemaRef ds:uri="http://schemas.microsoft.com/office/2006/metadata/properties"/>
+    <ds:schemaRef ds:uri="http://www.w3.org/XML/1998/namespace"/>
+    <ds:schemaRef ds:uri="http://purl.org/dc/dcmitype/"/>
   </ds:schemaRefs>
 </ds:datastoreItem>
 </file>
@@ -28315,16 +28323,9 @@
 </file>
 
 <file path=customXml/itemProps3.xml><?xml version="1.0" encoding="utf-8"?>
-<ds:datastoreItem xmlns:ds="http://schemas.openxmlformats.org/officeDocument/2006/customXml" ds:itemID="{26618E9E-EE3D-49E8-976D-32D4EED83FB9}">
+<ds:datastoreItem xmlns:ds="http://schemas.openxmlformats.org/officeDocument/2006/customXml" ds:itemID="{9F15F187-48BE-44FE-A7A6-2773B471FAEE}">
   <ds:schemaRefs>
-    <ds:schemaRef ds:uri="http://purl.org/dc/terms/"/>
-    <ds:schemaRef ds:uri="http://schemas.openxmlformats.org/package/2006/metadata/core-properties"/>
-    <ds:schemaRef ds:uri="http://schemas.microsoft.com/office/2006/documentManagement/types"/>
-    <ds:schemaRef ds:uri="http://schemas.microsoft.com/office/infopath/2007/PartnerControls"/>
-    <ds:schemaRef ds:uri="http://purl.org/dc/elements/1.1/"/>
-    <ds:schemaRef ds:uri="http://schemas.microsoft.com/office/2006/metadata/properties"/>
-    <ds:schemaRef ds:uri="http://www.w3.org/XML/1998/namespace"/>
-    <ds:schemaRef ds:uri="http://purl.org/dc/dcmitype/"/>
+    <ds:schemaRef ds:uri="http://schemas.microsoft.com/sharepoint/v3/contenttype/forms"/>
   </ds:schemaRefs>
 </ds:datastoreItem>
 </file>
--- a/python_tutorial.pptx
+++ b/python_tutorial.pptx
@@ -6,15 +6,16 @@
     <p:sldMasterId id="2147483674" r:id="rId5"/>
   </p:sldMasterIdLst>
   <p:notesMasterIdLst>
-    <p:notesMasterId r:id="rId12"/>
+    <p:notesMasterId r:id="rId13"/>
   </p:notesMasterIdLst>
   <p:sldIdLst>
     <p:sldId id="256" r:id="rId6"/>
     <p:sldId id="281" r:id="rId7"/>
     <p:sldId id="275" r:id="rId8"/>
     <p:sldId id="282" r:id="rId9"/>
-    <p:sldId id="283" r:id="rId10"/>
-    <p:sldId id="274" r:id="rId11"/>
+    <p:sldId id="284" r:id="rId10"/>
+    <p:sldId id="283" r:id="rId11"/>
+    <p:sldId id="274" r:id="rId12"/>
   </p:sldIdLst>
   <p:sldSz cx="12192000" cy="6858000"/>
   <p:notesSz cx="6858000" cy="9144000"/>
@@ -142,6 +143,995 @@
 </p:presentation>
 </file>
 
+<file path=ppt/charts/chart1.xml><?xml version="1.0" encoding="utf-8"?>
+<c:chartSpace xmlns:c="http://schemas.openxmlformats.org/drawingml/2006/chart" xmlns:a="http://schemas.openxmlformats.org/drawingml/2006/main" xmlns:r="http://schemas.openxmlformats.org/officeDocument/2006/relationships" xmlns:c16r2="http://schemas.microsoft.com/office/drawing/2015/06/chart">
+  <c:date1904 val="0"/>
+  <c:lang val="sv-SE"/>
+  <c:roundedCorners val="0"/>
+  <mc:AlternateContent xmlns:mc="http://schemas.openxmlformats.org/markup-compatibility/2006">
+    <mc:Choice xmlns:c14="http://schemas.microsoft.com/office/drawing/2007/8/2/chart" Requires="c14">
+      <c14:style val="102"/>
+    </mc:Choice>
+    <mc:Fallback>
+      <c:style val="2"/>
+    </mc:Fallback>
+  </mc:AlternateContent>
+  <c:chart>
+    <c:title>
+      <c:tx>
+        <c:rich>
+          <a:bodyPr rot="0" spcFirstLastPara="1" vertOverflow="ellipsis" vert="horz" wrap="square" anchor="ctr" anchorCtr="1"/>
+          <a:lstStyle/>
+          <a:p>
+            <a:pPr>
+              <a:defRPr sz="1400" b="0" i="0" u="none" strike="noStrike" kern="1200" spc="0" baseline="0">
+                <a:solidFill>
+                  <a:schemeClr val="tx1">
+                    <a:lumMod val="65000"/>
+                    <a:lumOff val="35000"/>
+                  </a:schemeClr>
+                </a:solidFill>
+                <a:latin typeface="+mn-lt"/>
+                <a:ea typeface="+mn-ea"/>
+                <a:cs typeface="+mn-cs"/>
+              </a:defRPr>
+            </a:pPr>
+            <a:r>
+              <a:rPr lang="sv-SE"/>
+              <a:t>Trädamm</a:t>
+            </a:r>
+          </a:p>
+        </c:rich>
+      </c:tx>
+      <c:overlay val="0"/>
+      <c:spPr>
+        <a:noFill/>
+        <a:ln>
+          <a:noFill/>
+        </a:ln>
+        <a:effectLst/>
+      </c:spPr>
+      <c:txPr>
+        <a:bodyPr rot="0" spcFirstLastPara="1" vertOverflow="ellipsis" vert="horz" wrap="square" anchor="ctr" anchorCtr="1"/>
+        <a:lstStyle/>
+        <a:p>
+          <a:pPr>
+            <a:defRPr sz="1400" b="0" i="0" u="none" strike="noStrike" kern="1200" spc="0" baseline="0">
+              <a:solidFill>
+                <a:schemeClr val="tx1">
+                  <a:lumMod val="65000"/>
+                  <a:lumOff val="35000"/>
+                </a:schemeClr>
+              </a:solidFill>
+              <a:latin typeface="+mn-lt"/>
+              <a:ea typeface="+mn-ea"/>
+              <a:cs typeface="+mn-cs"/>
+            </a:defRPr>
+          </a:pPr>
+          <a:endParaRPr lang="sv-SE"/>
+        </a:p>
+      </c:txPr>
+    </c:title>
+    <c:autoTitleDeleted val="0"/>
+    <c:plotArea>
+      <c:layout/>
+      <c:lineChart>
+        <c:grouping val="standard"/>
+        <c:varyColors val="0"/>
+        <c:ser>
+          <c:idx val="0"/>
+          <c:order val="0"/>
+          <c:spPr>
+            <a:ln w="28575" cap="rnd">
+              <a:solidFill>
+                <a:schemeClr val="accent1"/>
+              </a:solidFill>
+              <a:round/>
+            </a:ln>
+            <a:effectLst/>
+          </c:spPr>
+          <c:marker>
+            <c:symbol val="circle"/>
+            <c:size val="5"/>
+            <c:spPr>
+              <a:solidFill>
+                <a:schemeClr val="accent1"/>
+              </a:solidFill>
+              <a:ln w="9525">
+                <a:solidFill>
+                  <a:schemeClr val="accent1"/>
+                </a:solidFill>
+              </a:ln>
+              <a:effectLst/>
+            </c:spPr>
+          </c:marker>
+          <c:cat>
+            <c:strRef>
+              <c:f>Trädamm_plots!$A$2:$A$9</c:f>
+              <c:strCache>
+                <c:ptCount val="8"/>
+                <c:pt idx="0">
+                  <c:v>&lt;0.063</c:v>
+                </c:pt>
+                <c:pt idx="1">
+                  <c:v>0.063 - 0.075</c:v>
+                </c:pt>
+                <c:pt idx="2">
+                  <c:v>0.075 -0.125</c:v>
+                </c:pt>
+                <c:pt idx="3">
+                  <c:v>0.125 - 0.180</c:v>
+                </c:pt>
+                <c:pt idx="4">
+                  <c:v>0.18 - 0.25</c:v>
+                </c:pt>
+                <c:pt idx="5">
+                  <c:v>0.25 - 0.355</c:v>
+                </c:pt>
+                <c:pt idx="6">
+                  <c:v>0.355 -0.5</c:v>
+                </c:pt>
+                <c:pt idx="7">
+                  <c:v>&gt; 0.5</c:v>
+                </c:pt>
+              </c:strCache>
+            </c:strRef>
+          </c:cat>
+          <c:val>
+            <c:numRef>
+              <c:f>Trädamm_plots!$D$2:$D$9</c:f>
+              <c:numCache>
+                <c:formatCode>General</c:formatCode>
+                <c:ptCount val="8"/>
+                <c:pt idx="0">
+                  <c:v>6.7121225537943845</c:v>
+                </c:pt>
+                <c:pt idx="1">
+                  <c:v>16.417249623660673</c:v>
+                </c:pt>
+                <c:pt idx="2">
+                  <c:v>36.163995395377668</c:v>
+                </c:pt>
+                <c:pt idx="3">
+                  <c:v>47.215088993181617</c:v>
+                </c:pt>
+                <c:pt idx="4">
+                  <c:v>63.800584432834498</c:v>
+                </c:pt>
+                <c:pt idx="5">
+                  <c:v>79.243779332329765</c:v>
+                </c:pt>
+                <c:pt idx="6">
+                  <c:v>100</c:v>
+                </c:pt>
+                <c:pt idx="7">
+                  <c:v>100</c:v>
+                </c:pt>
+              </c:numCache>
+            </c:numRef>
+          </c:val>
+          <c:smooth val="0"/>
+          <c:extLst>
+            <c:ext xmlns:c16="http://schemas.microsoft.com/office/drawing/2014/chart" uri="{C3380CC4-5D6E-409C-BE32-E72D297353CC}">
+              <c16:uniqueId val="{00000000-0B4B-4C0A-8340-B2C43D55533A}"/>
+            </c:ext>
+          </c:extLst>
+        </c:ser>
+        <c:dLbls>
+          <c:showLegendKey val="0"/>
+          <c:showVal val="0"/>
+          <c:showCatName val="0"/>
+          <c:showSerName val="0"/>
+          <c:showPercent val="0"/>
+          <c:showBubbleSize val="0"/>
+        </c:dLbls>
+        <c:marker val="1"/>
+        <c:smooth val="0"/>
+        <c:axId val="686506400"/>
+        <c:axId val="686507056"/>
+      </c:lineChart>
+      <c:catAx>
+        <c:axId val="686506400"/>
+        <c:scaling>
+          <c:orientation val="minMax"/>
+        </c:scaling>
+        <c:delete val="0"/>
+        <c:axPos val="b"/>
+        <c:title>
+          <c:tx>
+            <c:rich>
+              <a:bodyPr rot="0" spcFirstLastPara="1" vertOverflow="ellipsis" vert="horz" wrap="square" anchor="ctr" anchorCtr="1"/>
+              <a:lstStyle/>
+              <a:p>
+                <a:pPr>
+                  <a:defRPr sz="1000" b="0" i="0" u="none" strike="noStrike" kern="1200" baseline="0">
+                    <a:solidFill>
+                      <a:schemeClr val="tx1">
+                        <a:lumMod val="65000"/>
+                        <a:lumOff val="35000"/>
+                      </a:schemeClr>
+                    </a:solidFill>
+                    <a:latin typeface="+mn-lt"/>
+                    <a:ea typeface="+mn-ea"/>
+                    <a:cs typeface="+mn-cs"/>
+                  </a:defRPr>
+                </a:pPr>
+                <a:r>
+                  <a:rPr lang="sv-SE"/>
+                  <a:t>Particle size [mm]</a:t>
+                </a:r>
+              </a:p>
+            </c:rich>
+          </c:tx>
+          <c:overlay val="0"/>
+          <c:spPr>
+            <a:noFill/>
+            <a:ln>
+              <a:noFill/>
+            </a:ln>
+            <a:effectLst/>
+          </c:spPr>
+          <c:txPr>
+            <a:bodyPr rot="0" spcFirstLastPara="1" vertOverflow="ellipsis" vert="horz" wrap="square" anchor="ctr" anchorCtr="1"/>
+            <a:lstStyle/>
+            <a:p>
+              <a:pPr>
+                <a:defRPr sz="1000" b="0" i="0" u="none" strike="noStrike" kern="1200" baseline="0">
+                  <a:solidFill>
+                    <a:schemeClr val="tx1">
+                      <a:lumMod val="65000"/>
+                      <a:lumOff val="35000"/>
+                    </a:schemeClr>
+                  </a:solidFill>
+                  <a:latin typeface="+mn-lt"/>
+                  <a:ea typeface="+mn-ea"/>
+                  <a:cs typeface="+mn-cs"/>
+                </a:defRPr>
+              </a:pPr>
+              <a:endParaRPr lang="sv-SE"/>
+            </a:p>
+          </c:txPr>
+        </c:title>
+        <c:numFmt formatCode="General" sourceLinked="1"/>
+        <c:majorTickMark val="none"/>
+        <c:minorTickMark val="none"/>
+        <c:tickLblPos val="nextTo"/>
+        <c:spPr>
+          <a:noFill/>
+          <a:ln w="9525" cap="flat" cmpd="sng" algn="ctr">
+            <a:solidFill>
+              <a:schemeClr val="tx1">
+                <a:lumMod val="15000"/>
+                <a:lumOff val="85000"/>
+              </a:schemeClr>
+            </a:solidFill>
+            <a:round/>
+          </a:ln>
+          <a:effectLst/>
+        </c:spPr>
+        <c:txPr>
+          <a:bodyPr rot="-60000000" spcFirstLastPara="1" vertOverflow="ellipsis" vert="horz" wrap="square" anchor="ctr" anchorCtr="1"/>
+          <a:lstStyle/>
+          <a:p>
+            <a:pPr>
+              <a:defRPr sz="900" b="0" i="0" u="none" strike="noStrike" kern="1200" baseline="0">
+                <a:solidFill>
+                  <a:schemeClr val="tx1">
+                    <a:lumMod val="65000"/>
+                    <a:lumOff val="35000"/>
+                  </a:schemeClr>
+                </a:solidFill>
+                <a:latin typeface="+mn-lt"/>
+                <a:ea typeface="+mn-ea"/>
+                <a:cs typeface="+mn-cs"/>
+              </a:defRPr>
+            </a:pPr>
+            <a:endParaRPr lang="sv-SE"/>
+          </a:p>
+        </c:txPr>
+        <c:crossAx val="686507056"/>
+        <c:crosses val="autoZero"/>
+        <c:auto val="1"/>
+        <c:lblAlgn val="ctr"/>
+        <c:lblOffset val="100"/>
+        <c:noMultiLvlLbl val="0"/>
+      </c:catAx>
+      <c:valAx>
+        <c:axId val="686507056"/>
+        <c:scaling>
+          <c:orientation val="minMax"/>
+        </c:scaling>
+        <c:delete val="0"/>
+        <c:axPos val="l"/>
+        <c:majorGridlines>
+          <c:spPr>
+            <a:ln w="9525" cap="flat" cmpd="sng" algn="ctr">
+              <a:solidFill>
+                <a:schemeClr val="tx1">
+                  <a:lumMod val="15000"/>
+                  <a:lumOff val="85000"/>
+                </a:schemeClr>
+              </a:solidFill>
+              <a:round/>
+            </a:ln>
+            <a:effectLst/>
+          </c:spPr>
+        </c:majorGridlines>
+        <c:title>
+          <c:tx>
+            <c:rich>
+              <a:bodyPr rot="-5400000" spcFirstLastPara="1" vertOverflow="ellipsis" vert="horz" wrap="square" anchor="ctr" anchorCtr="1"/>
+              <a:lstStyle/>
+              <a:p>
+                <a:pPr>
+                  <a:defRPr sz="1000" b="0" i="0" u="none" strike="noStrike" kern="1200" baseline="0">
+                    <a:solidFill>
+                      <a:schemeClr val="tx1">
+                        <a:lumMod val="65000"/>
+                        <a:lumOff val="35000"/>
+                      </a:schemeClr>
+                    </a:solidFill>
+                    <a:latin typeface="+mn-lt"/>
+                    <a:ea typeface="+mn-ea"/>
+                    <a:cs typeface="+mn-cs"/>
+                  </a:defRPr>
+                </a:pPr>
+                <a:r>
+                  <a:rPr lang="sv-SE"/>
+                  <a:t>accumulated mass fraction [%]</a:t>
+                </a:r>
+              </a:p>
+            </c:rich>
+          </c:tx>
+          <c:overlay val="0"/>
+          <c:spPr>
+            <a:noFill/>
+            <a:ln>
+              <a:noFill/>
+            </a:ln>
+            <a:effectLst/>
+          </c:spPr>
+          <c:txPr>
+            <a:bodyPr rot="-5400000" spcFirstLastPara="1" vertOverflow="ellipsis" vert="horz" wrap="square" anchor="ctr" anchorCtr="1"/>
+            <a:lstStyle/>
+            <a:p>
+              <a:pPr>
+                <a:defRPr sz="1000" b="0" i="0" u="none" strike="noStrike" kern="1200" baseline="0">
+                  <a:solidFill>
+                    <a:schemeClr val="tx1">
+                      <a:lumMod val="65000"/>
+                      <a:lumOff val="35000"/>
+                    </a:schemeClr>
+                  </a:solidFill>
+                  <a:latin typeface="+mn-lt"/>
+                  <a:ea typeface="+mn-ea"/>
+                  <a:cs typeface="+mn-cs"/>
+                </a:defRPr>
+              </a:pPr>
+              <a:endParaRPr lang="sv-SE"/>
+            </a:p>
+          </c:txPr>
+        </c:title>
+        <c:numFmt formatCode="General" sourceLinked="1"/>
+        <c:majorTickMark val="none"/>
+        <c:minorTickMark val="none"/>
+        <c:tickLblPos val="nextTo"/>
+        <c:spPr>
+          <a:noFill/>
+          <a:ln>
+            <a:noFill/>
+          </a:ln>
+          <a:effectLst/>
+        </c:spPr>
+        <c:txPr>
+          <a:bodyPr rot="-60000000" spcFirstLastPara="1" vertOverflow="ellipsis" vert="horz" wrap="square" anchor="ctr" anchorCtr="1"/>
+          <a:lstStyle/>
+          <a:p>
+            <a:pPr>
+              <a:defRPr sz="900" b="0" i="0" u="none" strike="noStrike" kern="1200" baseline="0">
+                <a:solidFill>
+                  <a:schemeClr val="tx1">
+                    <a:lumMod val="65000"/>
+                    <a:lumOff val="35000"/>
+                  </a:schemeClr>
+                </a:solidFill>
+                <a:latin typeface="+mn-lt"/>
+                <a:ea typeface="+mn-ea"/>
+                <a:cs typeface="+mn-cs"/>
+              </a:defRPr>
+            </a:pPr>
+            <a:endParaRPr lang="sv-SE"/>
+          </a:p>
+        </c:txPr>
+        <c:crossAx val="686506400"/>
+        <c:crosses val="autoZero"/>
+        <c:crossBetween val="between"/>
+      </c:valAx>
+      <c:spPr>
+        <a:noFill/>
+        <a:ln>
+          <a:noFill/>
+        </a:ln>
+        <a:effectLst/>
+      </c:spPr>
+    </c:plotArea>
+    <c:plotVisOnly val="1"/>
+    <c:dispBlanksAs val="gap"/>
+    <c:extLst>
+      <c:ext xmlns:c16r3="http://schemas.microsoft.com/office/drawing/2017/03/chart" uri="{56B9EC1D-385E-4148-901F-78D8002777C0}">
+        <c16r3:dataDisplayOptions16>
+          <c16r3:dispNaAsBlank val="1"/>
+        </c16r3:dataDisplayOptions16>
+      </c:ext>
+    </c:extLst>
+    <c:showDLblsOverMax val="0"/>
+  </c:chart>
+  <c:spPr>
+    <a:noFill/>
+    <a:ln>
+      <a:noFill/>
+    </a:ln>
+    <a:effectLst/>
+  </c:spPr>
+  <c:txPr>
+    <a:bodyPr/>
+    <a:lstStyle/>
+    <a:p>
+      <a:pPr>
+        <a:defRPr/>
+      </a:pPr>
+      <a:endParaRPr lang="sv-SE"/>
+    </a:p>
+  </c:txPr>
+  <c:externalData r:id="rId3">
+    <c:autoUpdate val="0"/>
+  </c:externalData>
+</c:chartSpace>
+</file>
+
+<file path=ppt/charts/colors1.xml><?xml version="1.0" encoding="utf-8"?>
+<cs:colorStyle xmlns:cs="http://schemas.microsoft.com/office/drawing/2012/chartStyle" xmlns:a="http://schemas.openxmlformats.org/drawingml/2006/main" meth="cycle" id="10">
+  <a:schemeClr val="accent1"/>
+  <a:schemeClr val="accent2"/>
+  <a:schemeClr val="accent3"/>
+  <a:schemeClr val="accent4"/>
+  <a:schemeClr val="accent5"/>
+  <a:schemeClr val="accent6"/>
+  <cs:variation/>
+  <cs:variation>
+    <a:lumMod val="60000"/>
+  </cs:variation>
+  <cs:variation>
+    <a:lumMod val="80000"/>
+    <a:lumOff val="20000"/>
+  </cs:variation>
+  <cs:variation>
+    <a:lumMod val="80000"/>
+  </cs:variation>
+  <cs:variation>
+    <a:lumMod val="60000"/>
+    <a:lumOff val="40000"/>
+  </cs:variation>
+  <cs:variation>
+    <a:lumMod val="50000"/>
+  </cs:variation>
+  <cs:variation>
+    <a:lumMod val="70000"/>
+    <a:lumOff val="30000"/>
+  </cs:variation>
+  <cs:variation>
+    <a:lumMod val="70000"/>
+  </cs:variation>
+  <cs:variation>
+    <a:lumMod val="50000"/>
+    <a:lumOff val="50000"/>
+  </cs:variation>
+</cs:colorStyle>
+</file>
+
+<file path=ppt/charts/style1.xml><?xml version="1.0" encoding="utf-8"?>
+<cs:chartStyle xmlns:cs="http://schemas.microsoft.com/office/drawing/2012/chartStyle" xmlns:a="http://schemas.openxmlformats.org/drawingml/2006/main" id="332">
+  <cs:axisTitle>
+    <cs:lnRef idx="0"/>
+    <cs:fillRef idx="0"/>
+    <cs:effectRef idx="0"/>
+    <cs:fontRef idx="minor">
+      <a:schemeClr val="tx1">
+        <a:lumMod val="65000"/>
+        <a:lumOff val="35000"/>
+      </a:schemeClr>
+    </cs:fontRef>
+    <cs:defRPr sz="1000" kern="1200"/>
+  </cs:axisTitle>
+  <cs:categoryAxis>
+    <cs:lnRef idx="0"/>
+    <cs:fillRef idx="0"/>
+    <cs:effectRef idx="0"/>
+    <cs:fontRef idx="minor">
+      <a:schemeClr val="tx1">
+        <a:lumMod val="65000"/>
+        <a:lumOff val="35000"/>
+      </a:schemeClr>
+    </cs:fontRef>
+    <cs:spPr>
+      <a:ln w="9525" cap="flat" cmpd="sng" algn="ctr">
+        <a:solidFill>
+          <a:schemeClr val="tx1">
+            <a:lumMod val="15000"/>
+            <a:lumOff val="85000"/>
+          </a:schemeClr>
+        </a:solidFill>
+        <a:round/>
+      </a:ln>
+    </cs:spPr>
+    <cs:defRPr sz="900" kern="1200"/>
+  </cs:categoryAxis>
+  <cs:chartArea mods="allowNoFillOverride allowNoLineOverride">
+    <cs:lnRef idx="0"/>
+    <cs:fillRef idx="0"/>
+    <cs:effectRef idx="0"/>
+    <cs:fontRef idx="minor">
+      <a:schemeClr val="tx1"/>
+    </cs:fontRef>
+    <cs:spPr>
+      <a:solidFill>
+        <a:schemeClr val="bg1"/>
+      </a:solidFill>
+      <a:ln w="9525" cap="flat" cmpd="sng" algn="ctr">
+        <a:solidFill>
+          <a:schemeClr val="tx1">
+            <a:lumMod val="15000"/>
+            <a:lumOff val="85000"/>
+          </a:schemeClr>
+        </a:solidFill>
+        <a:round/>
+      </a:ln>
+    </cs:spPr>
+    <cs:defRPr sz="1000" kern="1200"/>
+  </cs:chartArea>
+  <cs:dataLabel>
+    <cs:lnRef idx="0"/>
+    <cs:fillRef idx="0"/>
+    <cs:effectRef idx="0"/>
+    <cs:fontRef idx="minor">
+      <a:schemeClr val="tx1">
+        <a:lumMod val="75000"/>
+        <a:lumOff val="25000"/>
+      </a:schemeClr>
+    </cs:fontRef>
+    <cs:defRPr sz="900" kern="1200"/>
+  </cs:dataLabel>
+  <cs:dataLabelCallout>
+    <cs:lnRef idx="0"/>
+    <cs:fillRef idx="0"/>
+    <cs:effectRef idx="0"/>
+    <cs:fontRef idx="minor">
+      <a:schemeClr val="dk1">
+        <a:lumMod val="65000"/>
+        <a:lumOff val="35000"/>
+      </a:schemeClr>
+    </cs:fontRef>
+    <cs:spPr>
+      <a:solidFill>
+        <a:schemeClr val="lt1"/>
+      </a:solidFill>
+      <a:ln>
+        <a:solidFill>
+          <a:schemeClr val="dk1">
+            <a:lumMod val="25000"/>
+            <a:lumOff val="75000"/>
+          </a:schemeClr>
+        </a:solidFill>
+      </a:ln>
+    </cs:spPr>
+    <cs:defRPr sz="900" kern="1200"/>
+    <cs:bodyPr rot="0" spcFirstLastPara="1" vertOverflow="clip" horzOverflow="clip" vert="horz" wrap="square" lIns="36576" tIns="18288" rIns="36576" bIns="18288" anchor="ctr" anchorCtr="1">
+      <a:spAutoFit/>
+    </cs:bodyPr>
+  </cs:dataLabelCallout>
+  <cs:dataPoint>
+    <cs:lnRef idx="0"/>
+    <cs:fillRef idx="1">
+      <cs:styleClr val="auto"/>
+    </cs:fillRef>
+    <cs:effectRef idx="0"/>
+    <cs:fontRef idx="minor">
+      <a:schemeClr val="tx1"/>
+    </cs:fontRef>
+  </cs:dataPoint>
+  <cs:dataPoint3D>
+    <cs:lnRef idx="0"/>
+    <cs:fillRef idx="1">
+      <cs:styleClr val="auto"/>
+    </cs:fillRef>
+    <cs:effectRef idx="0"/>
+    <cs:fontRef idx="minor">
+      <a:schemeClr val="tx1"/>
+    </cs:fontRef>
+  </cs:dataPoint3D>
+  <cs:dataPointLine>
+    <cs:lnRef idx="0">
+      <cs:styleClr val="auto"/>
+    </cs:lnRef>
+    <cs:fillRef idx="1"/>
+    <cs:effectRef idx="0"/>
+    <cs:fontRef idx="minor">
+      <a:schemeClr val="tx1"/>
+    </cs:fontRef>
+    <cs:spPr>
+      <a:ln w="28575" cap="rnd">
+        <a:solidFill>
+          <a:schemeClr val="phClr"/>
+        </a:solidFill>
+        <a:round/>
+      </a:ln>
+    </cs:spPr>
+  </cs:dataPointLine>
+  <cs:dataPointMarker>
+    <cs:lnRef idx="0">
+      <cs:styleClr val="auto"/>
+    </cs:lnRef>
+    <cs:fillRef idx="1">
+      <cs:styleClr val="auto"/>
+    </cs:fillRef>
+    <cs:effectRef idx="0"/>
+    <cs:fontRef idx="minor">
+      <a:schemeClr val="tx1"/>
+    </cs:fontRef>
+    <cs:spPr>
+      <a:ln w="9525">
+        <a:solidFill>
+          <a:schemeClr val="phClr"/>
+        </a:solidFill>
+      </a:ln>
+    </cs:spPr>
+  </cs:dataPointMarker>
+  <cs:dataPointMarkerLayout symbol="circle" size="5"/>
+  <cs:dataPointWireframe>
+    <cs:lnRef idx="0">
+      <cs:styleClr val="auto"/>
+    </cs:lnRef>
+    <cs:fillRef idx="1"/>
+    <cs:effectRef idx="0"/>
+    <cs:fontRef idx="minor">
+      <a:schemeClr val="tx1"/>
+    </cs:fontRef>
+    <cs:spPr>
+      <a:ln w="9525" cap="rnd">
+        <a:solidFill>
+          <a:schemeClr val="phClr"/>
+        </a:solidFill>
+        <a:round/>
+      </a:ln>
+    </cs:spPr>
+  </cs:dataPointWireframe>
+  <cs:dataTable>
+    <cs:lnRef idx="0"/>
+    <cs:fillRef idx="0"/>
+    <cs:effectRef idx="0"/>
+    <cs:fontRef idx="minor">
+      <a:schemeClr val="tx1">
+        <a:lumMod val="65000"/>
+        <a:lumOff val="35000"/>
+      </a:schemeClr>
+    </cs:fontRef>
+    <cs:spPr>
+      <a:noFill/>
+      <a:ln w="9525" cap="flat" cmpd="sng" algn="ctr">
+        <a:solidFill>
+          <a:schemeClr val="tx1">
+            <a:lumMod val="15000"/>
+            <a:lumOff val="85000"/>
+          </a:schemeClr>
+        </a:solidFill>
+        <a:round/>
+      </a:ln>
+    </cs:spPr>
+    <cs:defRPr sz="900" kern="1200"/>
+  </cs:dataTable>
+  <cs:downBar>
+    <cs:lnRef idx="0"/>
+    <cs:fillRef idx="0"/>
+    <cs:effectRef idx="0"/>
+    <cs:fontRef idx="minor">
+      <a:schemeClr val="dk1"/>
+    </cs:fontRef>
+    <cs:spPr>
+      <a:solidFill>
+        <a:schemeClr val="dk1">
+          <a:lumMod val="65000"/>
+          <a:lumOff val="35000"/>
+        </a:schemeClr>
+      </a:solidFill>
+      <a:ln w="9525">
+        <a:solidFill>
+          <a:schemeClr val="tx1">
+            <a:lumMod val="65000"/>
+            <a:lumOff val="35000"/>
+          </a:schemeClr>
+        </a:solidFill>
+      </a:ln>
+    </cs:spPr>
+  </cs:downBar>
+  <cs:dropLine>
+    <cs:lnRef idx="0"/>
+    <cs:fillRef idx="0"/>
+    <cs:effectRef idx="0"/>
+    <cs:fontRef idx="minor">
+      <a:schemeClr val="tx1"/>
+    </cs:fontRef>
+    <cs:spPr>
+      <a:ln w="9525" cap="flat" cmpd="sng" algn="ctr">
+        <a:solidFill>
+          <a:schemeClr val="tx1">
+            <a:lumMod val="35000"/>
+            <a:lumOff val="65000"/>
+          </a:schemeClr>
+        </a:solidFill>
+        <a:round/>
+      </a:ln>
+    </cs:spPr>
+  </cs:dropLine>
+  <cs:errorBar>
+    <cs:lnRef idx="0"/>
+    <cs:fillRef idx="0"/>
+    <cs:effectRef idx="0"/>
+    <cs:fontRef idx="minor">
+      <a:schemeClr val="tx1"/>
+    </cs:fontRef>
+    <cs:spPr>
+      <a:ln w="9525" cap="flat" cmpd="sng" algn="ctr">
+        <a:solidFill>
+          <a:schemeClr val="tx1">
+            <a:lumMod val="65000"/>
+            <a:lumOff val="35000"/>
+          </a:schemeClr>
+        </a:solidFill>
+        <a:round/>
+      </a:ln>
+    </cs:spPr>
+  </cs:errorBar>
+  <cs:floor>
+    <cs:lnRef idx="0"/>
+    <cs:fillRef idx="0"/>
+    <cs:effectRef idx="0"/>
+    <cs:fontRef idx="minor">
+      <a:schemeClr val="tx1"/>
+    </cs:fontRef>
+    <cs:spPr>
+      <a:noFill/>
+      <a:ln>
+        <a:noFill/>
+      </a:ln>
+    </cs:spPr>
+  </cs:floor>
+  <cs:gridlineMajor>
+    <cs:lnRef idx="0"/>
+    <cs:fillRef idx="0"/>
+    <cs:effectRef idx="0"/>
+    <cs:fontRef idx="minor">
+      <a:schemeClr val="tx1"/>
+    </cs:fontRef>
+    <cs:spPr>
+      <a:ln w="9525" cap="flat" cmpd="sng" algn="ctr">
+        <a:solidFill>
+          <a:schemeClr val="tx1">
+            <a:lumMod val="15000"/>
+            <a:lumOff val="85000"/>
+          </a:schemeClr>
+        </a:solidFill>
+        <a:round/>
+      </a:ln>
+    </cs:spPr>
+  </cs:gridlineMajor>
+  <cs:gridlineMinor>
+    <cs:lnRef idx="0"/>
+    <cs:fillRef idx="0"/>
+    <cs:effectRef idx="0"/>
+    <cs:fontRef idx="minor">
+      <a:schemeClr val="tx1"/>
+    </cs:fontRef>
+    <cs:spPr>
+      <a:ln w="9525" cap="flat" cmpd="sng" algn="ctr">
+        <a:solidFill>
+          <a:schemeClr val="tx1">
+            <a:lumMod val="5000"/>
+            <a:lumOff val="95000"/>
+          </a:schemeClr>
+        </a:solidFill>
+        <a:round/>
+      </a:ln>
+    </cs:spPr>
+  </cs:gridlineMinor>
+  <cs:hiLoLine>
+    <cs:lnRef idx="0"/>
+    <cs:fillRef idx="0"/>
+    <cs:effectRef idx="0"/>
+    <cs:fontRef idx="minor">
+      <a:schemeClr val="tx1"/>
+    </cs:fontRef>
+    <cs:spPr>
+      <a:ln w="9525" cap="flat" cmpd="sng" algn="ctr">
+        <a:solidFill>
+          <a:schemeClr val="tx1">
+            <a:lumMod val="75000"/>
+            <a:lumOff val="25000"/>
+          </a:schemeClr>
+        </a:solidFill>
+        <a:round/>
+      </a:ln>
+    </cs:spPr>
+  </cs:hiLoLine>
+  <cs:leaderLine>
+    <cs:lnRef idx="0"/>
+    <cs:fillRef idx="0"/>
+    <cs:effectRef idx="0"/>
+    <cs:fontRef idx="minor">
+      <a:schemeClr val="tx1"/>
+    </cs:fontRef>
+    <cs:spPr>
+      <a:ln w="9525" cap="flat" cmpd="sng" algn="ctr">
+        <a:solidFill>
+          <a:schemeClr val="tx1">
+            <a:lumMod val="35000"/>
+            <a:lumOff val="65000"/>
+          </a:schemeClr>
+        </a:solidFill>
+        <a:round/>
+      </a:ln>
+    </cs:spPr>
+  </cs:leaderLine>
+  <cs:legend>
+    <cs:lnRef idx="0"/>
+    <cs:fillRef idx="0"/>
+    <cs:effectRef idx="0"/>
+    <cs:fontRef idx="minor">
+      <a:schemeClr val="tx1">
+        <a:lumMod val="65000"/>
+        <a:lumOff val="35000"/>
+      </a:schemeClr>
+    </cs:fontRef>
+    <cs:defRPr sz="900" kern="1200"/>
+  </cs:legend>
+  <cs:plotArea mods="allowNoFillOverride allowNoLineOverride">
+    <cs:lnRef idx="0"/>
+    <cs:fillRef idx="0"/>
+    <cs:effectRef idx="0"/>
+    <cs:fontRef idx="minor">
+      <a:schemeClr val="tx1"/>
+    </cs:fontRef>
+  </cs:plotArea>
+  <cs:plotArea3D mods="allowNoFillOverride allowNoLineOverride">
+    <cs:lnRef idx="0"/>
+    <cs:fillRef idx="0"/>
+    <cs:effectRef idx="0"/>
+    <cs:fontRef idx="minor">
+      <a:schemeClr val="tx1"/>
+    </cs:fontRef>
+  </cs:plotArea3D>
+  <cs:seriesAxis>
+    <cs:lnRef idx="0"/>
+    <cs:fillRef idx="0"/>
+    <cs:effectRef idx="0"/>
+    <cs:fontRef idx="minor">
+      <a:schemeClr val="tx1">
+        <a:lumMod val="65000"/>
+        <a:lumOff val="35000"/>
+      </a:schemeClr>
+    </cs:fontRef>
+    <cs:defRPr sz="900" kern="1200"/>
+  </cs:seriesAxis>
+  <cs:seriesLine>
+    <cs:lnRef idx="0"/>
+    <cs:fillRef idx="0"/>
+    <cs:effectRef idx="0"/>
+    <cs:fontRef idx="minor">
+      <a:schemeClr val="tx1"/>
+    </cs:fontRef>
+    <cs:spPr>
+      <a:ln w="9525" cap="flat" cmpd="sng" algn="ctr">
+        <a:solidFill>
+          <a:schemeClr val="tx1">
+            <a:lumMod val="35000"/>
+            <a:lumOff val="65000"/>
+          </a:schemeClr>
+        </a:solidFill>
+        <a:round/>
+      </a:ln>
+    </cs:spPr>
+  </cs:seriesLine>
+  <cs:title>
+    <cs:lnRef idx="0"/>
+    <cs:fillRef idx="0"/>
+    <cs:effectRef idx="0"/>
+    <cs:fontRef idx="minor">
+      <a:schemeClr val="tx1">
+        <a:lumMod val="65000"/>
+        <a:lumOff val="35000"/>
+      </a:schemeClr>
+    </cs:fontRef>
+    <cs:defRPr sz="1400" b="0" kern="1200" spc="0" baseline="0"/>
+  </cs:title>
+  <cs:trendline>
+    <cs:lnRef idx="0">
+      <cs:styleClr val="auto"/>
+    </cs:lnRef>
+    <cs:fillRef idx="0"/>
+    <cs:effectRef idx="0"/>
+    <cs:fontRef idx="minor">
+      <a:schemeClr val="tx1"/>
+    </cs:fontRef>
+    <cs:spPr>
+      <a:ln w="19050" cap="rnd">
+        <a:solidFill>
+          <a:schemeClr val="phClr"/>
+        </a:solidFill>
+        <a:prstDash val="sysDot"/>
+      </a:ln>
+    </cs:spPr>
+  </cs:trendline>
+  <cs:trendlineLabel>
+    <cs:lnRef idx="0"/>
+    <cs:fillRef idx="0"/>
+    <cs:effectRef idx="0"/>
+    <cs:fontRef idx="minor">
+      <a:schemeClr val="tx1">
+        <a:lumMod val="65000"/>
+        <a:lumOff val="35000"/>
+      </a:schemeClr>
+    </cs:fontRef>
+    <cs:defRPr sz="900" kern="1200"/>
+  </cs:trendlineLabel>
+  <cs:upBar>
+    <cs:lnRef idx="0"/>
+    <cs:fillRef idx="0"/>
+    <cs:effectRef idx="0"/>
+    <cs:fontRef idx="minor">
+      <a:schemeClr val="dk1"/>
+    </cs:fontRef>
+    <cs:spPr>
+      <a:solidFill>
+        <a:schemeClr val="lt1"/>
+      </a:solidFill>
+      <a:ln w="9525">
+        <a:solidFill>
+          <a:schemeClr val="tx1">
+            <a:lumMod val="15000"/>
+            <a:lumOff val="85000"/>
+          </a:schemeClr>
+        </a:solidFill>
+      </a:ln>
+    </cs:spPr>
+  </cs:upBar>
+  <cs:valueAxis>
+    <cs:lnRef idx="0"/>
+    <cs:fillRef idx="0"/>
+    <cs:effectRef idx="0"/>
+    <cs:fontRef idx="minor">
+      <a:schemeClr val="tx1">
+        <a:lumMod val="65000"/>
+        <a:lumOff val="35000"/>
+      </a:schemeClr>
+    </cs:fontRef>
+    <cs:defRPr sz="900" kern="1200"/>
+  </cs:valueAxis>
+  <cs:wall>
+    <cs:lnRef idx="0"/>
+    <cs:fillRef idx="0"/>
+    <cs:effectRef idx="0"/>
+    <cs:fontRef idx="minor">
+      <a:schemeClr val="tx1"/>
+    </cs:fontRef>
+    <cs:spPr>
+      <a:noFill/>
+      <a:ln>
+        <a:noFill/>
+      </a:ln>
+    </cs:spPr>
+  </cs:wall>
+</cs:chartStyle>
+</file>
+
 <file path=ppt/notesMasters/notesMaster1.xml><?xml version="1.0" encoding="utf-8"?>
 <p:notesMaster xmlns:a="http://schemas.openxmlformats.org/drawingml/2006/main" xmlns:r="http://schemas.openxmlformats.org/officeDocument/2006/relationships" xmlns:p="http://schemas.openxmlformats.org/presentationml/2006/main">
   <p:cSld>
@@ -224,7 +1214,7 @@
           <a:p>
             <a:fld id="{89CB4CE5-EE24-4B7F-8753-C109593295A5}" type="datetimeFigureOut">
               <a:rPr lang="sv-SE" smtClean="0"/>
-              <a:t>2019-01-07</a:t>
+              <a:t>2019-01-11</a:t>
             </a:fld>
             <a:endParaRPr lang="sv-SE"/>
           </a:p>
@@ -22605,8 +23595,8 @@
         </p:nvSpPr>
         <p:spPr>
           <a:xfrm>
-            <a:off x="539284" y="2180098"/>
-            <a:ext cx="10687345" cy="1477328"/>
+            <a:off x="539284" y="2918762"/>
+            <a:ext cx="10687345" cy="738664"/>
           </a:xfrm>
         </p:spPr>
         <p:txBody>
@@ -22619,28 +23609,13 @@
             </a:r>
             <a:r>
               <a:rPr lang="sv-SE" b="0" dirty="0"/>
-              <a:t> </a:t>
+              <a:t> Basic </a:t>
             </a:r>
             <a:r>
               <a:rPr lang="sv-SE" b="0" dirty="0" err="1"/>
               <a:t>tutorial</a:t>
             </a:r>
-            <a:r>
-              <a:rPr lang="sv-SE" b="0" dirty="0"/>
-              <a:t> – 4D data </a:t>
-            </a:r>
-            <a:r>
-              <a:rPr lang="sv-SE" b="0" dirty="0" err="1"/>
-              <a:t>analysis</a:t>
-            </a:r>
-            <a:r>
-              <a:rPr lang="sv-SE" b="0" dirty="0"/>
-              <a:t> and </a:t>
-            </a:r>
-            <a:r>
-              <a:rPr lang="en-GB" b="0" dirty="0"/>
-              <a:t>Visualisation</a:t>
-            </a:r>
+            <a:endParaRPr lang="en-GB" b="0" dirty="0"/>
           </a:p>
         </p:txBody>
       </p:sp>
@@ -22888,7 +23863,7 @@
           <a:p>
             <a:r>
               <a:rPr lang="en-GB" sz="2400" dirty="0"/>
-              <a:t>Example: 4D data analysis and visualisation</a:t>
+              <a:t>Examples</a:t>
             </a:r>
           </a:p>
           <a:p>
@@ -27021,6 +27996,388 @@
       </p:grpSpPr>
       <p:sp>
         <p:nvSpPr>
+          <p:cNvPr id="3" name="Platshållare för bildnummer 2">
+            <a:extLst>
+              <a:ext uri="{FF2B5EF4-FFF2-40B4-BE49-F238E27FC236}">
+                <a16:creationId xmlns:a16="http://schemas.microsoft.com/office/drawing/2014/main" id="{884211B2-2882-4CAA-A5B9-A0B4FF201784}"/>
+              </a:ext>
+            </a:extLst>
+          </p:cNvPr>
+          <p:cNvSpPr>
+            <a:spLocks noGrp="1"/>
+          </p:cNvSpPr>
+          <p:nvPr>
+            <p:ph type="sldNum" sz="quarter" idx="10"/>
+          </p:nvPr>
+        </p:nvSpPr>
+        <p:spPr/>
+        <p:txBody>
+          <a:bodyPr/>
+          <a:lstStyle/>
+          <a:p>
+            <a:fld id="{689F2D8B-41AF-4F0A-96D1-36B06F461775}" type="slidenum">
+              <a:rPr lang="sv-SE" smtClean="0"/>
+              <a:pPr/>
+              <a:t>5</a:t>
+            </a:fld>
+            <a:endParaRPr lang="sv-SE"/>
+          </a:p>
+        </p:txBody>
+      </p:sp>
+      <p:sp>
+        <p:nvSpPr>
+          <p:cNvPr id="4" name="Rubrik 3">
+            <a:extLst>
+              <a:ext uri="{FF2B5EF4-FFF2-40B4-BE49-F238E27FC236}">
+                <a16:creationId xmlns:a16="http://schemas.microsoft.com/office/drawing/2014/main" id="{2F1CB80D-6CBF-4024-9759-C7C21F046E87}"/>
+              </a:ext>
+            </a:extLst>
+          </p:cNvPr>
+          <p:cNvSpPr>
+            <a:spLocks noGrp="1"/>
+          </p:cNvSpPr>
+          <p:nvPr>
+            <p:ph type="title"/>
+          </p:nvPr>
+        </p:nvSpPr>
+        <p:spPr/>
+        <p:txBody>
+          <a:bodyPr/>
+          <a:lstStyle/>
+          <a:p>
+            <a:r>
+              <a:rPr lang="en-GB" dirty="0"/>
+              <a:t>Example: data interpolation</a:t>
+            </a:r>
+          </a:p>
+        </p:txBody>
+      </p:sp>
+      <p:graphicFrame>
+        <p:nvGraphicFramePr>
+          <p:cNvPr id="5" name="Diagram 4">
+            <a:extLst>
+              <a:ext uri="{FF2B5EF4-FFF2-40B4-BE49-F238E27FC236}">
+                <a16:creationId xmlns:a16="http://schemas.microsoft.com/office/drawing/2014/main" id="{2E0647DD-9432-463E-BD73-66AAF7D416CD}"/>
+              </a:ext>
+            </a:extLst>
+          </p:cNvPr>
+          <p:cNvGraphicFramePr>
+            <a:graphicFrameLocks/>
+          </p:cNvGraphicFramePr>
+          <p:nvPr>
+            <p:extLst>
+              <p:ext uri="{D42A27DB-BD31-4B8C-83A1-F6EECF244321}">
+                <p14:modId xmlns:p14="http://schemas.microsoft.com/office/powerpoint/2010/main" val="4215985272"/>
+              </p:ext>
+            </p:extLst>
+          </p:nvPr>
+        </p:nvGraphicFramePr>
+        <p:xfrm>
+          <a:off x="1058216" y="1139779"/>
+          <a:ext cx="8324046" cy="5492840"/>
+        </p:xfrm>
+        <a:graphic>
+          <a:graphicData uri="http://schemas.openxmlformats.org/drawingml/2006/chart">
+            <c:chart xmlns:c="http://schemas.openxmlformats.org/drawingml/2006/chart" xmlns:r="http://schemas.openxmlformats.org/officeDocument/2006/relationships" r:id="rId2"/>
+          </a:graphicData>
+        </a:graphic>
+      </p:graphicFrame>
+      <p:cxnSp>
+        <p:nvCxnSpPr>
+          <p:cNvPr id="7" name="Rak koppling 6">
+            <a:extLst>
+              <a:ext uri="{FF2B5EF4-FFF2-40B4-BE49-F238E27FC236}">
+                <a16:creationId xmlns:a16="http://schemas.microsoft.com/office/drawing/2014/main" id="{BC364762-7B46-43CA-8CEC-8784D7CC0F81}"/>
+              </a:ext>
+            </a:extLst>
+          </p:cNvPr>
+          <p:cNvCxnSpPr>
+            <a:cxnSpLocks/>
+          </p:cNvCxnSpPr>
+          <p:nvPr/>
+        </p:nvCxnSpPr>
+        <p:spPr>
+          <a:xfrm>
+            <a:off x="1693572" y="5750418"/>
+            <a:ext cx="744828" cy="0"/>
+          </a:xfrm>
+          <a:prstGeom prst="line">
+            <a:avLst/>
+          </a:prstGeom>
+          <a:ln w="28575">
+            <a:solidFill>
+              <a:srgbClr val="FF0000"/>
+            </a:solidFill>
+            <a:prstDash val="dash"/>
+          </a:ln>
+        </p:spPr>
+        <p:style>
+          <a:lnRef idx="1">
+            <a:schemeClr val="accent1"/>
+          </a:lnRef>
+          <a:fillRef idx="0">
+            <a:schemeClr val="accent1"/>
+          </a:fillRef>
+          <a:effectRef idx="0">
+            <a:schemeClr val="accent1"/>
+          </a:effectRef>
+          <a:fontRef idx="minor">
+            <a:schemeClr val="tx1"/>
+          </a:fontRef>
+        </p:style>
+      </p:cxnSp>
+      <p:cxnSp>
+        <p:nvCxnSpPr>
+          <p:cNvPr id="8" name="Rak koppling 7">
+            <a:extLst>
+              <a:ext uri="{FF2B5EF4-FFF2-40B4-BE49-F238E27FC236}">
+                <a16:creationId xmlns:a16="http://schemas.microsoft.com/office/drawing/2014/main" id="{5A83E23D-A5F4-4E6E-89B4-C19ADD370753}"/>
+              </a:ext>
+            </a:extLst>
+          </p:cNvPr>
+          <p:cNvCxnSpPr>
+            <a:cxnSpLocks/>
+          </p:cNvCxnSpPr>
+          <p:nvPr/>
+        </p:nvCxnSpPr>
+        <p:spPr>
+          <a:xfrm>
+            <a:off x="2438400" y="5750418"/>
+            <a:ext cx="0" cy="379926"/>
+          </a:xfrm>
+          <a:prstGeom prst="line">
+            <a:avLst/>
+          </a:prstGeom>
+          <a:ln w="28575">
+            <a:solidFill>
+              <a:srgbClr val="FF0000"/>
+            </a:solidFill>
+            <a:prstDash val="dash"/>
+          </a:ln>
+        </p:spPr>
+        <p:style>
+          <a:lnRef idx="1">
+            <a:schemeClr val="accent1"/>
+          </a:lnRef>
+          <a:fillRef idx="0">
+            <a:schemeClr val="accent1"/>
+          </a:fillRef>
+          <a:effectRef idx="0">
+            <a:schemeClr val="accent1"/>
+          </a:effectRef>
+          <a:fontRef idx="minor">
+            <a:schemeClr val="tx1"/>
+          </a:fontRef>
+        </p:style>
+      </p:cxnSp>
+      <p:cxnSp>
+        <p:nvCxnSpPr>
+          <p:cNvPr id="14" name="Rak koppling 13">
+            <a:extLst>
+              <a:ext uri="{FF2B5EF4-FFF2-40B4-BE49-F238E27FC236}">
+                <a16:creationId xmlns:a16="http://schemas.microsoft.com/office/drawing/2014/main" id="{098F7CE4-BE80-47A3-97C1-FF05FAEBB1F2}"/>
+              </a:ext>
+            </a:extLst>
+          </p:cNvPr>
+          <p:cNvCxnSpPr>
+            <a:cxnSpLocks/>
+          </p:cNvCxnSpPr>
+          <p:nvPr/>
+        </p:nvCxnSpPr>
+        <p:spPr>
+          <a:xfrm>
+            <a:off x="1693572" y="4235002"/>
+            <a:ext cx="3470856" cy="0"/>
+          </a:xfrm>
+          <a:prstGeom prst="line">
+            <a:avLst/>
+          </a:prstGeom>
+          <a:ln w="28575">
+            <a:solidFill>
+              <a:srgbClr val="FF0000"/>
+            </a:solidFill>
+            <a:prstDash val="dash"/>
+          </a:ln>
+        </p:spPr>
+        <p:style>
+          <a:lnRef idx="1">
+            <a:schemeClr val="accent1"/>
+          </a:lnRef>
+          <a:fillRef idx="0">
+            <a:schemeClr val="accent1"/>
+          </a:fillRef>
+          <a:effectRef idx="0">
+            <a:schemeClr val="accent1"/>
+          </a:effectRef>
+          <a:fontRef idx="minor">
+            <a:schemeClr val="tx1"/>
+          </a:fontRef>
+        </p:style>
+      </p:cxnSp>
+      <p:cxnSp>
+        <p:nvCxnSpPr>
+          <p:cNvPr id="16" name="Rak koppling 15">
+            <a:extLst>
+              <a:ext uri="{FF2B5EF4-FFF2-40B4-BE49-F238E27FC236}">
+                <a16:creationId xmlns:a16="http://schemas.microsoft.com/office/drawing/2014/main" id="{8D84A813-9E6D-4285-A4EE-F45E5239221A}"/>
+              </a:ext>
+            </a:extLst>
+          </p:cNvPr>
+          <p:cNvCxnSpPr>
+            <a:cxnSpLocks/>
+          </p:cNvCxnSpPr>
+          <p:nvPr/>
+        </p:nvCxnSpPr>
+        <p:spPr>
+          <a:xfrm>
+            <a:off x="5164428" y="4254322"/>
+            <a:ext cx="0" cy="1876022"/>
+          </a:xfrm>
+          <a:prstGeom prst="line">
+            <a:avLst/>
+          </a:prstGeom>
+          <a:ln w="28575">
+            <a:solidFill>
+              <a:srgbClr val="FF0000"/>
+            </a:solidFill>
+            <a:prstDash val="dash"/>
+          </a:ln>
+        </p:spPr>
+        <p:style>
+          <a:lnRef idx="1">
+            <a:schemeClr val="accent1"/>
+          </a:lnRef>
+          <a:fillRef idx="0">
+            <a:schemeClr val="accent1"/>
+          </a:fillRef>
+          <a:effectRef idx="0">
+            <a:schemeClr val="accent1"/>
+          </a:effectRef>
+          <a:fontRef idx="minor">
+            <a:schemeClr val="tx1"/>
+          </a:fontRef>
+        </p:style>
+      </p:cxnSp>
+      <p:cxnSp>
+        <p:nvCxnSpPr>
+          <p:cNvPr id="18" name="Rak koppling 17">
+            <a:extLst>
+              <a:ext uri="{FF2B5EF4-FFF2-40B4-BE49-F238E27FC236}">
+                <a16:creationId xmlns:a16="http://schemas.microsoft.com/office/drawing/2014/main" id="{2CC400C7-1297-4EEB-BDB2-F042CE47A4CC}"/>
+              </a:ext>
+            </a:extLst>
+          </p:cNvPr>
+          <p:cNvCxnSpPr>
+            <a:cxnSpLocks/>
+          </p:cNvCxnSpPr>
+          <p:nvPr/>
+        </p:nvCxnSpPr>
+        <p:spPr>
+          <a:xfrm flipV="1">
+            <a:off x="1693572" y="2704563"/>
+            <a:ext cx="5679583" cy="53661"/>
+          </a:xfrm>
+          <a:prstGeom prst="line">
+            <a:avLst/>
+          </a:prstGeom>
+          <a:ln w="28575">
+            <a:solidFill>
+              <a:srgbClr val="FF0000"/>
+            </a:solidFill>
+            <a:prstDash val="dash"/>
+          </a:ln>
+        </p:spPr>
+        <p:style>
+          <a:lnRef idx="1">
+            <a:schemeClr val="accent1"/>
+          </a:lnRef>
+          <a:fillRef idx="0">
+            <a:schemeClr val="accent1"/>
+          </a:fillRef>
+          <a:effectRef idx="0">
+            <a:schemeClr val="accent1"/>
+          </a:effectRef>
+          <a:fontRef idx="minor">
+            <a:schemeClr val="tx1"/>
+          </a:fontRef>
+        </p:style>
+      </p:cxnSp>
+      <p:cxnSp>
+        <p:nvCxnSpPr>
+          <p:cNvPr id="20" name="Rak koppling 19">
+            <a:extLst>
+              <a:ext uri="{FF2B5EF4-FFF2-40B4-BE49-F238E27FC236}">
+                <a16:creationId xmlns:a16="http://schemas.microsoft.com/office/drawing/2014/main" id="{9EDF134B-A927-4F1A-A7FF-7E38B9034D80}"/>
+              </a:ext>
+            </a:extLst>
+          </p:cNvPr>
+          <p:cNvCxnSpPr>
+            <a:cxnSpLocks/>
+          </p:cNvCxnSpPr>
+          <p:nvPr/>
+        </p:nvCxnSpPr>
+        <p:spPr>
+          <a:xfrm>
+            <a:off x="7390327" y="2758224"/>
+            <a:ext cx="66541" cy="3372120"/>
+          </a:xfrm>
+          <a:prstGeom prst="line">
+            <a:avLst/>
+          </a:prstGeom>
+          <a:ln w="28575">
+            <a:solidFill>
+              <a:srgbClr val="FF0000"/>
+            </a:solidFill>
+            <a:prstDash val="dash"/>
+          </a:ln>
+        </p:spPr>
+        <p:style>
+          <a:lnRef idx="1">
+            <a:schemeClr val="accent1"/>
+          </a:lnRef>
+          <a:fillRef idx="0">
+            <a:schemeClr val="accent1"/>
+          </a:fillRef>
+          <a:effectRef idx="0">
+            <a:schemeClr val="accent1"/>
+          </a:effectRef>
+          <a:fontRef idx="minor">
+            <a:schemeClr val="tx1"/>
+          </a:fontRef>
+        </p:style>
+      </p:cxnSp>
+    </p:spTree>
+    <p:extLst>
+      <p:ext uri="{BB962C8B-B14F-4D97-AF65-F5344CB8AC3E}">
+        <p14:creationId xmlns:p14="http://schemas.microsoft.com/office/powerpoint/2010/main" val="1021546809"/>
+      </p:ext>
+    </p:extLst>
+  </p:cSld>
+  <p:clrMapOvr>
+    <a:masterClrMapping/>
+  </p:clrMapOvr>
+</p:sld>
+</file>
+
+<file path=ppt/slides/slide6.xml><?xml version="1.0" encoding="utf-8"?>
+<p:sld xmlns:a="http://schemas.openxmlformats.org/drawingml/2006/main" xmlns:r="http://schemas.openxmlformats.org/officeDocument/2006/relationships" xmlns:p="http://schemas.openxmlformats.org/presentationml/2006/main">
+  <p:cSld>
+    <p:spTree>
+      <p:nvGrpSpPr>
+        <p:cNvPr id="1" name=""/>
+        <p:cNvGrpSpPr/>
+        <p:nvPr/>
+      </p:nvGrpSpPr>
+      <p:grpSpPr>
+        <a:xfrm>
+          <a:off x="0" y="0"/>
+          <a:ext cx="0" cy="0"/>
+          <a:chOff x="0" y="0"/>
+          <a:chExt cx="0" cy="0"/>
+        </a:xfrm>
+      </p:grpSpPr>
+      <p:sp>
+        <p:nvSpPr>
           <p:cNvPr id="2" name="Platshållare för innehåll 1">
             <a:extLst>
               <a:ext uri="{FF2B5EF4-FFF2-40B4-BE49-F238E27FC236}">
@@ -27093,7 +28450,7 @@
             <a:fld id="{689F2D8B-41AF-4F0A-96D1-36B06F461775}" type="slidenum">
               <a:rPr lang="sv-SE" smtClean="0"/>
               <a:pPr/>
-              <a:t>5</a:t>
+              <a:t>6</a:t>
             </a:fld>
             <a:endParaRPr lang="sv-SE"/>
           </a:p>
@@ -27140,7 +28497,7 @@
 </p:sld>
 </file>
 
-<file path=ppt/slides/slide6.xml><?xml version="1.0" encoding="utf-8"?>
+<file path=ppt/slides/slide7.xml><?xml version="1.0" encoding="utf-8"?>
 <p:sld xmlns:a="http://schemas.openxmlformats.org/drawingml/2006/main" xmlns:r="http://schemas.openxmlformats.org/officeDocument/2006/relationships" xmlns:p="http://schemas.openxmlformats.org/presentationml/2006/main">
   <p:cSld>
     <p:spTree>
@@ -28163,9 +29520,12 @@
 </file>
 
 <file path=customXml/item1.xml><?xml version="1.0" encoding="utf-8"?>
-<p:properties xmlns:p="http://schemas.microsoft.com/office/2006/metadata/properties" xmlns:xsi="http://www.w3.org/2001/XMLSchema-instance" xmlns:pc="http://schemas.microsoft.com/office/infopath/2007/PartnerControls">
-  <documentManagement/>
-</p:properties>
+<?mso-contentType ?>
+<FormTemplates xmlns="http://schemas.microsoft.com/sharepoint/v3/contenttype/forms">
+  <Display>DocumentLibraryForm</Display>
+  <Edit>DocumentLibraryForm</Edit>
+  <New>DocumentLibraryForm</New>
+</FormTemplates>
 </file>
 
 <file path=customXml/item2.xml><?xml version="1.0" encoding="utf-8"?>
@@ -28283,25 +29643,15 @@
 </file>
 
 <file path=customXml/item3.xml><?xml version="1.0" encoding="utf-8"?>
-<?mso-contentType ?>
-<FormTemplates xmlns="http://schemas.microsoft.com/sharepoint/v3/contenttype/forms">
-  <Display>DocumentLibraryForm</Display>
-  <Edit>DocumentLibraryForm</Edit>
-  <New>DocumentLibraryForm</New>
-</FormTemplates>
+<p:properties xmlns:p="http://schemas.microsoft.com/office/2006/metadata/properties" xmlns:xsi="http://www.w3.org/2001/XMLSchema-instance" xmlns:pc="http://schemas.microsoft.com/office/infopath/2007/PartnerControls">
+  <documentManagement/>
+</p:properties>
 </file>
 
 <file path=customXml/itemProps1.xml><?xml version="1.0" encoding="utf-8"?>
-<ds:datastoreItem xmlns:ds="http://schemas.openxmlformats.org/officeDocument/2006/customXml" ds:itemID="{26618E9E-EE3D-49E8-976D-32D4EED83FB9}">
+<ds:datastoreItem xmlns:ds="http://schemas.openxmlformats.org/officeDocument/2006/customXml" ds:itemID="{9F15F187-48BE-44FE-A7A6-2773B471FAEE}">
   <ds:schemaRefs>
-    <ds:schemaRef ds:uri="http://purl.org/dc/terms/"/>
-    <ds:schemaRef ds:uri="http://schemas.openxmlformats.org/package/2006/metadata/core-properties"/>
-    <ds:schemaRef ds:uri="http://schemas.microsoft.com/office/2006/documentManagement/types"/>
-    <ds:schemaRef ds:uri="http://schemas.microsoft.com/office/infopath/2007/PartnerControls"/>
-    <ds:schemaRef ds:uri="http://purl.org/dc/elements/1.1/"/>
-    <ds:schemaRef ds:uri="http://schemas.microsoft.com/office/2006/metadata/properties"/>
-    <ds:schemaRef ds:uri="http://www.w3.org/XML/1998/namespace"/>
-    <ds:schemaRef ds:uri="http://purl.org/dc/dcmitype/"/>
+    <ds:schemaRef ds:uri="http://schemas.microsoft.com/sharepoint/v3/contenttype/forms"/>
   </ds:schemaRefs>
 </ds:datastoreItem>
 </file>
@@ -28323,9 +29673,16 @@
 </file>
 
 <file path=customXml/itemProps3.xml><?xml version="1.0" encoding="utf-8"?>
-<ds:datastoreItem xmlns:ds="http://schemas.openxmlformats.org/officeDocument/2006/customXml" ds:itemID="{9F15F187-48BE-44FE-A7A6-2773B471FAEE}">
+<ds:datastoreItem xmlns:ds="http://schemas.openxmlformats.org/officeDocument/2006/customXml" ds:itemID="{26618E9E-EE3D-49E8-976D-32D4EED83FB9}">
   <ds:schemaRefs>
-    <ds:schemaRef ds:uri="http://schemas.microsoft.com/sharepoint/v3/contenttype/forms"/>
+    <ds:schemaRef ds:uri="http://purl.org/dc/terms/"/>
+    <ds:schemaRef ds:uri="http://schemas.openxmlformats.org/package/2006/metadata/core-properties"/>
+    <ds:schemaRef ds:uri="http://schemas.microsoft.com/office/2006/documentManagement/types"/>
+    <ds:schemaRef ds:uri="http://schemas.microsoft.com/office/infopath/2007/PartnerControls"/>
+    <ds:schemaRef ds:uri="http://purl.org/dc/elements/1.1/"/>
+    <ds:schemaRef ds:uri="http://schemas.microsoft.com/office/2006/metadata/properties"/>
+    <ds:schemaRef ds:uri="http://www.w3.org/XML/1998/namespace"/>
+    <ds:schemaRef ds:uri="http://purl.org/dc/dcmitype/"/>
   </ds:schemaRefs>
 </ds:datastoreItem>
 </file>